--- a/DAAA2A02-2112589-LimHur-Classification.pptx
+++ b/DAAA2A02-2112589-LimHur-Classification.pptx
@@ -5,7 +5,7 @@
     <p:sldMasterId id="2147483683" r:id="rId1"/>
   </p:sldMasterIdLst>
   <p:notesMasterIdLst>
-    <p:notesMasterId r:id="rId26"/>
+    <p:notesMasterId r:id="rId27"/>
   </p:notesMasterIdLst>
   <p:sldIdLst>
     <p:sldId id="256" r:id="rId2"/>
@@ -15,44 +15,45 @@
     <p:sldId id="328" r:id="rId6"/>
     <p:sldId id="329" r:id="rId7"/>
     <p:sldId id="330" r:id="rId8"/>
-    <p:sldId id="331" r:id="rId9"/>
-    <p:sldId id="332" r:id="rId10"/>
-    <p:sldId id="333" r:id="rId11"/>
-    <p:sldId id="334" r:id="rId12"/>
-    <p:sldId id="335" r:id="rId13"/>
-    <p:sldId id="345" r:id="rId14"/>
-    <p:sldId id="347" r:id="rId15"/>
-    <p:sldId id="348" r:id="rId16"/>
-    <p:sldId id="338" r:id="rId17"/>
-    <p:sldId id="337" r:id="rId18"/>
-    <p:sldId id="344" r:id="rId19"/>
-    <p:sldId id="339" r:id="rId20"/>
-    <p:sldId id="340" r:id="rId21"/>
-    <p:sldId id="341" r:id="rId22"/>
-    <p:sldId id="349" r:id="rId23"/>
-    <p:sldId id="342" r:id="rId24"/>
-    <p:sldId id="343" r:id="rId25"/>
+    <p:sldId id="350" r:id="rId9"/>
+    <p:sldId id="331" r:id="rId10"/>
+    <p:sldId id="332" r:id="rId11"/>
+    <p:sldId id="333" r:id="rId12"/>
+    <p:sldId id="334" r:id="rId13"/>
+    <p:sldId id="335" r:id="rId14"/>
+    <p:sldId id="345" r:id="rId15"/>
+    <p:sldId id="347" r:id="rId16"/>
+    <p:sldId id="348" r:id="rId17"/>
+    <p:sldId id="338" r:id="rId18"/>
+    <p:sldId id="337" r:id="rId19"/>
+    <p:sldId id="344" r:id="rId20"/>
+    <p:sldId id="339" r:id="rId21"/>
+    <p:sldId id="340" r:id="rId22"/>
+    <p:sldId id="341" r:id="rId23"/>
+    <p:sldId id="349" r:id="rId24"/>
+    <p:sldId id="342" r:id="rId25"/>
+    <p:sldId id="343" r:id="rId26"/>
   </p:sldIdLst>
   <p:sldSz cx="9144000" cy="5143500" type="screen16x9"/>
   <p:notesSz cx="6858000" cy="9144000"/>
   <p:embeddedFontLst>
     <p:embeddedFont>
       <p:font typeface="Consolas" panose="020B0609020204030204" pitchFamily="49" charset="0"/>
-      <p:regular r:id="rId27"/>
-      <p:bold r:id="rId28"/>
-      <p:italic r:id="rId29"/>
-      <p:boldItalic r:id="rId30"/>
+      <p:regular r:id="rId28"/>
+      <p:bold r:id="rId29"/>
+      <p:italic r:id="rId30"/>
+      <p:boldItalic r:id="rId31"/>
     </p:embeddedFont>
     <p:embeddedFont>
       <p:font typeface="Montserrat" panose="00000500000000000000" pitchFamily="2" charset="0"/>
-      <p:regular r:id="rId31"/>
-      <p:bold r:id="rId32"/>
-      <p:italic r:id="rId33"/>
-      <p:boldItalic r:id="rId34"/>
+      <p:regular r:id="rId32"/>
+      <p:bold r:id="rId33"/>
+      <p:italic r:id="rId34"/>
+      <p:boldItalic r:id="rId35"/>
     </p:embeddedFont>
     <p:embeddedFont>
       <p:font typeface="Vidaloka" panose="020B0604020202020204" charset="0"/>
-      <p:regular r:id="rId35"/>
+      <p:regular r:id="rId36"/>
     </p:embeddedFont>
   </p:embeddedFontLst>
   <p:defaultTextStyle>
@@ -290,6 +291,358 @@
     </p:ext>
   </p:extLst>
 </p:presentation>
+</file>
+
+<file path=ppt/changesInfos/changesInfo1.xml><?xml version="1.0" encoding="utf-8"?>
+<pc:chgInfo xmlns:a="http://schemas.openxmlformats.org/drawingml/2006/main" xmlns:r="http://schemas.openxmlformats.org/officeDocument/2006/relationships" xmlns:ac="http://schemas.microsoft.com/office/drawing/2013/main/command" xmlns:pc="http://schemas.microsoft.com/office/powerpoint/2013/main/command">
+  <pc:docChgLst>
+    <pc:chgData name="LIM HUR" userId="6af28d70-dd6d-4d11-b254-59f06a27fcc2" providerId="ADAL" clId="{BC5873B0-DB2F-4F31-9290-8A7C81B0C69A}"/>
+    <pc:docChg chg="undo redo custSel addSld modSld">
+      <pc:chgData name="LIM HUR" userId="6af28d70-dd6d-4d11-b254-59f06a27fcc2" providerId="ADAL" clId="{BC5873B0-DB2F-4F31-9290-8A7C81B0C69A}" dt="2022-06-29T17:33:22.634" v="1042" actId="20577"/>
+      <pc:docMkLst>
+        <pc:docMk/>
+      </pc:docMkLst>
+      <pc:sldChg chg="modSp mod">
+        <pc:chgData name="LIM HUR" userId="6af28d70-dd6d-4d11-b254-59f06a27fcc2" providerId="ADAL" clId="{BC5873B0-DB2F-4F31-9290-8A7C81B0C69A}" dt="2022-06-28T10:47:24.076" v="329" actId="1076"/>
+        <pc:sldMkLst>
+          <pc:docMk/>
+          <pc:sldMk cId="0" sldId="262"/>
+        </pc:sldMkLst>
+        <pc:spChg chg="mod">
+          <ac:chgData name="LIM HUR" userId="6af28d70-dd6d-4d11-b254-59f06a27fcc2" providerId="ADAL" clId="{BC5873B0-DB2F-4F31-9290-8A7C81B0C69A}" dt="2022-06-28T10:47:24.076" v="329" actId="1076"/>
+          <ac:spMkLst>
+            <pc:docMk/>
+            <pc:sldMk cId="0" sldId="262"/>
+            <ac:spMk id="302" creationId="{00000000-0000-0000-0000-000000000000}"/>
+          </ac:spMkLst>
+        </pc:spChg>
+      </pc:sldChg>
+      <pc:sldChg chg="modSp mod">
+        <pc:chgData name="LIM HUR" userId="6af28d70-dd6d-4d11-b254-59f06a27fcc2" providerId="ADAL" clId="{BC5873B0-DB2F-4F31-9290-8A7C81B0C69A}" dt="2022-06-28T16:11:06.019" v="350" actId="20577"/>
+        <pc:sldMkLst>
+          <pc:docMk/>
+          <pc:sldMk cId="3271749651" sldId="328"/>
+        </pc:sldMkLst>
+        <pc:spChg chg="mod">
+          <ac:chgData name="LIM HUR" userId="6af28d70-dd6d-4d11-b254-59f06a27fcc2" providerId="ADAL" clId="{BC5873B0-DB2F-4F31-9290-8A7C81B0C69A}" dt="2022-06-28T16:11:06.019" v="350" actId="20577"/>
+          <ac:spMkLst>
+            <pc:docMk/>
+            <pc:sldMk cId="3271749651" sldId="328"/>
+            <ac:spMk id="291" creationId="{00000000-0000-0000-0000-000000000000}"/>
+          </ac:spMkLst>
+        </pc:spChg>
+      </pc:sldChg>
+      <pc:sldChg chg="delSp modSp mod">
+        <pc:chgData name="LIM HUR" userId="6af28d70-dd6d-4d11-b254-59f06a27fcc2" providerId="ADAL" clId="{BC5873B0-DB2F-4F31-9290-8A7C81B0C69A}" dt="2022-06-28T17:58:41.947" v="929" actId="20577"/>
+        <pc:sldMkLst>
+          <pc:docMk/>
+          <pc:sldMk cId="2506532244" sldId="330"/>
+        </pc:sldMkLst>
+        <pc:spChg chg="mod">
+          <ac:chgData name="LIM HUR" userId="6af28d70-dd6d-4d11-b254-59f06a27fcc2" providerId="ADAL" clId="{BC5873B0-DB2F-4F31-9290-8A7C81B0C69A}" dt="2022-06-28T17:58:41.947" v="929" actId="20577"/>
+          <ac:spMkLst>
+            <pc:docMk/>
+            <pc:sldMk cId="2506532244" sldId="330"/>
+            <ac:spMk id="290" creationId="{00000000-0000-0000-0000-000000000000}"/>
+          </ac:spMkLst>
+        </pc:spChg>
+        <pc:spChg chg="mod">
+          <ac:chgData name="LIM HUR" userId="6af28d70-dd6d-4d11-b254-59f06a27fcc2" providerId="ADAL" clId="{BC5873B0-DB2F-4F31-9290-8A7C81B0C69A}" dt="2022-06-28T17:57:09.520" v="793" actId="14100"/>
+          <ac:spMkLst>
+            <pc:docMk/>
+            <pc:sldMk cId="2506532244" sldId="330"/>
+            <ac:spMk id="291" creationId="{00000000-0000-0000-0000-000000000000}"/>
+          </ac:spMkLst>
+        </pc:spChg>
+        <pc:picChg chg="mod">
+          <ac:chgData name="LIM HUR" userId="6af28d70-dd6d-4d11-b254-59f06a27fcc2" providerId="ADAL" clId="{BC5873B0-DB2F-4F31-9290-8A7C81B0C69A}" dt="2022-06-28T17:56:58.688" v="789" actId="1076"/>
+          <ac:picMkLst>
+            <pc:docMk/>
+            <pc:sldMk cId="2506532244" sldId="330"/>
+            <ac:picMk id="4" creationId="{523639FF-0EC9-2684-8AAB-7FAF056D4079}"/>
+          </ac:picMkLst>
+        </pc:picChg>
+        <pc:picChg chg="del">
+          <ac:chgData name="LIM HUR" userId="6af28d70-dd6d-4d11-b254-59f06a27fcc2" providerId="ADAL" clId="{BC5873B0-DB2F-4F31-9290-8A7C81B0C69A}" dt="2022-06-28T17:54:48.539" v="730" actId="478"/>
+          <ac:picMkLst>
+            <pc:docMk/>
+            <pc:sldMk cId="2506532244" sldId="330"/>
+            <ac:picMk id="6" creationId="{C425B628-4560-8E16-EB76-D2416FB901A9}"/>
+          </ac:picMkLst>
+        </pc:picChg>
+        <pc:picChg chg="del">
+          <ac:chgData name="LIM HUR" userId="6af28d70-dd6d-4d11-b254-59f06a27fcc2" providerId="ADAL" clId="{BC5873B0-DB2F-4F31-9290-8A7C81B0C69A}" dt="2022-06-28T17:54:49.237" v="731" actId="478"/>
+          <ac:picMkLst>
+            <pc:docMk/>
+            <pc:sldMk cId="2506532244" sldId="330"/>
+            <ac:picMk id="8" creationId="{41A765A2-F07E-DCC8-476F-3FA076DF6D0B}"/>
+          </ac:picMkLst>
+        </pc:picChg>
+      </pc:sldChg>
+      <pc:sldChg chg="addSp modSp mod">
+        <pc:chgData name="LIM HUR" userId="6af28d70-dd6d-4d11-b254-59f06a27fcc2" providerId="ADAL" clId="{BC5873B0-DB2F-4F31-9290-8A7C81B0C69A}" dt="2022-06-28T18:02:39.539" v="940" actId="207"/>
+        <pc:sldMkLst>
+          <pc:docMk/>
+          <pc:sldMk cId="3588965340" sldId="331"/>
+        </pc:sldMkLst>
+        <pc:spChg chg="add mod">
+          <ac:chgData name="LIM HUR" userId="6af28d70-dd6d-4d11-b254-59f06a27fcc2" providerId="ADAL" clId="{BC5873B0-DB2F-4F31-9290-8A7C81B0C69A}" dt="2022-06-28T18:02:39.539" v="940" actId="207"/>
+          <ac:spMkLst>
+            <pc:docMk/>
+            <pc:sldMk cId="3588965340" sldId="331"/>
+            <ac:spMk id="4" creationId="{D25405A1-D0D9-B772-B2DA-8EF438A21EC5}"/>
+          </ac:spMkLst>
+        </pc:spChg>
+        <pc:spChg chg="mod">
+          <ac:chgData name="LIM HUR" userId="6af28d70-dd6d-4d11-b254-59f06a27fcc2" providerId="ADAL" clId="{BC5873B0-DB2F-4F31-9290-8A7C81B0C69A}" dt="2022-06-28T16:46:37.575" v="371" actId="1035"/>
+          <ac:spMkLst>
+            <pc:docMk/>
+            <pc:sldMk cId="3588965340" sldId="331"/>
+            <ac:spMk id="290" creationId="{00000000-0000-0000-0000-000000000000}"/>
+          </ac:spMkLst>
+        </pc:spChg>
+        <pc:spChg chg="mod">
+          <ac:chgData name="LIM HUR" userId="6af28d70-dd6d-4d11-b254-59f06a27fcc2" providerId="ADAL" clId="{BC5873B0-DB2F-4F31-9290-8A7C81B0C69A}" dt="2022-06-28T18:01:23.993" v="938" actId="14100"/>
+          <ac:spMkLst>
+            <pc:docMk/>
+            <pc:sldMk cId="3588965340" sldId="331"/>
+            <ac:spMk id="291" creationId="{00000000-0000-0000-0000-000000000000}"/>
+          </ac:spMkLst>
+        </pc:spChg>
+        <pc:picChg chg="mod">
+          <ac:chgData name="LIM HUR" userId="6af28d70-dd6d-4d11-b254-59f06a27fcc2" providerId="ADAL" clId="{BC5873B0-DB2F-4F31-9290-8A7C81B0C69A}" dt="2022-06-28T18:00:53.322" v="934" actId="14100"/>
+          <ac:picMkLst>
+            <pc:docMk/>
+            <pc:sldMk cId="3588965340" sldId="331"/>
+            <ac:picMk id="3" creationId="{50929189-EC58-1F9B-0CC8-51538D515A84}"/>
+          </ac:picMkLst>
+        </pc:picChg>
+        <pc:picChg chg="mod">
+          <ac:chgData name="LIM HUR" userId="6af28d70-dd6d-4d11-b254-59f06a27fcc2" providerId="ADAL" clId="{BC5873B0-DB2F-4F31-9290-8A7C81B0C69A}" dt="2022-06-28T18:01:02.186" v="937" actId="1076"/>
+          <ac:picMkLst>
+            <pc:docMk/>
+            <pc:sldMk cId="3588965340" sldId="331"/>
+            <ac:picMk id="5" creationId="{9DDAE1CF-2D5A-58E0-E10E-A7593C7E55F3}"/>
+          </ac:picMkLst>
+        </pc:picChg>
+      </pc:sldChg>
+      <pc:sldChg chg="modSp mod">
+        <pc:chgData name="LIM HUR" userId="6af28d70-dd6d-4d11-b254-59f06a27fcc2" providerId="ADAL" clId="{BC5873B0-DB2F-4F31-9290-8A7C81B0C69A}" dt="2022-06-29T17:33:22.634" v="1042" actId="20577"/>
+        <pc:sldMkLst>
+          <pc:docMk/>
+          <pc:sldMk cId="3992229806" sldId="332"/>
+        </pc:sldMkLst>
+        <pc:spChg chg="mod">
+          <ac:chgData name="LIM HUR" userId="6af28d70-dd6d-4d11-b254-59f06a27fcc2" providerId="ADAL" clId="{BC5873B0-DB2F-4F31-9290-8A7C81B0C69A}" dt="2022-06-29T17:33:22.634" v="1042" actId="20577"/>
+          <ac:spMkLst>
+            <pc:docMk/>
+            <pc:sldMk cId="3992229806" sldId="332"/>
+            <ac:spMk id="291" creationId="{00000000-0000-0000-0000-000000000000}"/>
+          </ac:spMkLst>
+        </pc:spChg>
+      </pc:sldChg>
+      <pc:sldChg chg="modSp mod">
+        <pc:chgData name="LIM HUR" userId="6af28d70-dd6d-4d11-b254-59f06a27fcc2" providerId="ADAL" clId="{BC5873B0-DB2F-4F31-9290-8A7C81B0C69A}" dt="2022-06-28T17:38:53.663" v="726" actId="20577"/>
+        <pc:sldMkLst>
+          <pc:docMk/>
+          <pc:sldMk cId="582169496" sldId="333"/>
+        </pc:sldMkLst>
+        <pc:spChg chg="mod">
+          <ac:chgData name="LIM HUR" userId="6af28d70-dd6d-4d11-b254-59f06a27fcc2" providerId="ADAL" clId="{BC5873B0-DB2F-4F31-9290-8A7C81B0C69A}" dt="2022-06-28T17:38:53.663" v="726" actId="20577"/>
+          <ac:spMkLst>
+            <pc:docMk/>
+            <pc:sldMk cId="582169496" sldId="333"/>
+            <ac:spMk id="290" creationId="{00000000-0000-0000-0000-000000000000}"/>
+          </ac:spMkLst>
+        </pc:spChg>
+      </pc:sldChg>
+      <pc:sldChg chg="modSp mod">
+        <pc:chgData name="LIM HUR" userId="6af28d70-dd6d-4d11-b254-59f06a27fcc2" providerId="ADAL" clId="{BC5873B0-DB2F-4F31-9290-8A7C81B0C69A}" dt="2022-06-28T17:20:29.575" v="715" actId="1076"/>
+        <pc:sldMkLst>
+          <pc:docMk/>
+          <pc:sldMk cId="1801899196" sldId="334"/>
+        </pc:sldMkLst>
+        <pc:picChg chg="mod">
+          <ac:chgData name="LIM HUR" userId="6af28d70-dd6d-4d11-b254-59f06a27fcc2" providerId="ADAL" clId="{BC5873B0-DB2F-4F31-9290-8A7C81B0C69A}" dt="2022-06-28T17:20:27.475" v="714" actId="14100"/>
+          <ac:picMkLst>
+            <pc:docMk/>
+            <pc:sldMk cId="1801899196" sldId="334"/>
+            <ac:picMk id="6" creationId="{1C00AF40-8EB5-82D1-A41F-2288C249FAFA}"/>
+          </ac:picMkLst>
+        </pc:picChg>
+        <pc:picChg chg="mod">
+          <ac:chgData name="LIM HUR" userId="6af28d70-dd6d-4d11-b254-59f06a27fcc2" providerId="ADAL" clId="{BC5873B0-DB2F-4F31-9290-8A7C81B0C69A}" dt="2022-06-28T17:20:29.575" v="715" actId="1076"/>
+          <ac:picMkLst>
+            <pc:docMk/>
+            <pc:sldMk cId="1801899196" sldId="334"/>
+            <ac:picMk id="8" creationId="{12AEE9BD-0737-3980-3FFF-17FE5F109D11}"/>
+          </ac:picMkLst>
+        </pc:picChg>
+      </pc:sldChg>
+      <pc:sldChg chg="modSp mod">
+        <pc:chgData name="LIM HUR" userId="6af28d70-dd6d-4d11-b254-59f06a27fcc2" providerId="ADAL" clId="{BC5873B0-DB2F-4F31-9290-8A7C81B0C69A}" dt="2022-06-28T17:26:31.092" v="719" actId="20577"/>
+        <pc:sldMkLst>
+          <pc:docMk/>
+          <pc:sldMk cId="2300351948" sldId="335"/>
+        </pc:sldMkLst>
+        <pc:spChg chg="mod">
+          <ac:chgData name="LIM HUR" userId="6af28d70-dd6d-4d11-b254-59f06a27fcc2" providerId="ADAL" clId="{BC5873B0-DB2F-4F31-9290-8A7C81B0C69A}" dt="2022-06-28T17:26:31.092" v="719" actId="20577"/>
+          <ac:spMkLst>
+            <pc:docMk/>
+            <pc:sldMk cId="2300351948" sldId="335"/>
+            <ac:spMk id="9" creationId="{4EC4060D-611F-7985-8733-56F7E7B9503D}"/>
+          </ac:spMkLst>
+        </pc:spChg>
+      </pc:sldChg>
+      <pc:sldChg chg="addSp delSp modSp mod">
+        <pc:chgData name="LIM HUR" userId="6af28d70-dd6d-4d11-b254-59f06a27fcc2" providerId="ADAL" clId="{BC5873B0-DB2F-4F31-9290-8A7C81B0C69A}" dt="2022-06-28T17:08:02.112" v="693" actId="1076"/>
+        <pc:sldMkLst>
+          <pc:docMk/>
+          <pc:sldMk cId="2187524092" sldId="337"/>
+        </pc:sldMkLst>
+        <pc:spChg chg="mod">
+          <ac:chgData name="LIM HUR" userId="6af28d70-dd6d-4d11-b254-59f06a27fcc2" providerId="ADAL" clId="{BC5873B0-DB2F-4F31-9290-8A7C81B0C69A}" dt="2022-06-28T17:07:25.614" v="686" actId="20577"/>
+          <ac:spMkLst>
+            <pc:docMk/>
+            <pc:sldMk cId="2187524092" sldId="337"/>
+            <ac:spMk id="291" creationId="{00000000-0000-0000-0000-000000000000}"/>
+          </ac:spMkLst>
+        </pc:spChg>
+        <pc:picChg chg="mod">
+          <ac:chgData name="LIM HUR" userId="6af28d70-dd6d-4d11-b254-59f06a27fcc2" providerId="ADAL" clId="{BC5873B0-DB2F-4F31-9290-8A7C81B0C69A}" dt="2022-06-28T17:07:59.198" v="691" actId="1076"/>
+          <ac:picMkLst>
+            <pc:docMk/>
+            <pc:sldMk cId="2187524092" sldId="337"/>
+            <ac:picMk id="3" creationId="{54AF93D1-FF6D-4D94-341C-3FBCB6D360C6}"/>
+          </ac:picMkLst>
+        </pc:picChg>
+        <pc:picChg chg="add del mod">
+          <ac:chgData name="LIM HUR" userId="6af28d70-dd6d-4d11-b254-59f06a27fcc2" providerId="ADAL" clId="{BC5873B0-DB2F-4F31-9290-8A7C81B0C69A}" dt="2022-06-28T17:07:54.287" v="687" actId="478"/>
+          <ac:picMkLst>
+            <pc:docMk/>
+            <pc:sldMk cId="2187524092" sldId="337"/>
+            <ac:picMk id="4" creationId="{DD2792C1-B649-E258-23A4-D74C87A9C4A0}"/>
+          </ac:picMkLst>
+        </pc:picChg>
+        <pc:picChg chg="add mod">
+          <ac:chgData name="LIM HUR" userId="6af28d70-dd6d-4d11-b254-59f06a27fcc2" providerId="ADAL" clId="{BC5873B0-DB2F-4F31-9290-8A7C81B0C69A}" dt="2022-06-28T17:08:02.112" v="693" actId="1076"/>
+          <ac:picMkLst>
+            <pc:docMk/>
+            <pc:sldMk cId="2187524092" sldId="337"/>
+            <ac:picMk id="6" creationId="{2B5C47B1-86B0-F677-3661-6456D4E52630}"/>
+          </ac:picMkLst>
+        </pc:picChg>
+      </pc:sldChg>
+      <pc:sldChg chg="modSp mod">
+        <pc:chgData name="LIM HUR" userId="6af28d70-dd6d-4d11-b254-59f06a27fcc2" providerId="ADAL" clId="{BC5873B0-DB2F-4F31-9290-8A7C81B0C69A}" dt="2022-06-28T18:04:04.054" v="951" actId="20577"/>
+        <pc:sldMkLst>
+          <pc:docMk/>
+          <pc:sldMk cId="69811449" sldId="338"/>
+        </pc:sldMkLst>
+        <pc:spChg chg="mod">
+          <ac:chgData name="LIM HUR" userId="6af28d70-dd6d-4d11-b254-59f06a27fcc2" providerId="ADAL" clId="{BC5873B0-DB2F-4F31-9290-8A7C81B0C69A}" dt="2022-06-28T18:04:04.054" v="951" actId="20577"/>
+          <ac:spMkLst>
+            <pc:docMk/>
+            <pc:sldMk cId="69811449" sldId="338"/>
+            <ac:spMk id="4" creationId="{4EE804A1-27C7-4B4C-2478-6CB6EB96E05E}"/>
+          </ac:spMkLst>
+        </pc:spChg>
+      </pc:sldChg>
+      <pc:sldChg chg="modSp mod">
+        <pc:chgData name="LIM HUR" userId="6af28d70-dd6d-4d11-b254-59f06a27fcc2" providerId="ADAL" clId="{BC5873B0-DB2F-4F31-9290-8A7C81B0C69A}" dt="2022-06-28T18:04:51.304" v="956" actId="20577"/>
+        <pc:sldMkLst>
+          <pc:docMk/>
+          <pc:sldMk cId="1061735065" sldId="339"/>
+        </pc:sldMkLst>
+        <pc:spChg chg="mod">
+          <ac:chgData name="LIM HUR" userId="6af28d70-dd6d-4d11-b254-59f06a27fcc2" providerId="ADAL" clId="{BC5873B0-DB2F-4F31-9290-8A7C81B0C69A}" dt="2022-06-28T18:04:51.304" v="956" actId="20577"/>
+          <ac:spMkLst>
+            <pc:docMk/>
+            <pc:sldMk cId="1061735065" sldId="339"/>
+            <ac:spMk id="291" creationId="{00000000-0000-0000-0000-000000000000}"/>
+          </ac:spMkLst>
+        </pc:spChg>
+      </pc:sldChg>
+      <pc:sldChg chg="modSp mod">
+        <pc:chgData name="LIM HUR" userId="6af28d70-dd6d-4d11-b254-59f06a27fcc2" providerId="ADAL" clId="{BC5873B0-DB2F-4F31-9290-8A7C81B0C69A}" dt="2022-06-29T10:29:59.388" v="993" actId="20577"/>
+        <pc:sldMkLst>
+          <pc:docMk/>
+          <pc:sldMk cId="2892457635" sldId="340"/>
+        </pc:sldMkLst>
+        <pc:spChg chg="mod">
+          <ac:chgData name="LIM HUR" userId="6af28d70-dd6d-4d11-b254-59f06a27fcc2" providerId="ADAL" clId="{BC5873B0-DB2F-4F31-9290-8A7C81B0C69A}" dt="2022-06-29T10:29:59.388" v="993" actId="20577"/>
+          <ac:spMkLst>
+            <pc:docMk/>
+            <pc:sldMk cId="2892457635" sldId="340"/>
+            <ac:spMk id="291" creationId="{00000000-0000-0000-0000-000000000000}"/>
+          </ac:spMkLst>
+        </pc:spChg>
+        <pc:picChg chg="mod">
+          <ac:chgData name="LIM HUR" userId="6af28d70-dd6d-4d11-b254-59f06a27fcc2" providerId="ADAL" clId="{BC5873B0-DB2F-4F31-9290-8A7C81B0C69A}" dt="2022-06-22T20:12:50.333" v="260" actId="1076"/>
+          <ac:picMkLst>
+            <pc:docMk/>
+            <pc:sldMk cId="2892457635" sldId="340"/>
+            <ac:picMk id="3" creationId="{7D6A094C-7624-29D1-F587-2FACA9204909}"/>
+          </ac:picMkLst>
+        </pc:picChg>
+      </pc:sldChg>
+      <pc:sldChg chg="modSp mod">
+        <pc:chgData name="LIM HUR" userId="6af28d70-dd6d-4d11-b254-59f06a27fcc2" providerId="ADAL" clId="{BC5873B0-DB2F-4F31-9290-8A7C81B0C69A}" dt="2022-06-28T10:44:44.003" v="328" actId="1076"/>
+        <pc:sldMkLst>
+          <pc:docMk/>
+          <pc:sldMk cId="1277639664" sldId="343"/>
+        </pc:sldMkLst>
+        <pc:spChg chg="mod">
+          <ac:chgData name="LIM HUR" userId="6af28d70-dd6d-4d11-b254-59f06a27fcc2" providerId="ADAL" clId="{BC5873B0-DB2F-4F31-9290-8A7C81B0C69A}" dt="2022-06-28T10:44:44.003" v="328" actId="1076"/>
+          <ac:spMkLst>
+            <pc:docMk/>
+            <pc:sldMk cId="1277639664" sldId="343"/>
+            <ac:spMk id="291" creationId="{00000000-0000-0000-0000-000000000000}"/>
+          </ac:spMkLst>
+        </pc:spChg>
+      </pc:sldChg>
+      <pc:sldChg chg="delSp modSp add mod">
+        <pc:chgData name="LIM HUR" userId="6af28d70-dd6d-4d11-b254-59f06a27fcc2" providerId="ADAL" clId="{BC5873B0-DB2F-4F31-9290-8A7C81B0C69A}" dt="2022-06-29T12:29:27.971" v="1037" actId="20577"/>
+        <pc:sldMkLst>
+          <pc:docMk/>
+          <pc:sldMk cId="2593160054" sldId="350"/>
+        </pc:sldMkLst>
+        <pc:spChg chg="mod">
+          <ac:chgData name="LIM HUR" userId="6af28d70-dd6d-4d11-b254-59f06a27fcc2" providerId="ADAL" clId="{BC5873B0-DB2F-4F31-9290-8A7C81B0C69A}" dt="2022-06-29T12:29:27.971" v="1037" actId="20577"/>
+          <ac:spMkLst>
+            <pc:docMk/>
+            <pc:sldMk cId="2593160054" sldId="350"/>
+            <ac:spMk id="291" creationId="{00000000-0000-0000-0000-000000000000}"/>
+          </ac:spMkLst>
+        </pc:spChg>
+        <pc:picChg chg="del">
+          <ac:chgData name="LIM HUR" userId="6af28d70-dd6d-4d11-b254-59f06a27fcc2" providerId="ADAL" clId="{BC5873B0-DB2F-4F31-9290-8A7C81B0C69A}" dt="2022-06-28T17:57:27.715" v="795" actId="478"/>
+          <ac:picMkLst>
+            <pc:docMk/>
+            <pc:sldMk cId="2593160054" sldId="350"/>
+            <ac:picMk id="4" creationId="{523639FF-0EC9-2684-8AAB-7FAF056D4079}"/>
+          </ac:picMkLst>
+        </pc:picChg>
+        <pc:picChg chg="mod">
+          <ac:chgData name="LIM HUR" userId="6af28d70-dd6d-4d11-b254-59f06a27fcc2" providerId="ADAL" clId="{BC5873B0-DB2F-4F31-9290-8A7C81B0C69A}" dt="2022-06-28T17:57:28.878" v="796" actId="1076"/>
+          <ac:picMkLst>
+            <pc:docMk/>
+            <pc:sldMk cId="2593160054" sldId="350"/>
+            <ac:picMk id="6" creationId="{C425B628-4560-8E16-EB76-D2416FB901A9}"/>
+          </ac:picMkLst>
+        </pc:picChg>
+        <pc:picChg chg="mod">
+          <ac:chgData name="LIM HUR" userId="6af28d70-dd6d-4d11-b254-59f06a27fcc2" providerId="ADAL" clId="{BC5873B0-DB2F-4F31-9290-8A7C81B0C69A}" dt="2022-06-28T17:57:30.449" v="797" actId="1076"/>
+          <ac:picMkLst>
+            <pc:docMk/>
+            <pc:sldMk cId="2593160054" sldId="350"/>
+            <ac:picMk id="8" creationId="{41A765A2-F07E-DCC8-476F-3FA076DF6D0B}"/>
+          </ac:picMkLst>
+        </pc:picChg>
+      </pc:sldChg>
+    </pc:docChg>
+  </pc:docChgLst>
+</pc:chgInfo>
 </file>
 
 <file path=ppt/notesMasters/notesMaster1.xml><?xml version="1.0" encoding="utf-8"?>
@@ -936,7 +1289,7 @@
     </p:spTree>
     <p:extLst>
       <p:ext uri="{BB962C8B-B14F-4D97-AF65-F5344CB8AC3E}">
-        <p14:creationId xmlns:p14="http://schemas.microsoft.com/office/powerpoint/2010/main" val="3179525826"/>
+        <p14:creationId xmlns:p14="http://schemas.microsoft.com/office/powerpoint/2010/main" val="109486702"/>
       </p:ext>
     </p:extLst>
   </p:cSld>
@@ -1045,7 +1398,7 @@
     </p:spTree>
     <p:extLst>
       <p:ext uri="{BB962C8B-B14F-4D97-AF65-F5344CB8AC3E}">
-        <p14:creationId xmlns:p14="http://schemas.microsoft.com/office/powerpoint/2010/main" val="3959347116"/>
+        <p14:creationId xmlns:p14="http://schemas.microsoft.com/office/powerpoint/2010/main" val="3179525826"/>
       </p:ext>
     </p:extLst>
   </p:cSld>
@@ -1154,7 +1507,7 @@
     </p:spTree>
     <p:extLst>
       <p:ext uri="{BB962C8B-B14F-4D97-AF65-F5344CB8AC3E}">
-        <p14:creationId xmlns:p14="http://schemas.microsoft.com/office/powerpoint/2010/main" val="660582052"/>
+        <p14:creationId xmlns:p14="http://schemas.microsoft.com/office/powerpoint/2010/main" val="3959347116"/>
       </p:ext>
     </p:extLst>
   </p:cSld>
@@ -1263,7 +1616,7 @@
     </p:spTree>
     <p:extLst>
       <p:ext uri="{BB962C8B-B14F-4D97-AF65-F5344CB8AC3E}">
-        <p14:creationId xmlns:p14="http://schemas.microsoft.com/office/powerpoint/2010/main" val="1523857177"/>
+        <p14:creationId xmlns:p14="http://schemas.microsoft.com/office/powerpoint/2010/main" val="660582052"/>
       </p:ext>
     </p:extLst>
   </p:cSld>
@@ -1372,7 +1725,7 @@
     </p:spTree>
     <p:extLst>
       <p:ext uri="{BB962C8B-B14F-4D97-AF65-F5344CB8AC3E}">
-        <p14:creationId xmlns:p14="http://schemas.microsoft.com/office/powerpoint/2010/main" val="3353021967"/>
+        <p14:creationId xmlns:p14="http://schemas.microsoft.com/office/powerpoint/2010/main" val="1523857177"/>
       </p:ext>
     </p:extLst>
   </p:cSld>
@@ -1481,7 +1834,7 @@
     </p:spTree>
     <p:extLst>
       <p:ext uri="{BB962C8B-B14F-4D97-AF65-F5344CB8AC3E}">
-        <p14:creationId xmlns:p14="http://schemas.microsoft.com/office/powerpoint/2010/main" val="434341396"/>
+        <p14:creationId xmlns:p14="http://schemas.microsoft.com/office/powerpoint/2010/main" val="3353021967"/>
       </p:ext>
     </p:extLst>
   </p:cSld>
@@ -1590,7 +1943,7 @@
     </p:spTree>
     <p:extLst>
       <p:ext uri="{BB962C8B-B14F-4D97-AF65-F5344CB8AC3E}">
-        <p14:creationId xmlns:p14="http://schemas.microsoft.com/office/powerpoint/2010/main" val="1637973267"/>
+        <p14:creationId xmlns:p14="http://schemas.microsoft.com/office/powerpoint/2010/main" val="434341396"/>
       </p:ext>
     </p:extLst>
   </p:cSld>
@@ -1699,7 +2052,7 @@
     </p:spTree>
     <p:extLst>
       <p:ext uri="{BB962C8B-B14F-4D97-AF65-F5344CB8AC3E}">
-        <p14:creationId xmlns:p14="http://schemas.microsoft.com/office/powerpoint/2010/main" val="2506442235"/>
+        <p14:creationId xmlns:p14="http://schemas.microsoft.com/office/powerpoint/2010/main" val="1637973267"/>
       </p:ext>
     </p:extLst>
   </p:cSld>
@@ -1808,7 +2161,7 @@
     </p:spTree>
     <p:extLst>
       <p:ext uri="{BB962C8B-B14F-4D97-AF65-F5344CB8AC3E}">
-        <p14:creationId xmlns:p14="http://schemas.microsoft.com/office/powerpoint/2010/main" val="2187890509"/>
+        <p14:creationId xmlns:p14="http://schemas.microsoft.com/office/powerpoint/2010/main" val="2506442235"/>
       </p:ext>
     </p:extLst>
   </p:cSld>
@@ -1917,7 +2270,7 @@
     </p:spTree>
     <p:extLst>
       <p:ext uri="{BB962C8B-B14F-4D97-AF65-F5344CB8AC3E}">
-        <p14:creationId xmlns:p14="http://schemas.microsoft.com/office/powerpoint/2010/main" val="1721182678"/>
+        <p14:creationId xmlns:p14="http://schemas.microsoft.com/office/powerpoint/2010/main" val="2187890509"/>
       </p:ext>
     </p:extLst>
   </p:cSld>
@@ -2130,7 +2483,7 @@
     </p:spTree>
     <p:extLst>
       <p:ext uri="{BB962C8B-B14F-4D97-AF65-F5344CB8AC3E}">
-        <p14:creationId xmlns:p14="http://schemas.microsoft.com/office/powerpoint/2010/main" val="1570788281"/>
+        <p14:creationId xmlns:p14="http://schemas.microsoft.com/office/powerpoint/2010/main" val="1721182678"/>
       </p:ext>
     </p:extLst>
   </p:cSld>
@@ -2239,7 +2592,7 @@
     </p:spTree>
     <p:extLst>
       <p:ext uri="{BB962C8B-B14F-4D97-AF65-F5344CB8AC3E}">
-        <p14:creationId xmlns:p14="http://schemas.microsoft.com/office/powerpoint/2010/main" val="2607728101"/>
+        <p14:creationId xmlns:p14="http://schemas.microsoft.com/office/powerpoint/2010/main" val="1570788281"/>
       </p:ext>
     </p:extLst>
   </p:cSld>
@@ -2348,7 +2701,7 @@
     </p:spTree>
     <p:extLst>
       <p:ext uri="{BB962C8B-B14F-4D97-AF65-F5344CB8AC3E}">
-        <p14:creationId xmlns:p14="http://schemas.microsoft.com/office/powerpoint/2010/main" val="2562585203"/>
+        <p14:creationId xmlns:p14="http://schemas.microsoft.com/office/powerpoint/2010/main" val="2607728101"/>
       </p:ext>
     </p:extLst>
   </p:cSld>
@@ -2457,6 +2810,115 @@
     </p:spTree>
     <p:extLst>
       <p:ext uri="{BB962C8B-B14F-4D97-AF65-F5344CB8AC3E}">
+        <p14:creationId xmlns:p14="http://schemas.microsoft.com/office/powerpoint/2010/main" val="2562585203"/>
+      </p:ext>
+    </p:extLst>
+  </p:cSld>
+  <p:clrMapOvr>
+    <a:masterClrMapping/>
+  </p:clrMapOvr>
+</p:notes>
+</file>
+
+<file path=ppt/notesSlides/notesSlide24.xml><?xml version="1.0" encoding="utf-8"?>
+<p:notes xmlns:a="http://schemas.openxmlformats.org/drawingml/2006/main" xmlns:r="http://schemas.openxmlformats.org/officeDocument/2006/relationships" xmlns:p="http://schemas.openxmlformats.org/presentationml/2006/main" showMasterSp="0" showMasterPhAnim="0">
+  <p:cSld>
+    <p:spTree>
+      <p:nvGrpSpPr>
+        <p:cNvPr id="1" name="Shape 286"/>
+        <p:cNvGrpSpPr/>
+        <p:nvPr/>
+      </p:nvGrpSpPr>
+      <p:grpSpPr>
+        <a:xfrm>
+          <a:off x="0" y="0"/>
+          <a:ext cx="0" cy="0"/>
+          <a:chOff x="0" y="0"/>
+          <a:chExt cx="0" cy="0"/>
+        </a:xfrm>
+      </p:grpSpPr>
+      <p:sp>
+        <p:nvSpPr>
+          <p:cNvPr id="287" name="Google Shape;287;gcd8a80d6bc_0_17:notes"/>
+          <p:cNvSpPr>
+            <a:spLocks noGrp="1" noRot="1" noChangeAspect="1"/>
+          </p:cNvSpPr>
+          <p:nvPr>
+            <p:ph type="sldImg" idx="2"/>
+          </p:nvPr>
+        </p:nvSpPr>
+        <p:spPr>
+          <a:xfrm>
+            <a:off x="381000" y="685800"/>
+            <a:ext cx="6096000" cy="3429000"/>
+          </a:xfrm>
+          <a:custGeom>
+            <a:avLst/>
+            <a:gdLst/>
+            <a:ahLst/>
+            <a:cxnLst/>
+            <a:rect l="l" t="t" r="r" b="b"/>
+            <a:pathLst>
+              <a:path w="120000" h="120000" extrusionOk="0">
+                <a:moveTo>
+                  <a:pt x="0" y="0"/>
+                </a:moveTo>
+                <a:lnTo>
+                  <a:pt x="120000" y="0"/>
+                </a:lnTo>
+                <a:lnTo>
+                  <a:pt x="120000" y="120000"/>
+                </a:lnTo>
+                <a:lnTo>
+                  <a:pt x="0" y="120000"/>
+                </a:lnTo>
+                <a:close/>
+              </a:path>
+            </a:pathLst>
+          </a:custGeom>
+        </p:spPr>
+      </p:sp>
+      <p:sp>
+        <p:nvSpPr>
+          <p:cNvPr id="288" name="Google Shape;288;gcd8a80d6bc_0_17:notes"/>
+          <p:cNvSpPr txBox="1">
+            <a:spLocks noGrp="1"/>
+          </p:cNvSpPr>
+          <p:nvPr>
+            <p:ph type="body" idx="1"/>
+          </p:nvPr>
+        </p:nvSpPr>
+        <p:spPr>
+          <a:xfrm>
+            <a:off x="685800" y="4343400"/>
+            <a:ext cx="5486400" cy="4114800"/>
+          </a:xfrm>
+          <a:prstGeom prst="rect">
+            <a:avLst/>
+          </a:prstGeom>
+        </p:spPr>
+        <p:txBody>
+          <a:bodyPr spcFirstLastPara="1" wrap="square" lIns="91425" tIns="91425" rIns="91425" bIns="91425" anchor="t" anchorCtr="0">
+            <a:noAutofit/>
+          </a:bodyPr>
+          <a:lstStyle/>
+          <a:p>
+            <a:pPr marL="0" lvl="0" indent="0" algn="l" rtl="0">
+              <a:spcBef>
+                <a:spcPts val="0"/>
+              </a:spcBef>
+              <a:spcAft>
+                <a:spcPts val="0"/>
+              </a:spcAft>
+              <a:buNone/>
+            </a:pPr>
+            <a:endParaRPr/>
+          </a:p>
+        </p:txBody>
+      </p:sp>
+    </p:spTree>
+    <p:extLst>
+      <p:ext uri="{BB962C8B-B14F-4D97-AF65-F5344CB8AC3E}">
         <p14:creationId xmlns:p14="http://schemas.microsoft.com/office/powerpoint/2010/main" val="2729844539"/>
       </p:ext>
     </p:extLst>
@@ -2467,7 +2929,7 @@
 </p:notes>
 </file>
 
-<file path=ppt/notesSlides/notesSlide24.xml><?xml version="1.0" encoding="utf-8"?>
+<file path=ppt/notesSlides/notesSlide25.xml><?xml version="1.0" encoding="utf-8"?>
 <p:notes xmlns:a="http://schemas.openxmlformats.org/drawingml/2006/main" xmlns:r="http://schemas.openxmlformats.org/officeDocument/2006/relationships" xmlns:p="http://schemas.openxmlformats.org/presentationml/2006/main" showMasterSp="0" showMasterPhAnim="0">
   <p:cSld>
     <p:spTree>
@@ -3215,7 +3677,7 @@
     </p:spTree>
     <p:extLst>
       <p:ext uri="{BB962C8B-B14F-4D97-AF65-F5344CB8AC3E}">
-        <p14:creationId xmlns:p14="http://schemas.microsoft.com/office/powerpoint/2010/main" val="21049049"/>
+        <p14:creationId xmlns:p14="http://schemas.microsoft.com/office/powerpoint/2010/main" val="2452797843"/>
       </p:ext>
     </p:extLst>
   </p:cSld>
@@ -3324,7 +3786,7 @@
     </p:spTree>
     <p:extLst>
       <p:ext uri="{BB962C8B-B14F-4D97-AF65-F5344CB8AC3E}">
-        <p14:creationId xmlns:p14="http://schemas.microsoft.com/office/powerpoint/2010/main" val="109486702"/>
+        <p14:creationId xmlns:p14="http://schemas.microsoft.com/office/powerpoint/2010/main" val="21049049"/>
       </p:ext>
     </p:extLst>
   </p:cSld>
@@ -6253,8 +6715,8 @@
         </p:nvSpPr>
         <p:spPr>
           <a:xfrm>
-            <a:off x="166763" y="350938"/>
-            <a:ext cx="8431672" cy="432833"/>
+            <a:off x="166762" y="350938"/>
+            <a:ext cx="8531565" cy="432833"/>
           </a:xfrm>
           <a:prstGeom prst="rect">
             <a:avLst/>
@@ -6276,10 +6738,10 @@
               <a:buNone/>
             </a:pPr>
             <a:r>
-              <a:rPr lang="en-SG" sz="2500" dirty="0"/>
-              <a:t>Evaluation metrics (Why F2 is better than the General F1)</a:t>
-            </a:r>
-            <a:endParaRPr sz="2500" dirty="0"/>
+              <a:rPr lang="en-SG" dirty="0" err="1"/>
+              <a:t>Preprocessing</a:t>
+            </a:r>
+            <a:endParaRPr dirty="0"/>
           </a:p>
         </p:txBody>
       </p:sp>
@@ -6295,8 +6757,8 @@
         </p:nvSpPr>
         <p:spPr>
           <a:xfrm>
-            <a:off x="0" y="699245"/>
-            <a:ext cx="5537200" cy="2835409"/>
+            <a:off x="166762" y="929766"/>
+            <a:ext cx="9095771" cy="2835409"/>
           </a:xfrm>
           <a:prstGeom prst="rect">
             <a:avLst/>
@@ -6320,7 +6782,7 @@
             </a:pPr>
             <a:r>
               <a:rPr lang="en-SG" sz="1400" dirty="0"/>
-              <a:t>We will use f2 scores as our main metric.</a:t>
+              <a:t>Drop Product ID ( does not provide info towards target variable)</a:t>
             </a:r>
           </a:p>
           <a:p>
@@ -6336,12 +6798,89 @@
             </a:pPr>
             <a:r>
               <a:rPr lang="en-SG" sz="1400" dirty="0"/>
-              <a:t>Due to the fact that </a:t>
+              <a:t>Directly dropping rows with NULL values may introduce a larger imbalance dataset. Hence we recognize the need to retain precious data, we will carry out imputation. Furthermore, dropping will lead to a loss of more than 10% of dataset.</a:t>
+            </a:r>
+          </a:p>
+          <a:p>
+            <a:pPr marL="342900" lvl="0" algn="l" rtl="0">
+              <a:spcBef>
+                <a:spcPts val="0"/>
+              </a:spcBef>
+              <a:spcAft>
+                <a:spcPts val="1200"/>
+              </a:spcAft>
+              <a:buFont typeface="Arial" panose="020B0604020202020204" pitchFamily="34" charset="0"/>
+              <a:buChar char="•"/>
+            </a:pPr>
+            <a:r>
+              <a:rPr lang="en-SG" sz="1400" dirty="0"/>
+              <a:t>Can consider {</a:t>
+            </a:r>
+            <a:r>
+              <a:rPr lang="en-SG" sz="1400" dirty="0" err="1"/>
+              <a:t>KNNImputer</a:t>
+            </a:r>
+            <a:r>
+              <a:rPr lang="en-SG" sz="1400" dirty="0"/>
+              <a:t>, </a:t>
+            </a:r>
+            <a:r>
+              <a:rPr lang="en-SG" sz="1400" dirty="0" err="1"/>
+              <a:t>IterativeImputer,SimpleImputer</a:t>
+            </a:r>
+            <a:r>
+              <a:rPr lang="en-SG" sz="1400" dirty="0"/>
+              <a:t>}</a:t>
+            </a:r>
+          </a:p>
+          <a:p>
+            <a:pPr marL="342900" lvl="0" algn="l" rtl="0">
+              <a:spcBef>
+                <a:spcPts val="0"/>
+              </a:spcBef>
+              <a:spcAft>
+                <a:spcPts val="1200"/>
+              </a:spcAft>
+              <a:buFont typeface="Arial" panose="020B0604020202020204" pitchFamily="34" charset="0"/>
+              <a:buChar char="•"/>
+            </a:pPr>
+            <a:r>
+              <a:rPr lang="en-SG" sz="1400" dirty="0"/>
+              <a:t>Imputation SHOULD NOT distort original distribution</a:t>
+            </a:r>
+          </a:p>
+          <a:p>
+            <a:pPr marL="342900" lvl="0" algn="l" rtl="0">
+              <a:spcBef>
+                <a:spcPts val="0"/>
+              </a:spcBef>
+              <a:spcAft>
+                <a:spcPts val="1200"/>
+              </a:spcAft>
+              <a:buFont typeface="Arial" panose="020B0604020202020204" pitchFamily="34" charset="0"/>
+              <a:buChar char="•"/>
+            </a:pPr>
+            <a:r>
+              <a:rPr lang="en-SG" sz="1400" dirty="0"/>
+              <a:t>Separating features from target variable, and using </a:t>
+            </a:r>
+            <a:r>
+              <a:rPr lang="en-SG" sz="1400" b="1" dirty="0" err="1"/>
+              <a:t>train_test_split</a:t>
             </a:r>
             <a:r>
               <a:rPr lang="en-SG" sz="1400" b="1" dirty="0"/>
-              <a:t>we consider it much worse to miss a possible faulty machine than give a false alarm of a normal machine. This is due to the negative productivity loss, as well as the exorbitant revenue loss if we do not detect.</a:t>
-            </a:r>
+              <a:t> so </a:t>
+            </a:r>
+            <a:r>
+              <a:rPr lang="en-SG" sz="1400" dirty="0"/>
+              <a:t>that training set have no idea of test set. </a:t>
+            </a:r>
+            <a:r>
+              <a:rPr lang="en-SG" sz="1400"/>
+              <a:t>80:20</a:t>
+            </a:r>
+            <a:endParaRPr lang="en-SG" sz="1400" dirty="0"/>
           </a:p>
           <a:p>
             <a:pPr marL="342900" lvl="0" algn="l" rtl="0">
@@ -6356,7 +6895,7 @@
             </a:pPr>
             <a:r>
               <a:rPr lang="en-SG" sz="1400" dirty="0"/>
-              <a:t>Want a model with high positive predictive power</a:t>
+              <a:t>Test set is to used for final evaluation, train set is used for training</a:t>
             </a:r>
           </a:p>
           <a:p>
@@ -6370,96 +6909,14 @@
               <a:buFont typeface="Arial" panose="020B0604020202020204" pitchFamily="34" charset="0"/>
               <a:buChar char="•"/>
             </a:pPr>
-            <a:r>
-              <a:rPr lang="en-SG" sz="1400" b="1" dirty="0"/>
-              <a:t>Hence, we are placing more importance on correctly classifying the positive class/ classifying machines that fail. (More emphasis on recall scores)</a:t>
-            </a:r>
-          </a:p>
-          <a:p>
-            <a:pPr marL="342900" lvl="0" algn="l" rtl="0">
-              <a:spcBef>
-                <a:spcPts val="0"/>
-              </a:spcBef>
-              <a:spcAft>
-                <a:spcPts val="1200"/>
-              </a:spcAft>
-              <a:buFont typeface="Arial" panose="020B0604020202020204" pitchFamily="34" charset="0"/>
-              <a:buChar char="•"/>
-            </a:pPr>
-            <a:r>
-              <a:rPr lang="en-SG" sz="1400" dirty="0"/>
-              <a:t>Penalize model if makes large errors predicting positive class</a:t>
-            </a:r>
-          </a:p>
-          <a:p>
-            <a:pPr marL="342900" lvl="0" algn="l" rtl="0">
-              <a:spcBef>
-                <a:spcPts val="0"/>
-              </a:spcBef>
-              <a:spcAft>
-                <a:spcPts val="1200"/>
-              </a:spcAft>
-              <a:buFont typeface="Arial" panose="020B0604020202020204" pitchFamily="34" charset="0"/>
-              <a:buChar char="•"/>
-            </a:pPr>
-            <a:r>
-              <a:rPr lang="en-SG" sz="1400" dirty="0"/>
-              <a:t>More useful indicator to measure the value of a model</a:t>
-            </a:r>
-          </a:p>
-          <a:p>
-            <a:pPr marL="342900" lvl="0" algn="l" rtl="0">
-              <a:spcBef>
-                <a:spcPts val="0"/>
-              </a:spcBef>
-              <a:spcAft>
-                <a:spcPts val="1200"/>
-              </a:spcAft>
-              <a:buFont typeface="Arial" panose="020B0604020202020204" pitchFamily="34" charset="0"/>
-              <a:buChar char="•"/>
-            </a:pPr>
-            <a:r>
-              <a:rPr lang="en-SG" sz="1400" b="1" dirty="0"/>
-              <a:t>We also need to keep in mind the imbalanced dataset (minority machines fail) – which highlights the relevance of this metric</a:t>
-            </a:r>
             <a:endParaRPr lang="en-SG" sz="1400" dirty="0"/>
           </a:p>
         </p:txBody>
       </p:sp>
-      <p:pic>
-        <p:nvPicPr>
-          <p:cNvPr id="3" name="Picture 2">
-            <a:extLst>
-              <a:ext uri="{FF2B5EF4-FFF2-40B4-BE49-F238E27FC236}">
-                <a16:creationId xmlns:a16="http://schemas.microsoft.com/office/drawing/2014/main" id="{872F8B04-D6C6-380E-3F91-7DE1D0A566AB}"/>
-              </a:ext>
-            </a:extLst>
-          </p:cNvPr>
-          <p:cNvPicPr>
-            <a:picLocks noChangeAspect="1"/>
-          </p:cNvPicPr>
-          <p:nvPr/>
-        </p:nvPicPr>
-        <p:blipFill>
-          <a:blip r:embed="rId3"/>
-          <a:stretch>
-            <a:fillRect/>
-          </a:stretch>
-        </p:blipFill>
-        <p:spPr>
-          <a:xfrm>
-            <a:off x="5427133" y="2052565"/>
-            <a:ext cx="3716867" cy="1038370"/>
-          </a:xfrm>
-          <a:prstGeom prst="rect">
-            <a:avLst/>
-          </a:prstGeom>
-        </p:spPr>
-      </p:pic>
     </p:spTree>
     <p:extLst>
       <p:ext uri="{BB962C8B-B14F-4D97-AF65-F5344CB8AC3E}">
-        <p14:creationId xmlns:p14="http://schemas.microsoft.com/office/powerpoint/2010/main" val="582169496"/>
+        <p14:creationId xmlns:p14="http://schemas.microsoft.com/office/powerpoint/2010/main" val="3992229806"/>
       </p:ext>
     </p:extLst>
   </p:cSld>
@@ -6499,7 +6956,7 @@
         <p:spPr>
           <a:xfrm>
             <a:off x="166762" y="350938"/>
-            <a:ext cx="8977238" cy="432833"/>
+            <a:ext cx="8977237" cy="432833"/>
           </a:xfrm>
           <a:prstGeom prst="rect">
             <a:avLst/>
@@ -6521,14 +6978,10 @@
               <a:buNone/>
             </a:pPr>
             <a:r>
-              <a:rPr lang="en-SG" dirty="0" err="1"/>
-              <a:t>Preprocessing</a:t>
-            </a:r>
-            <a:r>
-              <a:rPr lang="en-SG" dirty="0"/>
-              <a:t> in a pipeline to prevent data leakage</a:t>
-            </a:r>
-            <a:endParaRPr dirty="0"/>
+              <a:rPr lang="en-SG" sz="2500" dirty="0"/>
+              <a:t>Model Evaluation metrics (Why F2 is better than the General F1)</a:t>
+            </a:r>
+            <a:endParaRPr sz="2500" dirty="0"/>
           </a:p>
         </p:txBody>
       </p:sp>
@@ -6544,8 +6997,8 @@
         </p:nvSpPr>
         <p:spPr>
           <a:xfrm>
-            <a:off x="166762" y="929766"/>
-            <a:ext cx="4528183" cy="4184374"/>
+            <a:off x="0" y="699245"/>
+            <a:ext cx="5537200" cy="2835409"/>
           </a:xfrm>
           <a:prstGeom prst="rect">
             <a:avLst/>
@@ -6569,29 +7022,28 @@
             </a:pPr>
             <a:r>
               <a:rPr lang="en-SG" sz="1400" dirty="0"/>
-              <a:t>Use of </a:t>
-            </a:r>
-            <a:r>
-              <a:rPr lang="en-SG" sz="1400" dirty="0" err="1"/>
-              <a:t>sklearn</a:t>
-            </a:r>
+              <a:t>We will use f2 scores as our main metric.</a:t>
+            </a:r>
+          </a:p>
+          <a:p>
+            <a:pPr marL="342900" lvl="0" algn="l" rtl="0">
+              <a:spcBef>
+                <a:spcPts val="0"/>
+              </a:spcBef>
+              <a:spcAft>
+                <a:spcPts val="1200"/>
+              </a:spcAft>
+              <a:buFont typeface="Arial" panose="020B0604020202020204" pitchFamily="34" charset="0"/>
+              <a:buChar char="•"/>
+            </a:pPr>
             <a:r>
               <a:rPr lang="en-SG" sz="1400" dirty="0"/>
-              <a:t> </a:t>
-            </a:r>
-            <a:r>
-              <a:rPr lang="en-SG" sz="1400" b="1" dirty="0" err="1"/>
-              <a:t>ColumnTransformer</a:t>
+              <a:t>Due to the fact that </a:t>
             </a:r>
             <a:r>
               <a:rPr lang="en-SG" sz="1400" b="1" dirty="0"/>
-              <a:t> and </a:t>
-            </a:r>
-            <a:r>
-              <a:rPr lang="en-SG" sz="1400" b="1" dirty="0" err="1"/>
-              <a:t>FunctionTransformer</a:t>
-            </a:r>
-            <a:endParaRPr lang="en-SG" sz="1400" b="1" dirty="0"/>
+              <a:t>we consider it much worse to miss a possible faulty machine than give a false alarm of a normal machine. This is due to the negative productivity loss, as well as the exorbitant revenue loss if we do not detect.</a:t>
+            </a:r>
           </a:p>
           <a:p>
             <a:pPr marL="342900" lvl="0" algn="l" rtl="0">
@@ -6605,16 +7057,31 @@
               <a:buChar char="•"/>
             </a:pPr>
             <a:r>
-              <a:rPr lang="en-SG" sz="1400" b="1" dirty="0" err="1"/>
-              <a:t>KBinsDiscretizer</a:t>
-            </a:r>
+              <a:rPr lang="en-SG" sz="1400" dirty="0"/>
+              <a:t>Want a model with high positive predictive power</a:t>
+            </a:r>
+          </a:p>
+          <a:p>
+            <a:pPr marL="342900" lvl="0" algn="l" rtl="0">
+              <a:spcBef>
+                <a:spcPts val="0"/>
+              </a:spcBef>
+              <a:spcAft>
+                <a:spcPts val="1200"/>
+              </a:spcAft>
+              <a:buFont typeface="Arial" panose="020B0604020202020204" pitchFamily="34" charset="0"/>
+              <a:buChar char="•"/>
+            </a:pPr>
             <a:r>
               <a:rPr lang="en-SG" sz="1400" b="1" dirty="0"/>
-              <a:t> to perform binning on Tool Wear (min). </a:t>
-            </a:r>
-          </a:p>
-          <a:p>
-            <a:pPr marL="342900" algn="l">
+              <a:t>Hence, we are placing more importance on correctly classifying the positive class/ classifying machines that fail. (More emphasis on recall scores)</a:t>
+            </a:r>
+          </a:p>
+          <a:p>
+            <a:pPr marL="342900" lvl="0" algn="l" rtl="0">
+              <a:spcBef>
+                <a:spcPts val="0"/>
+              </a:spcBef>
               <a:spcAft>
                 <a:spcPts val="1200"/>
               </a:spcAft>
@@ -6622,112 +7089,51 @@
               <a:buChar char="•"/>
             </a:pPr>
             <a:r>
+              <a:rPr lang="en-SG" sz="1400" dirty="0"/>
+              <a:t>Penalize model if makes large errors predicting positive class</a:t>
+            </a:r>
+          </a:p>
+          <a:p>
+            <a:pPr marL="342900" lvl="0" algn="l" rtl="0">
+              <a:spcBef>
+                <a:spcPts val="0"/>
+              </a:spcBef>
+              <a:spcAft>
+                <a:spcPts val="1200"/>
+              </a:spcAft>
+              <a:buFont typeface="Arial" panose="020B0604020202020204" pitchFamily="34" charset="0"/>
+              <a:buChar char="•"/>
+            </a:pPr>
+            <a:r>
+              <a:rPr lang="en-SG" sz="1400" dirty="0"/>
+              <a:t>More useful indicator to measure the value of a model</a:t>
+            </a:r>
+          </a:p>
+          <a:p>
+            <a:pPr marL="342900" lvl="0" algn="l" rtl="0">
+              <a:spcBef>
+                <a:spcPts val="0"/>
+              </a:spcBef>
+              <a:spcAft>
+                <a:spcPts val="1200"/>
+              </a:spcAft>
+              <a:buFont typeface="Arial" panose="020B0604020202020204" pitchFamily="34" charset="0"/>
+              <a:buChar char="•"/>
+            </a:pPr>
+            <a:r>
               <a:rPr lang="en-SG" sz="1400" b="1" dirty="0"/>
-              <a:t>Help model to be more robust and data be more regularized. </a:t>
-            </a:r>
-            <a:r>
-              <a:rPr lang="en-SG" sz="1400" dirty="0"/>
-              <a:t>(also handles outliers)</a:t>
-            </a:r>
-            <a:endParaRPr lang="en-SG" sz="1400" b="1" dirty="0"/>
-          </a:p>
-          <a:p>
-            <a:pPr marL="342900" lvl="0" algn="l" rtl="0">
-              <a:spcBef>
-                <a:spcPts val="0"/>
-              </a:spcBef>
-              <a:spcAft>
-                <a:spcPts val="1200"/>
-              </a:spcAft>
-              <a:buFont typeface="Arial" panose="020B0604020202020204" pitchFamily="34" charset="0"/>
-              <a:buChar char="•"/>
-            </a:pPr>
-            <a:r>
-              <a:rPr lang="en-SG" sz="1400" b="1" dirty="0" err="1"/>
-              <a:t>OrdinalEncoder</a:t>
-            </a:r>
-            <a:r>
-              <a:rPr lang="en-SG" sz="1400" dirty="0"/>
-              <a:t> to encode </a:t>
-            </a:r>
-            <a:r>
-              <a:rPr lang="en-SG" sz="1400" b="1" dirty="0"/>
-              <a:t>Quality. </a:t>
-            </a:r>
-          </a:p>
-          <a:p>
-            <a:pPr marL="342900" lvl="0" algn="l" rtl="0">
-              <a:spcBef>
-                <a:spcPts val="0"/>
-              </a:spcBef>
-              <a:spcAft>
-                <a:spcPts val="1200"/>
-              </a:spcAft>
-              <a:buFont typeface="Arial" panose="020B0604020202020204" pitchFamily="34" charset="0"/>
-              <a:buChar char="•"/>
-            </a:pPr>
-            <a:r>
-              <a:rPr lang="en-SG" sz="1400" b="1" dirty="0" err="1"/>
-              <a:t>IterativeImputer</a:t>
-            </a:r>
-            <a:r>
-              <a:rPr lang="en-SG" sz="1400" b="1" dirty="0"/>
-              <a:t>() (multivariate approach) </a:t>
-            </a:r>
-            <a:r>
-              <a:rPr lang="en-SG" sz="1400" dirty="0"/>
-              <a:t>to impute continuous features, and classification model to impute </a:t>
-            </a:r>
-            <a:r>
-              <a:rPr lang="en-SG" sz="1400" b="1" dirty="0"/>
-              <a:t>Quality.</a:t>
-            </a:r>
-          </a:p>
-          <a:p>
-            <a:pPr marL="342900" lvl="0" algn="l" rtl="0">
-              <a:spcBef>
-                <a:spcPts val="0"/>
-              </a:spcBef>
-              <a:spcAft>
-                <a:spcPts val="1200"/>
-              </a:spcAft>
-              <a:buFont typeface="Arial" panose="020B0604020202020204" pitchFamily="34" charset="0"/>
-              <a:buChar char="•"/>
-            </a:pPr>
-            <a:r>
-              <a:rPr lang="en-SG" sz="1400" b="1" dirty="0"/>
-              <a:t>Will not use machine status to impute as it leads to data leakage</a:t>
-            </a:r>
-          </a:p>
-          <a:p>
-            <a:pPr marL="342900" lvl="0" algn="l" rtl="0">
-              <a:spcBef>
-                <a:spcPts val="0"/>
-              </a:spcBef>
-              <a:spcAft>
-                <a:spcPts val="1200"/>
-              </a:spcAft>
-              <a:buFont typeface="Arial" panose="020B0604020202020204" pitchFamily="34" charset="0"/>
-              <a:buChar char="•"/>
-            </a:pPr>
-            <a:r>
-              <a:rPr lang="en-SG" sz="1400" b="1" dirty="0"/>
-              <a:t>Imputation </a:t>
-            </a:r>
-            <a:r>
-              <a:rPr lang="en-SG" sz="1400" dirty="0"/>
-              <a:t>did not distort the original distribution, which is a good thing.</a:t>
-            </a:r>
-            <a:endParaRPr lang="en-SG" sz="1400" b="1" dirty="0"/>
+              <a:t>We also need to keep in mind the imbalanced dataset (minority machines fail) – which highlights the relevance of this metric</a:t>
+            </a:r>
+            <a:endParaRPr lang="en-SG" sz="1400" dirty="0"/>
           </a:p>
         </p:txBody>
       </p:sp>
       <p:pic>
         <p:nvPicPr>
-          <p:cNvPr id="4" name="Picture 3">
+          <p:cNvPr id="3" name="Picture 2">
             <a:extLst>
               <a:ext uri="{FF2B5EF4-FFF2-40B4-BE49-F238E27FC236}">
-                <a16:creationId xmlns:a16="http://schemas.microsoft.com/office/drawing/2014/main" id="{598D2C7A-84AF-D08E-C465-F41BFC2E410C}"/>
+                <a16:creationId xmlns:a16="http://schemas.microsoft.com/office/drawing/2014/main" id="{872F8B04-D6C6-380E-3F91-7DE1D0A566AB}"/>
               </a:ext>
             </a:extLst>
           </p:cNvPr>
@@ -6744,68 +7150,8 @@
         </p:blipFill>
         <p:spPr>
           <a:xfrm>
-            <a:off x="4572000" y="742468"/>
-            <a:ext cx="4449055" cy="1212543"/>
-          </a:xfrm>
-          <a:prstGeom prst="rect">
-            <a:avLst/>
-          </a:prstGeom>
-        </p:spPr>
-      </p:pic>
-      <p:pic>
-        <p:nvPicPr>
-          <p:cNvPr id="6" name="Picture 5">
-            <a:extLst>
-              <a:ext uri="{FF2B5EF4-FFF2-40B4-BE49-F238E27FC236}">
-                <a16:creationId xmlns:a16="http://schemas.microsoft.com/office/drawing/2014/main" id="{1C00AF40-8EB5-82D1-A41F-2288C249FAFA}"/>
-              </a:ext>
-            </a:extLst>
-          </p:cNvPr>
-          <p:cNvPicPr>
-            <a:picLocks noChangeAspect="1"/>
-          </p:cNvPicPr>
-          <p:nvPr/>
-        </p:nvPicPr>
-        <p:blipFill>
-          <a:blip r:embed="rId4"/>
-          <a:stretch>
-            <a:fillRect/>
-          </a:stretch>
-        </p:blipFill>
-        <p:spPr>
-          <a:xfrm>
-            <a:off x="4692386" y="1955011"/>
-            <a:ext cx="4390142" cy="2005532"/>
-          </a:xfrm>
-          <a:prstGeom prst="rect">
-            <a:avLst/>
-          </a:prstGeom>
-        </p:spPr>
-      </p:pic>
-      <p:pic>
-        <p:nvPicPr>
-          <p:cNvPr id="8" name="Picture 7">
-            <a:extLst>
-              <a:ext uri="{FF2B5EF4-FFF2-40B4-BE49-F238E27FC236}">
-                <a16:creationId xmlns:a16="http://schemas.microsoft.com/office/drawing/2014/main" id="{12AEE9BD-0737-3980-3FFF-17FE5F109D11}"/>
-              </a:ext>
-            </a:extLst>
-          </p:cNvPr>
-          <p:cNvPicPr>
-            <a:picLocks noChangeAspect="1"/>
-          </p:cNvPicPr>
-          <p:nvPr/>
-        </p:nvPicPr>
-        <p:blipFill>
-          <a:blip r:embed="rId5"/>
-          <a:stretch>
-            <a:fillRect/>
-          </a:stretch>
-        </p:blipFill>
-        <p:spPr>
-          <a:xfrm>
-            <a:off x="4751301" y="3942900"/>
-            <a:ext cx="4451613" cy="1171240"/>
+            <a:off x="5427133" y="2052565"/>
+            <a:ext cx="3716867" cy="1038370"/>
           </a:xfrm>
           <a:prstGeom prst="rect">
             <a:avLst/>
@@ -6815,7 +7161,7 @@
     </p:spTree>
     <p:extLst>
       <p:ext uri="{BB962C8B-B14F-4D97-AF65-F5344CB8AC3E}">
-        <p14:creationId xmlns:p14="http://schemas.microsoft.com/office/powerpoint/2010/main" val="1801899196"/>
+        <p14:creationId xmlns:p14="http://schemas.microsoft.com/office/powerpoint/2010/main" val="582169496"/>
       </p:ext>
     </p:extLst>
   </p:cSld>
@@ -6877,8 +7223,12 @@
               <a:buNone/>
             </a:pPr>
             <a:r>
+              <a:rPr lang="en-SG" dirty="0" err="1"/>
+              <a:t>Preprocessing</a:t>
+            </a:r>
+            <a:r>
               <a:rPr lang="en-SG" dirty="0"/>
-              <a:t>Modelling</a:t>
+              <a:t> in a pipeline to prevent data leakage</a:t>
             </a:r>
             <a:endParaRPr dirty="0"/>
           </a:p>
@@ -6896,8 +7246,8 @@
         </p:nvSpPr>
         <p:spPr>
           <a:xfrm>
-            <a:off x="-79514" y="2104506"/>
-            <a:ext cx="4651514" cy="2039363"/>
+            <a:off x="166762" y="929766"/>
+            <a:ext cx="4528183" cy="4184374"/>
           </a:xfrm>
           <a:prstGeom prst="rect">
             <a:avLst/>
@@ -6921,7 +7271,48 @@
             </a:pPr>
             <a:r>
               <a:rPr lang="en-SG" sz="1400" dirty="0"/>
-              <a:t>We want to pick a model that helps us relate features to target variable as well as possessing a high metric score</a:t>
+              <a:t>Use of </a:t>
+            </a:r>
+            <a:r>
+              <a:rPr lang="en-SG" sz="1400" dirty="0" err="1"/>
+              <a:t>sklearn</a:t>
+            </a:r>
+            <a:r>
+              <a:rPr lang="en-SG" sz="1400" dirty="0"/>
+              <a:t> </a:t>
+            </a:r>
+            <a:r>
+              <a:rPr lang="en-SG" sz="1400" b="1" dirty="0" err="1"/>
+              <a:t>ColumnTransformer</a:t>
+            </a:r>
+            <a:r>
+              <a:rPr lang="en-SG" sz="1400" b="1" dirty="0"/>
+              <a:t> and </a:t>
+            </a:r>
+            <a:r>
+              <a:rPr lang="en-SG" sz="1400" b="1" dirty="0" err="1"/>
+              <a:t>FunctionTransformer</a:t>
+            </a:r>
+            <a:endParaRPr lang="en-SG" sz="1400" b="1" dirty="0"/>
+          </a:p>
+          <a:p>
+            <a:pPr marL="342900" lvl="0" algn="l" rtl="0">
+              <a:spcBef>
+                <a:spcPts val="0"/>
+              </a:spcBef>
+              <a:spcAft>
+                <a:spcPts val="1200"/>
+              </a:spcAft>
+              <a:buFont typeface="Arial" panose="020B0604020202020204" pitchFamily="34" charset="0"/>
+              <a:buChar char="•"/>
+            </a:pPr>
+            <a:r>
+              <a:rPr lang="en-SG" sz="1400" b="1" dirty="0" err="1"/>
+              <a:t>KBinsDiscretizer</a:t>
+            </a:r>
+            <a:r>
+              <a:rPr lang="en-SG" sz="1400" b="1" dirty="0"/>
+              <a:t> to perform binning on Tool Wear (min). </a:t>
             </a:r>
           </a:p>
           <a:p>
@@ -6933,56 +7324,37 @@
               <a:buChar char="•"/>
             </a:pPr>
             <a:r>
+              <a:rPr lang="en-SG" sz="1400" b="1" dirty="0"/>
+              <a:t>Help model to be more robust and data be more regularized. </a:t>
+            </a:r>
+            <a:r>
               <a:rPr lang="en-SG" sz="1400" dirty="0"/>
-              <a:t>Use of learning curve and stratified k fold cross validation on train set to understand the model’s performance, to select models. Stratified </a:t>
-            </a:r>
-            <a:r>
-              <a:rPr lang="en-SG" sz="1400" dirty="0" err="1"/>
-              <a:t>Kfold</a:t>
+              <a:t>(also handles outliers)</a:t>
+            </a:r>
+            <a:endParaRPr lang="en-SG" sz="1400" b="1" dirty="0"/>
+          </a:p>
+          <a:p>
+            <a:pPr marL="342900" lvl="0" algn="l" rtl="0">
+              <a:spcBef>
+                <a:spcPts val="0"/>
+              </a:spcBef>
+              <a:spcAft>
+                <a:spcPts val="1200"/>
+              </a:spcAft>
+              <a:buFont typeface="Arial" panose="020B0604020202020204" pitchFamily="34" charset="0"/>
+              <a:buChar char="•"/>
+            </a:pPr>
+            <a:r>
+              <a:rPr lang="en-SG" sz="1400" b="1" dirty="0" err="1"/>
+              <a:t>OrdinalEncoder</a:t>
             </a:r>
             <a:r>
               <a:rPr lang="en-SG" sz="1400" dirty="0"/>
-              <a:t> is used instead of normal to preserve percentage of samples for each class,</a:t>
-            </a:r>
-            <a:r>
-              <a:rPr lang="en-US" sz="1200" b="0" i="0" dirty="0">
-                <a:solidFill>
-                  <a:srgbClr val="DCDDDE"/>
-                </a:solidFill>
-                <a:effectLst/>
-                <a:latin typeface="Whitney"/>
-              </a:rPr>
-              <a:t> </a:t>
-            </a:r>
-            <a:r>
-              <a:rPr lang="en-US" sz="1400" b="0" dirty="0">
-                <a:solidFill>
-                  <a:schemeClr val="tx1"/>
-                </a:solidFill>
-                <a:effectLst/>
-                <a:latin typeface="Montserrat" panose="00000500000000000000" pitchFamily="2" charset="0"/>
-              </a:rPr>
-              <a:t>We do not have to worry about any splits containing very few or none of the minority class, as </a:t>
-            </a:r>
-            <a:r>
-              <a:rPr lang="en-US" sz="1400" b="0" dirty="0" err="1">
-                <a:solidFill>
-                  <a:schemeClr val="tx1"/>
-                </a:solidFill>
-                <a:effectLst/>
-                <a:latin typeface="Montserrat" panose="00000500000000000000" pitchFamily="2" charset="0"/>
-              </a:rPr>
-              <a:t>StratifiedKfold</a:t>
-            </a:r>
-            <a:r>
-              <a:rPr lang="en-US" sz="1400" b="0" dirty="0">
-                <a:solidFill>
-                  <a:schemeClr val="tx1"/>
-                </a:solidFill>
-                <a:effectLst/>
-                <a:latin typeface="Montserrat" panose="00000500000000000000" pitchFamily="2" charset="0"/>
-              </a:rPr>
-              <a:t> tackles that problem for us. (Important for imbalanced)</a:t>
+              <a:t> to encode </a:t>
+            </a:r>
+            <a:r>
+              <a:rPr lang="en-SG" sz="1400" b="1" dirty="0"/>
+              <a:t>Quality. </a:t>
             </a:r>
           </a:p>
           <a:p>
@@ -6996,21 +7368,68 @@
               <a:buFont typeface="Arial" panose="020B0604020202020204" pitchFamily="34" charset="0"/>
               <a:buChar char="•"/>
             </a:pPr>
-            <a:endParaRPr lang="en-SG" sz="1400" dirty="0">
-              <a:solidFill>
-                <a:schemeClr val="tx1"/>
-              </a:solidFill>
-              <a:latin typeface="Montserrat" panose="00000500000000000000" pitchFamily="2" charset="0"/>
-            </a:endParaRPr>
+            <a:r>
+              <a:rPr lang="en-SG" sz="1400" b="1" dirty="0" err="1"/>
+              <a:t>IterativeImputer</a:t>
+            </a:r>
+            <a:r>
+              <a:rPr lang="en-SG" sz="1400" b="1" dirty="0"/>
+              <a:t>() (multivariate approach) </a:t>
+            </a:r>
+            <a:r>
+              <a:rPr lang="en-SG" sz="1400" dirty="0"/>
+              <a:t>to impute continuous features, and classification model to impute </a:t>
+            </a:r>
+            <a:r>
+              <a:rPr lang="en-SG" sz="1400" b="1" dirty="0"/>
+              <a:t>Quality.</a:t>
+            </a:r>
+          </a:p>
+          <a:p>
+            <a:pPr marL="342900" lvl="0" algn="l" rtl="0">
+              <a:spcBef>
+                <a:spcPts val="0"/>
+              </a:spcBef>
+              <a:spcAft>
+                <a:spcPts val="1200"/>
+              </a:spcAft>
+              <a:buFont typeface="Arial" panose="020B0604020202020204" pitchFamily="34" charset="0"/>
+              <a:buChar char="•"/>
+            </a:pPr>
+            <a:r>
+              <a:rPr lang="en-SG" sz="1400" b="1" dirty="0"/>
+              <a:t>Will not use machine status to impute as it leads to data leakage</a:t>
+            </a:r>
+          </a:p>
+          <a:p>
+            <a:pPr marL="342900" lvl="0" algn="l" rtl="0">
+              <a:spcBef>
+                <a:spcPts val="0"/>
+              </a:spcBef>
+              <a:spcAft>
+                <a:spcPts val="1200"/>
+              </a:spcAft>
+              <a:buFont typeface="Arial" panose="020B0604020202020204" pitchFamily="34" charset="0"/>
+              <a:buChar char="•"/>
+            </a:pPr>
+            <a:r>
+              <a:rPr lang="en-SG" sz="1400" b="1" dirty="0"/>
+              <a:t>Imputation </a:t>
+            </a:r>
+            <a:r>
+              <a:rPr lang="en-SG" sz="1400" dirty="0"/>
+              <a:t>did not distort the original distribution, which is a good thing.</a:t>
+            </a:r>
+            <a:endParaRPr lang="en-SG" sz="1400" b="1" dirty="0"/>
           </a:p>
         </p:txBody>
       </p:sp>
       <p:pic>
         <p:nvPicPr>
-          <p:cNvPr id="3" name="Picture 2">
+          <p:cNvPr id="4" name="Picture 3">
             <a:extLst>
               <a:ext uri="{FF2B5EF4-FFF2-40B4-BE49-F238E27FC236}">
-                <a16:creationId xmlns:a16="http://schemas.microsoft.com/office/drawing/2014/main" id="{8CFD7E7A-7960-87CD-C70E-7E53F1245874}"/>
+                <a16:creationId xmlns:a16="http://schemas.microsoft.com/office/drawing/2014/main" id="{598D2C7A-84AF-D08E-C465-F41BFC2E410C}"/>
               </a:ext>
             </a:extLst>
           </p:cNvPr>
@@ -7027,8 +7446,8 @@
         </p:blipFill>
         <p:spPr>
           <a:xfrm>
-            <a:off x="-1" y="861955"/>
-            <a:ext cx="4387217" cy="1290562"/>
+            <a:off x="4572000" y="742468"/>
+            <a:ext cx="4449055" cy="1212543"/>
           </a:xfrm>
           <a:prstGeom prst="rect">
             <a:avLst/>
@@ -7037,10 +7456,10 @@
       </p:pic>
       <p:pic>
         <p:nvPicPr>
-          <p:cNvPr id="5" name="Picture 4">
+          <p:cNvPr id="6" name="Picture 5">
             <a:extLst>
               <a:ext uri="{FF2B5EF4-FFF2-40B4-BE49-F238E27FC236}">
-                <a16:creationId xmlns:a16="http://schemas.microsoft.com/office/drawing/2014/main" id="{C1EE8D31-A36D-980A-895D-075420F93691}"/>
+                <a16:creationId xmlns:a16="http://schemas.microsoft.com/office/drawing/2014/main" id="{1C00AF40-8EB5-82D1-A41F-2288C249FAFA}"/>
               </a:ext>
             </a:extLst>
           </p:cNvPr>
@@ -7057,121 +7476,20 @@
         </p:blipFill>
         <p:spPr>
           <a:xfrm>
-            <a:off x="4528183" y="1249885"/>
-            <a:ext cx="3461324" cy="1972760"/>
+            <a:off x="4692386" y="1955011"/>
+            <a:ext cx="4390142" cy="1879322"/>
           </a:xfrm>
           <a:prstGeom prst="rect">
             <a:avLst/>
           </a:prstGeom>
         </p:spPr>
       </p:pic>
-      <p:sp>
-        <p:nvSpPr>
-          <p:cNvPr id="8" name="TextBox 7">
+      <p:pic>
+        <p:nvPicPr>
+          <p:cNvPr id="8" name="Picture 7">
             <a:extLst>
               <a:ext uri="{FF2B5EF4-FFF2-40B4-BE49-F238E27FC236}">
-                <a16:creationId xmlns:a16="http://schemas.microsoft.com/office/drawing/2014/main" id="{3597DD05-B4E7-B877-4069-305A0588BB6E}"/>
-              </a:ext>
-            </a:extLst>
-          </p:cNvPr>
-          <p:cNvSpPr txBox="1"/>
-          <p:nvPr/>
-        </p:nvSpPr>
-        <p:spPr>
-          <a:xfrm>
-            <a:off x="4404209" y="971528"/>
-            <a:ext cx="4387218" cy="307777"/>
-          </a:xfrm>
-          <a:prstGeom prst="rect">
-            <a:avLst/>
-          </a:prstGeom>
-          <a:noFill/>
-        </p:spPr>
-        <p:txBody>
-          <a:bodyPr wrap="square" rtlCol="0">
-            <a:spAutoFit/>
-          </a:bodyPr>
-          <a:lstStyle/>
-          <a:p>
-            <a:r>
-              <a:rPr lang="en-US" b="1" dirty="0"/>
-              <a:t>Dummy Classifier</a:t>
-            </a:r>
-            <a:endParaRPr lang="en-SG" b="1" dirty="0"/>
-          </a:p>
-        </p:txBody>
-      </p:sp>
-      <p:sp>
-        <p:nvSpPr>
-          <p:cNvPr id="9" name="TextBox 8">
-            <a:extLst>
-              <a:ext uri="{FF2B5EF4-FFF2-40B4-BE49-F238E27FC236}">
-                <a16:creationId xmlns:a16="http://schemas.microsoft.com/office/drawing/2014/main" id="{4EC4060D-611F-7985-8733-56F7E7B9503D}"/>
-              </a:ext>
-            </a:extLst>
-          </p:cNvPr>
-          <p:cNvSpPr txBox="1"/>
-          <p:nvPr/>
-        </p:nvSpPr>
-        <p:spPr>
-          <a:xfrm>
-            <a:off x="4734409" y="3242733"/>
-            <a:ext cx="4121723" cy="1384995"/>
-          </a:xfrm>
-          <a:prstGeom prst="rect">
-            <a:avLst/>
-          </a:prstGeom>
-          <a:noFill/>
-        </p:spPr>
-        <p:txBody>
-          <a:bodyPr wrap="square" rtlCol="0">
-            <a:spAutoFit/>
-          </a:bodyPr>
-          <a:lstStyle/>
-          <a:p>
-            <a:pPr marL="285750" indent="-285750">
-              <a:buFont typeface="Arial" panose="020B0604020202020204" pitchFamily="34" charset="0"/>
-              <a:buChar char="•"/>
-            </a:pPr>
-            <a:r>
-              <a:rPr lang="en-US" dirty="0">
-                <a:latin typeface="Montserrat" panose="00000500000000000000" pitchFamily="2" charset="0"/>
-              </a:rPr>
-              <a:t>Strategy = ‘uniform’, and use of </a:t>
-            </a:r>
-            <a:r>
-              <a:rPr lang="en-US" dirty="0" err="1">
-                <a:latin typeface="Montserrat" panose="00000500000000000000" pitchFamily="2" charset="0"/>
-              </a:rPr>
-              <a:t>StandardScaler</a:t>
-            </a:r>
-            <a:r>
-              <a:rPr lang="en-US" dirty="0">
-                <a:latin typeface="Montserrat" panose="00000500000000000000" pitchFamily="2" charset="0"/>
-              </a:rPr>
-              <a:t>()</a:t>
-            </a:r>
-          </a:p>
-          <a:p>
-            <a:pPr marL="285750" indent="-285750">
-              <a:buFont typeface="Arial" panose="020B0604020202020204" pitchFamily="34" charset="0"/>
-              <a:buChar char="•"/>
-            </a:pPr>
-            <a:r>
-              <a:rPr lang="en-US" dirty="0">
-                <a:latin typeface="Montserrat" panose="00000500000000000000" pitchFamily="2" charset="0"/>
-              </a:rPr>
-              <a:t>Dummy Classifier does not perform well but poorly with unimpressive F2 scores and have high bias, underfitting the data.</a:t>
-            </a:r>
-          </a:p>
-        </p:txBody>
-      </p:sp>
-      <p:pic>
-        <p:nvPicPr>
-          <p:cNvPr id="11" name="Picture 10">
-            <a:extLst>
-              <a:ext uri="{FF2B5EF4-FFF2-40B4-BE49-F238E27FC236}">
-                <a16:creationId xmlns:a16="http://schemas.microsoft.com/office/drawing/2014/main" id="{FF5ABF25-748F-DB39-DADD-77D4781C5C99}"/>
+                <a16:creationId xmlns:a16="http://schemas.microsoft.com/office/drawing/2014/main" id="{12AEE9BD-0737-3980-3FFF-17FE5F109D11}"/>
               </a:ext>
             </a:extLst>
           </p:cNvPr>
@@ -7188,8 +7506,8 @@
         </p:blipFill>
         <p:spPr>
           <a:xfrm>
-            <a:off x="7989507" y="1249884"/>
-            <a:ext cx="1302463" cy="1992849"/>
+            <a:off x="4692386" y="3888616"/>
+            <a:ext cx="4451613" cy="1171240"/>
           </a:xfrm>
           <a:prstGeom prst="rect">
             <a:avLst/>
@@ -7199,7 +7517,7 @@
     </p:spTree>
     <p:extLst>
       <p:ext uri="{BB962C8B-B14F-4D97-AF65-F5344CB8AC3E}">
-        <p14:creationId xmlns:p14="http://schemas.microsoft.com/office/powerpoint/2010/main" val="2300351948"/>
+        <p14:creationId xmlns:p14="http://schemas.microsoft.com/office/powerpoint/2010/main" val="1801899196"/>
       </p:ext>
     </p:extLst>
   </p:cSld>
@@ -7280,8 +7598,8 @@
         </p:nvSpPr>
         <p:spPr>
           <a:xfrm>
-            <a:off x="43817" y="4018877"/>
-            <a:ext cx="4528183" cy="1419909"/>
+            <a:off x="-79514" y="2104506"/>
+            <a:ext cx="4651514" cy="2039363"/>
           </a:xfrm>
           <a:prstGeom prst="rect">
             <a:avLst/>
@@ -7293,7 +7611,10 @@
           </a:bodyPr>
           <a:lstStyle/>
           <a:p>
-            <a:pPr marL="285750" indent="-285750" algn="l">
+            <a:pPr marL="342900" lvl="0" algn="l" rtl="0">
+              <a:spcBef>
+                <a:spcPts val="0"/>
+              </a:spcBef>
               <a:spcAft>
                 <a:spcPts val="1200"/>
               </a:spcAft>
@@ -7301,25 +7622,88 @@
               <a:buChar char="•"/>
             </a:pPr>
             <a:r>
-              <a:rPr lang="en-US" sz="1200" b="0" dirty="0">
+              <a:rPr lang="en-SG" sz="1400" dirty="0"/>
+              <a:t>We want to pick a model that helps us relate features to target variable as well as possessing a high metric score</a:t>
+            </a:r>
+          </a:p>
+          <a:p>
+            <a:pPr marL="342900" algn="l">
+              <a:spcAft>
+                <a:spcPts val="1200"/>
+              </a:spcAft>
+              <a:buFont typeface="Arial" panose="020B0604020202020204" pitchFamily="34" charset="0"/>
+              <a:buChar char="•"/>
+            </a:pPr>
+            <a:r>
+              <a:rPr lang="en-SG" sz="1400" dirty="0"/>
+              <a:t>Use of learning curve and stratified k fold cross validation on train set to understand the model’s performance, to select models. Stratified </a:t>
+            </a:r>
+            <a:r>
+              <a:rPr lang="en-SG" sz="1400" dirty="0" err="1"/>
+              <a:t>Kfold</a:t>
+            </a:r>
+            <a:r>
+              <a:rPr lang="en-SG" sz="1400" dirty="0"/>
+              <a:t> is used instead of normal to preserve percentage of samples for each class,</a:t>
+            </a:r>
+            <a:r>
+              <a:rPr lang="en-US" sz="1200" b="0" i="0" dirty="0">
+                <a:solidFill>
+                  <a:srgbClr val="DCDDDE"/>
+                </a:solidFill>
+                <a:effectLst/>
+                <a:latin typeface="Whitney"/>
+              </a:rPr>
+              <a:t> </a:t>
+            </a:r>
+            <a:r>
+              <a:rPr lang="en-US" sz="1400" b="0" dirty="0">
                 <a:solidFill>
                   <a:schemeClr val="tx1"/>
                 </a:solidFill>
                 <a:effectLst/>
-                <a:latin typeface="+mj-lt"/>
+                <a:latin typeface="Montserrat" panose="00000500000000000000" pitchFamily="2" charset="0"/>
               </a:rPr>
-              <a:t>K Neighbors classifier does not perform very well and it seems that it has pretty high bias, seems like underfitting. It also has pretty bad recall and F2 scores. Larger gap between train and cv scores suggest slight overfitting</a:t>
-            </a:r>
-          </a:p>
-          <a:p>
-            <a:pPr marL="285750" indent="-285750" algn="l">
+              <a:t>We do not have to worry about any splits containing very few or none of the minority class, as </a:t>
+            </a:r>
+            <a:r>
+              <a:rPr lang="en-US" sz="1400" b="0" dirty="0" err="1">
+                <a:solidFill>
+                  <a:schemeClr val="tx1"/>
+                </a:solidFill>
+                <a:effectLst/>
+                <a:latin typeface="Montserrat" panose="00000500000000000000" pitchFamily="2" charset="0"/>
+              </a:rPr>
+              <a:t>StratifiedKfold</a:t>
+            </a:r>
+            <a:r>
+              <a:rPr lang="en-US" sz="1400" b="0" dirty="0">
+                <a:solidFill>
+                  <a:schemeClr val="tx1"/>
+                </a:solidFill>
+                <a:effectLst/>
+                <a:latin typeface="Montserrat" panose="00000500000000000000" pitchFamily="2" charset="0"/>
+              </a:rPr>
+              <a:t> tackles that problem for us. (Important for imbalanced)</a:t>
+            </a:r>
+          </a:p>
+          <a:p>
+            <a:pPr marL="342900" lvl="0" algn="l" rtl="0">
+              <a:spcBef>
+                <a:spcPts val="0"/>
+              </a:spcBef>
               <a:spcAft>
                 <a:spcPts val="1200"/>
               </a:spcAft>
               <a:buFont typeface="Arial" panose="020B0604020202020204" pitchFamily="34" charset="0"/>
               <a:buChar char="•"/>
             </a:pPr>
-            <a:endParaRPr lang="en-SG" sz="1400" dirty="0"/>
+            <a:endParaRPr lang="en-SG" sz="1400" dirty="0">
+              <a:solidFill>
+                <a:schemeClr val="tx1"/>
+              </a:solidFill>
+              <a:latin typeface="Montserrat" panose="00000500000000000000" pitchFamily="2" charset="0"/>
+            </a:endParaRPr>
           </a:p>
         </p:txBody>
       </p:sp>
@@ -7328,7 +7712,7 @@
           <p:cNvPr id="3" name="Picture 2">
             <a:extLst>
               <a:ext uri="{FF2B5EF4-FFF2-40B4-BE49-F238E27FC236}">
-                <a16:creationId xmlns:a16="http://schemas.microsoft.com/office/drawing/2014/main" id="{9796B971-0755-9759-4E22-A919D95CFCA1}"/>
+                <a16:creationId xmlns:a16="http://schemas.microsoft.com/office/drawing/2014/main" id="{8CFD7E7A-7960-87CD-C70E-7E53F1245874}"/>
               </a:ext>
             </a:extLst>
           </p:cNvPr>
@@ -7345,8 +7729,8 @@
         </p:blipFill>
         <p:spPr>
           <a:xfrm>
-            <a:off x="43817" y="771923"/>
-            <a:ext cx="4528183" cy="1787979"/>
+            <a:off x="-1" y="861955"/>
+            <a:ext cx="4387217" cy="1290562"/>
           </a:xfrm>
           <a:prstGeom prst="rect">
             <a:avLst/>
@@ -7358,7 +7742,7 @@
           <p:cNvPr id="5" name="Picture 4">
             <a:extLst>
               <a:ext uri="{FF2B5EF4-FFF2-40B4-BE49-F238E27FC236}">
-                <a16:creationId xmlns:a16="http://schemas.microsoft.com/office/drawing/2014/main" id="{966613C9-D2F4-9935-012E-FA10BAC9DA5B}"/>
+                <a16:creationId xmlns:a16="http://schemas.microsoft.com/office/drawing/2014/main" id="{C1EE8D31-A36D-980A-895D-075420F93691}"/>
               </a:ext>
             </a:extLst>
           </p:cNvPr>
@@ -7375,8 +7759,8 @@
         </p:blipFill>
         <p:spPr>
           <a:xfrm>
-            <a:off x="285152" y="2583598"/>
-            <a:ext cx="4286848" cy="1504308"/>
+            <a:off x="4528183" y="1249885"/>
+            <a:ext cx="3461324" cy="1972760"/>
           </a:xfrm>
           <a:prstGeom prst="rect">
             <a:avLst/>
@@ -7385,10 +7769,10 @@
       </p:pic>
       <p:sp>
         <p:nvSpPr>
-          <p:cNvPr id="6" name="TextBox 5">
+          <p:cNvPr id="8" name="TextBox 7">
             <a:extLst>
               <a:ext uri="{FF2B5EF4-FFF2-40B4-BE49-F238E27FC236}">
-                <a16:creationId xmlns:a16="http://schemas.microsoft.com/office/drawing/2014/main" id="{338790A9-1127-0FC4-C208-532EC9E416FE}"/>
+                <a16:creationId xmlns:a16="http://schemas.microsoft.com/office/drawing/2014/main" id="{3597DD05-B4E7-B877-4069-305A0588BB6E}"/>
               </a:ext>
             </a:extLst>
           </p:cNvPr>
@@ -7397,8 +7781,8 @@
         </p:nvSpPr>
         <p:spPr>
           <a:xfrm>
-            <a:off x="4510529" y="3327618"/>
-            <a:ext cx="4348320" cy="1600438"/>
+            <a:off x="4404209" y="971528"/>
+            <a:ext cx="4387218" cy="307777"/>
           </a:xfrm>
           <a:prstGeom prst="rect">
             <a:avLst/>
@@ -7411,19 +7795,51 @@
           </a:bodyPr>
           <a:lstStyle/>
           <a:p>
+            <a:r>
+              <a:rPr lang="en-US" b="1" dirty="0"/>
+              <a:t>Dummy Classifier</a:t>
+            </a:r>
+            <a:endParaRPr lang="en-SG" b="1" dirty="0"/>
+          </a:p>
+        </p:txBody>
+      </p:sp>
+      <p:sp>
+        <p:nvSpPr>
+          <p:cNvPr id="9" name="TextBox 8">
+            <a:extLst>
+              <a:ext uri="{FF2B5EF4-FFF2-40B4-BE49-F238E27FC236}">
+                <a16:creationId xmlns:a16="http://schemas.microsoft.com/office/drawing/2014/main" id="{4EC4060D-611F-7985-8733-56F7E7B9503D}"/>
+              </a:ext>
+            </a:extLst>
+          </p:cNvPr>
+          <p:cNvSpPr txBox="1"/>
+          <p:nvPr/>
+        </p:nvSpPr>
+        <p:spPr>
+          <a:xfrm>
+            <a:off x="4734409" y="3242733"/>
+            <a:ext cx="4121723" cy="1169551"/>
+          </a:xfrm>
+          <a:prstGeom prst="rect">
+            <a:avLst/>
+          </a:prstGeom>
+          <a:noFill/>
+        </p:spPr>
+        <p:txBody>
+          <a:bodyPr wrap="square" rtlCol="0">
+            <a:spAutoFit/>
+          </a:bodyPr>
+          <a:lstStyle/>
+          <a:p>
             <a:pPr marL="285750" indent="-285750">
               <a:buFont typeface="Arial" panose="020B0604020202020204" pitchFamily="34" charset="0"/>
               <a:buChar char="•"/>
             </a:pPr>
             <a:r>
-              <a:rPr lang="en-US" b="0" dirty="0">
-                <a:solidFill>
-                  <a:schemeClr val="tx1"/>
-                </a:solidFill>
-                <a:effectLst/>
-                <a:latin typeface="+mj-lt"/>
+              <a:rPr lang="en-US" dirty="0">
+                <a:latin typeface="Montserrat" panose="00000500000000000000" pitchFamily="2" charset="0"/>
               </a:rPr>
-              <a:t>Random Forest classifier works very well with consistent perfect F2 Scores for Train sets, However, test scores indicate that the model might be slightly overfitting. This however, can be addressed via hyperparameter tuning. All in all, RF is generally an optimal model, with low bias</a:t>
+              <a:t>Strategy = ‘uniform’,</a:t>
             </a:r>
           </a:p>
           <a:p>
@@ -7431,16 +7847,21 @@
               <a:buFont typeface="Arial" panose="020B0604020202020204" pitchFamily="34" charset="0"/>
               <a:buChar char="•"/>
             </a:pPr>
-            <a:endParaRPr lang="en-SG" dirty="0"/>
+            <a:r>
+              <a:rPr lang="en-US" dirty="0">
+                <a:latin typeface="Montserrat" panose="00000500000000000000" pitchFamily="2" charset="0"/>
+              </a:rPr>
+              <a:t>Dummy Classifier does not perform well but poorly with unimpressive F2 scores and have high bias, underfitting the data.</a:t>
+            </a:r>
           </a:p>
         </p:txBody>
       </p:sp>
       <p:pic>
         <p:nvPicPr>
-          <p:cNvPr id="8" name="Picture 7">
+          <p:cNvPr id="11" name="Picture 10">
             <a:extLst>
               <a:ext uri="{FF2B5EF4-FFF2-40B4-BE49-F238E27FC236}">
-                <a16:creationId xmlns:a16="http://schemas.microsoft.com/office/drawing/2014/main" id="{901F1847-32C0-E2AE-29E1-2A0EB1492E69}"/>
+                <a16:creationId xmlns:a16="http://schemas.microsoft.com/office/drawing/2014/main" id="{FF5ABF25-748F-DB39-DADD-77D4781C5C99}"/>
               </a:ext>
             </a:extLst>
           </p:cNvPr>
@@ -7457,38 +7878,8 @@
         </p:blipFill>
         <p:spPr>
           <a:xfrm>
-            <a:off x="4694945" y="1551487"/>
-            <a:ext cx="4405238" cy="1799827"/>
-          </a:xfrm>
-          <a:prstGeom prst="rect">
-            <a:avLst/>
-          </a:prstGeom>
-        </p:spPr>
-      </p:pic>
-      <p:pic>
-        <p:nvPicPr>
-          <p:cNvPr id="10" name="Picture 9">
-            <a:extLst>
-              <a:ext uri="{FF2B5EF4-FFF2-40B4-BE49-F238E27FC236}">
-                <a16:creationId xmlns:a16="http://schemas.microsoft.com/office/drawing/2014/main" id="{47FA1C3A-72A0-4EA8-03CB-86E082E022FF}"/>
-              </a:ext>
-            </a:extLst>
-          </p:cNvPr>
-          <p:cNvPicPr>
-            <a:picLocks noChangeAspect="1"/>
-          </p:cNvPicPr>
-          <p:nvPr/>
-        </p:nvPicPr>
-        <p:blipFill>
-          <a:blip r:embed="rId6"/>
-          <a:stretch>
-            <a:fillRect/>
-          </a:stretch>
-        </p:blipFill>
-        <p:spPr>
-          <a:xfrm>
-            <a:off x="6897564" y="161604"/>
-            <a:ext cx="1914792" cy="1504308"/>
+            <a:off x="7989507" y="1249884"/>
+            <a:ext cx="1302463" cy="1992849"/>
           </a:xfrm>
           <a:prstGeom prst="rect">
             <a:avLst/>
@@ -7498,7 +7889,7 @@
     </p:spTree>
     <p:extLst>
       <p:ext uri="{BB962C8B-B14F-4D97-AF65-F5344CB8AC3E}">
-        <p14:creationId xmlns:p14="http://schemas.microsoft.com/office/powerpoint/2010/main" val="507603403"/>
+        <p14:creationId xmlns:p14="http://schemas.microsoft.com/office/powerpoint/2010/main" val="2300351948"/>
       </p:ext>
     </p:extLst>
   </p:cSld>
@@ -7579,7 +7970,7 @@
         </p:nvSpPr>
         <p:spPr>
           <a:xfrm>
-            <a:off x="0" y="3417882"/>
+            <a:off x="43817" y="4018877"/>
             <a:ext cx="4528183" cy="1419909"/>
           </a:xfrm>
           <a:prstGeom prst="rect">
@@ -7600,12 +7991,14 @@
               <a:buChar char="•"/>
             </a:pPr>
             <a:r>
-              <a:rPr lang="en-SG" sz="1400" dirty="0" err="1"/>
-              <a:t>Dectree</a:t>
-            </a:r>
-            <a:r>
-              <a:rPr lang="en-SG" sz="1400" dirty="0"/>
-              <a:t> has Decent f2 scores, however recall scores are not great</a:t>
+              <a:rPr lang="en-US" sz="1200" b="0" dirty="0">
+                <a:solidFill>
+                  <a:schemeClr val="tx1"/>
+                </a:solidFill>
+                <a:effectLst/>
+                <a:latin typeface="+mj-lt"/>
+              </a:rPr>
+              <a:t>K Neighbors classifier does not perform very well and it seems that it has pretty high bias, seems like underfitting. It also has pretty bad recall and F2 scores. Larger gap between train and cv scores suggest slight overfitting</a:t>
             </a:r>
           </a:p>
           <a:p>
@@ -7616,40 +8009,16 @@
               <a:buFont typeface="Arial" panose="020B0604020202020204" pitchFamily="34" charset="0"/>
               <a:buChar char="•"/>
             </a:pPr>
-            <a:r>
-              <a:rPr lang="en-SG" sz="1400" dirty="0"/>
-              <a:t>Seen from curve, decision tree is overfitting, with high variance</a:t>
-            </a:r>
-          </a:p>
-          <a:p>
-            <a:pPr marL="285750" indent="-285750" algn="l">
-              <a:spcAft>
-                <a:spcPts val="1200"/>
-              </a:spcAft>
-              <a:buFont typeface="Arial" panose="020B0604020202020204" pitchFamily="34" charset="0"/>
-              <a:buChar char="•"/>
-            </a:pPr>
-            <a:r>
-              <a:rPr lang="en-SG" sz="1400" dirty="0"/>
-              <a:t>Slightly inferior compared to </a:t>
-            </a:r>
-            <a:r>
-              <a:rPr lang="en-SG" sz="1400" dirty="0" err="1"/>
-              <a:t>RForests</a:t>
-            </a:r>
-            <a:r>
-              <a:rPr lang="en-SG" sz="1400" dirty="0"/>
-              <a:t>.</a:t>
-            </a:r>
+            <a:endParaRPr lang="en-SG" sz="1400" dirty="0"/>
           </a:p>
         </p:txBody>
       </p:sp>
       <p:pic>
         <p:nvPicPr>
-          <p:cNvPr id="4" name="Picture 3">
+          <p:cNvPr id="3" name="Picture 2">
             <a:extLst>
               <a:ext uri="{FF2B5EF4-FFF2-40B4-BE49-F238E27FC236}">
-                <a16:creationId xmlns:a16="http://schemas.microsoft.com/office/drawing/2014/main" id="{44DB39CC-5A78-6915-33B2-C34BFA9D3C40}"/>
+                <a16:creationId xmlns:a16="http://schemas.microsoft.com/office/drawing/2014/main" id="{9796B971-0755-9759-4E22-A919D95CFCA1}"/>
               </a:ext>
             </a:extLst>
           </p:cNvPr>
@@ -7666,8 +8035,8 @@
         </p:blipFill>
         <p:spPr>
           <a:xfrm>
-            <a:off x="166762" y="791159"/>
-            <a:ext cx="3482887" cy="2350775"/>
+            <a:off x="43817" y="771923"/>
+            <a:ext cx="4528183" cy="1787979"/>
           </a:xfrm>
           <a:prstGeom prst="rect">
             <a:avLst/>
@@ -7676,10 +8045,10 @@
       </p:pic>
       <p:pic>
         <p:nvPicPr>
-          <p:cNvPr id="9" name="Picture 8">
+          <p:cNvPr id="5" name="Picture 4">
             <a:extLst>
               <a:ext uri="{FF2B5EF4-FFF2-40B4-BE49-F238E27FC236}">
-                <a16:creationId xmlns:a16="http://schemas.microsoft.com/office/drawing/2014/main" id="{F47D6835-87D3-8854-0D67-800FBFF40BB3}"/>
+                <a16:creationId xmlns:a16="http://schemas.microsoft.com/office/drawing/2014/main" id="{966613C9-D2F4-9935-012E-FA10BAC9DA5B}"/>
               </a:ext>
             </a:extLst>
           </p:cNvPr>
@@ -7696,8 +8065,8 @@
         </p:blipFill>
         <p:spPr>
           <a:xfrm>
-            <a:off x="3649650" y="791159"/>
-            <a:ext cx="1622066" cy="2350775"/>
+            <a:off x="285152" y="2583598"/>
+            <a:ext cx="4286848" cy="1504308"/>
           </a:xfrm>
           <a:prstGeom prst="rect">
             <a:avLst/>
@@ -7706,10 +8075,10 @@
       </p:pic>
       <p:sp>
         <p:nvSpPr>
-          <p:cNvPr id="11" name="TextBox 10">
+          <p:cNvPr id="6" name="TextBox 5">
             <a:extLst>
               <a:ext uri="{FF2B5EF4-FFF2-40B4-BE49-F238E27FC236}">
-                <a16:creationId xmlns:a16="http://schemas.microsoft.com/office/drawing/2014/main" id="{ACC657B3-28D6-1B0F-5886-A3DEDCE8FE9F}"/>
+                <a16:creationId xmlns:a16="http://schemas.microsoft.com/office/drawing/2014/main" id="{338790A9-1127-0FC4-C208-532EC9E416FE}"/>
               </a:ext>
             </a:extLst>
           </p:cNvPr>
@@ -7718,8 +8087,8 @@
         </p:nvSpPr>
         <p:spPr>
           <a:xfrm>
-            <a:off x="4802587" y="3417882"/>
-            <a:ext cx="4456673" cy="1600438"/>
+            <a:off x="4510529" y="3327618"/>
+            <a:ext cx="4348320" cy="1600438"/>
           </a:xfrm>
           <a:prstGeom prst="rect">
             <a:avLst/>
@@ -7731,31 +8100,6 @@
             <a:spAutoFit/>
           </a:bodyPr>
           <a:lstStyle/>
-          <a:p>
-            <a:pPr marL="285750" indent="-285750">
-              <a:buFont typeface="Arial" panose="020B0604020202020204" pitchFamily="34" charset="0"/>
-              <a:buChar char="•"/>
-            </a:pPr>
-            <a:r>
-              <a:rPr lang="en-SG" dirty="0"/>
-              <a:t>GBC performs pretty well</a:t>
-            </a:r>
-            <a:r>
-              <a:rPr lang="en-SG" dirty="0">
-                <a:solidFill>
-                  <a:schemeClr val="tx1"/>
-                </a:solidFill>
-                <a:latin typeface="+mj-lt"/>
-              </a:rPr>
-              <a:t>. </a:t>
-            </a:r>
-            <a:endParaRPr lang="en-US" dirty="0">
-              <a:solidFill>
-                <a:schemeClr val="tx1"/>
-              </a:solidFill>
-              <a:latin typeface="+mj-lt"/>
-            </a:endParaRPr>
-          </a:p>
           <a:p>
             <a:pPr marL="285750" indent="-285750">
               <a:buFont typeface="Arial" panose="020B0604020202020204" pitchFamily="34" charset="0"/>
@@ -7769,23 +8113,7 @@
                 <a:effectLst/>
                 <a:latin typeface="+mj-lt"/>
               </a:rPr>
-              <a:t>As seen by the close gap seen from the training and validation folds, model doesn’t overfit train set</a:t>
-            </a:r>
-          </a:p>
-          <a:p>
-            <a:pPr marL="285750" indent="-285750">
-              <a:buFont typeface="Arial" panose="020B0604020202020204" pitchFamily="34" charset="0"/>
-              <a:buChar char="•"/>
-            </a:pPr>
-            <a:r>
-              <a:rPr lang="en-US" b="0" dirty="0">
-                <a:solidFill>
-                  <a:schemeClr val="tx1"/>
-                </a:solidFill>
-                <a:effectLst/>
-                <a:latin typeface="+mj-lt"/>
-              </a:rPr>
-              <a:t>The model has low variance, but however, it does not perform as well as Random Forest, with a decent F2 score.</a:t>
+              <a:t>Random Forest classifier works very well with consistent perfect F2 Scores for Train sets, However, test scores indicate that the model might be slightly overfitting. This however, can be addressed via hyperparameter tuning. All in all, RF is generally an optimal model, with low bias</a:t>
             </a:r>
           </a:p>
           <a:p>
@@ -7799,10 +8127,10 @@
       </p:sp>
       <p:pic>
         <p:nvPicPr>
-          <p:cNvPr id="13" name="Picture 12">
+          <p:cNvPr id="8" name="Picture 7">
             <a:extLst>
               <a:ext uri="{FF2B5EF4-FFF2-40B4-BE49-F238E27FC236}">
-                <a16:creationId xmlns:a16="http://schemas.microsoft.com/office/drawing/2014/main" id="{97A71E13-13DE-12C4-D333-E89A0190A67D}"/>
+                <a16:creationId xmlns:a16="http://schemas.microsoft.com/office/drawing/2014/main" id="{901F1847-32C0-E2AE-29E1-2A0EB1492E69}"/>
               </a:ext>
             </a:extLst>
           </p:cNvPr>
@@ -7819,8 +8147,38 @@
         </p:blipFill>
         <p:spPr>
           <a:xfrm>
-            <a:off x="5271716" y="1252931"/>
-            <a:ext cx="3872284" cy="2164951"/>
+            <a:off x="4694945" y="1551487"/>
+            <a:ext cx="4405238" cy="1799827"/>
+          </a:xfrm>
+          <a:prstGeom prst="rect">
+            <a:avLst/>
+          </a:prstGeom>
+        </p:spPr>
+      </p:pic>
+      <p:pic>
+        <p:nvPicPr>
+          <p:cNvPr id="10" name="Picture 9">
+            <a:extLst>
+              <a:ext uri="{FF2B5EF4-FFF2-40B4-BE49-F238E27FC236}">
+                <a16:creationId xmlns:a16="http://schemas.microsoft.com/office/drawing/2014/main" id="{47FA1C3A-72A0-4EA8-03CB-86E082E022FF}"/>
+              </a:ext>
+            </a:extLst>
+          </p:cNvPr>
+          <p:cNvPicPr>
+            <a:picLocks noChangeAspect="1"/>
+          </p:cNvPicPr>
+          <p:nvPr/>
+        </p:nvPicPr>
+        <p:blipFill>
+          <a:blip r:embed="rId6"/>
+          <a:stretch>
+            <a:fillRect/>
+          </a:stretch>
+        </p:blipFill>
+        <p:spPr>
+          <a:xfrm>
+            <a:off x="6897564" y="161604"/>
+            <a:ext cx="1914792" cy="1504308"/>
           </a:xfrm>
           <a:prstGeom prst="rect">
             <a:avLst/>
@@ -7830,7 +8188,7 @@
     </p:spTree>
     <p:extLst>
       <p:ext uri="{BB962C8B-B14F-4D97-AF65-F5344CB8AC3E}">
-        <p14:creationId xmlns:p14="http://schemas.microsoft.com/office/powerpoint/2010/main" val="2059894807"/>
+        <p14:creationId xmlns:p14="http://schemas.microsoft.com/office/powerpoint/2010/main" val="507603403"/>
       </p:ext>
     </p:extLst>
   </p:cSld>
@@ -7893,7 +8251,7 @@
             </a:pPr>
             <a:r>
               <a:rPr lang="en-SG" dirty="0"/>
-              <a:t>Thorough Model Evaluation</a:t>
+              <a:t>Modelling</a:t>
             </a:r>
             <a:endParaRPr dirty="0"/>
           </a:p>
@@ -7911,8 +8269,8 @@
         </p:nvSpPr>
         <p:spPr>
           <a:xfrm>
-            <a:off x="322729" y="905952"/>
-            <a:ext cx="8106656" cy="2490391"/>
+            <a:off x="0" y="3417882"/>
+            <a:ext cx="4528183" cy="1419909"/>
           </a:xfrm>
           <a:prstGeom prst="rect">
             <a:avLst/>
@@ -7924,179 +8282,245 @@
           </a:bodyPr>
           <a:lstStyle/>
           <a:p>
-            <a:pPr algn="l">
-              <a:buFont typeface="Arial" panose="020B0604020202020204" pitchFamily="34" charset="0"/>
-              <a:buChar char="•"/>
-            </a:pPr>
-            <a:r>
-              <a:rPr lang="en-US" sz="1200" b="0" dirty="0">
+            <a:pPr marL="285750" indent="-285750" algn="l">
+              <a:spcAft>
+                <a:spcPts val="1200"/>
+              </a:spcAft>
+              <a:buFont typeface="Arial" panose="020B0604020202020204" pitchFamily="34" charset="0"/>
+              <a:buChar char="•"/>
+            </a:pPr>
+            <a:r>
+              <a:rPr lang="en-SG" sz="1400" dirty="0" err="1"/>
+              <a:t>Dectree</a:t>
+            </a:r>
+            <a:r>
+              <a:rPr lang="en-SG" sz="1400" dirty="0"/>
+              <a:t> has Decent f2 scores, however recall scores are not great</a:t>
+            </a:r>
+          </a:p>
+          <a:p>
+            <a:pPr marL="285750" indent="-285750" algn="l">
+              <a:spcAft>
+                <a:spcPts val="1200"/>
+              </a:spcAft>
+              <a:buFont typeface="Arial" panose="020B0604020202020204" pitchFamily="34" charset="0"/>
+              <a:buChar char="•"/>
+            </a:pPr>
+            <a:r>
+              <a:rPr lang="en-SG" sz="1400" dirty="0"/>
+              <a:t>Seen from curve, decision tree is overfitting, with high variance</a:t>
+            </a:r>
+          </a:p>
+          <a:p>
+            <a:pPr marL="285750" indent="-285750" algn="l">
+              <a:spcAft>
+                <a:spcPts val="1200"/>
+              </a:spcAft>
+              <a:buFont typeface="Arial" panose="020B0604020202020204" pitchFamily="34" charset="0"/>
+              <a:buChar char="•"/>
+            </a:pPr>
+            <a:r>
+              <a:rPr lang="en-SG" sz="1400" dirty="0"/>
+              <a:t>Slightly inferior compared to </a:t>
+            </a:r>
+            <a:r>
+              <a:rPr lang="en-SG" sz="1400" dirty="0" err="1"/>
+              <a:t>RForests</a:t>
+            </a:r>
+            <a:r>
+              <a:rPr lang="en-SG" sz="1400" dirty="0"/>
+              <a:t>.</a:t>
+            </a:r>
+          </a:p>
+        </p:txBody>
+      </p:sp>
+      <p:pic>
+        <p:nvPicPr>
+          <p:cNvPr id="4" name="Picture 3">
+            <a:extLst>
+              <a:ext uri="{FF2B5EF4-FFF2-40B4-BE49-F238E27FC236}">
+                <a16:creationId xmlns:a16="http://schemas.microsoft.com/office/drawing/2014/main" id="{44DB39CC-5A78-6915-33B2-C34BFA9D3C40}"/>
+              </a:ext>
+            </a:extLst>
+          </p:cNvPr>
+          <p:cNvPicPr>
+            <a:picLocks noChangeAspect="1"/>
+          </p:cNvPicPr>
+          <p:nvPr/>
+        </p:nvPicPr>
+        <p:blipFill>
+          <a:blip r:embed="rId3"/>
+          <a:stretch>
+            <a:fillRect/>
+          </a:stretch>
+        </p:blipFill>
+        <p:spPr>
+          <a:xfrm>
+            <a:off x="166762" y="791159"/>
+            <a:ext cx="3482887" cy="2350775"/>
+          </a:xfrm>
+          <a:prstGeom prst="rect">
+            <a:avLst/>
+          </a:prstGeom>
+        </p:spPr>
+      </p:pic>
+      <p:pic>
+        <p:nvPicPr>
+          <p:cNvPr id="9" name="Picture 8">
+            <a:extLst>
+              <a:ext uri="{FF2B5EF4-FFF2-40B4-BE49-F238E27FC236}">
+                <a16:creationId xmlns:a16="http://schemas.microsoft.com/office/drawing/2014/main" id="{F47D6835-87D3-8854-0D67-800FBFF40BB3}"/>
+              </a:ext>
+            </a:extLst>
+          </p:cNvPr>
+          <p:cNvPicPr>
+            <a:picLocks noChangeAspect="1"/>
+          </p:cNvPicPr>
+          <p:nvPr/>
+        </p:nvPicPr>
+        <p:blipFill>
+          <a:blip r:embed="rId4"/>
+          <a:stretch>
+            <a:fillRect/>
+          </a:stretch>
+        </p:blipFill>
+        <p:spPr>
+          <a:xfrm>
+            <a:off x="3649650" y="791159"/>
+            <a:ext cx="1622066" cy="2350775"/>
+          </a:xfrm>
+          <a:prstGeom prst="rect">
+            <a:avLst/>
+          </a:prstGeom>
+        </p:spPr>
+      </p:pic>
+      <p:sp>
+        <p:nvSpPr>
+          <p:cNvPr id="11" name="TextBox 10">
+            <a:extLst>
+              <a:ext uri="{FF2B5EF4-FFF2-40B4-BE49-F238E27FC236}">
+                <a16:creationId xmlns:a16="http://schemas.microsoft.com/office/drawing/2014/main" id="{ACC657B3-28D6-1B0F-5886-A3DEDCE8FE9F}"/>
+              </a:ext>
+            </a:extLst>
+          </p:cNvPr>
+          <p:cNvSpPr txBox="1"/>
+          <p:nvPr/>
+        </p:nvSpPr>
+        <p:spPr>
+          <a:xfrm>
+            <a:off x="4802587" y="3417882"/>
+            <a:ext cx="4456673" cy="1600438"/>
+          </a:xfrm>
+          <a:prstGeom prst="rect">
+            <a:avLst/>
+          </a:prstGeom>
+          <a:noFill/>
+        </p:spPr>
+        <p:txBody>
+          <a:bodyPr wrap="square" rtlCol="0">
+            <a:spAutoFit/>
+          </a:bodyPr>
+          <a:lstStyle/>
+          <a:p>
+            <a:pPr marL="285750" indent="-285750">
+              <a:buFont typeface="Arial" panose="020B0604020202020204" pitchFamily="34" charset="0"/>
+              <a:buChar char="•"/>
+            </a:pPr>
+            <a:r>
+              <a:rPr lang="en-SG" dirty="0"/>
+              <a:t>GBC performs pretty well</a:t>
+            </a:r>
+            <a:r>
+              <a:rPr lang="en-SG" dirty="0">
+                <a:solidFill>
+                  <a:schemeClr val="tx1"/>
+                </a:solidFill>
+                <a:latin typeface="+mj-lt"/>
+              </a:rPr>
+              <a:t>. </a:t>
+            </a:r>
+            <a:endParaRPr lang="en-US" dirty="0">
+              <a:solidFill>
+                <a:schemeClr val="tx1"/>
+              </a:solidFill>
+              <a:latin typeface="+mj-lt"/>
+            </a:endParaRPr>
+          </a:p>
+          <a:p>
+            <a:pPr marL="285750" indent="-285750">
+              <a:buFont typeface="Arial" panose="020B0604020202020204" pitchFamily="34" charset="0"/>
+              <a:buChar char="•"/>
+            </a:pPr>
+            <a:r>
+              <a:rPr lang="en-US" b="0" dirty="0">
                 <a:solidFill>
                   <a:schemeClr val="tx1"/>
                 </a:solidFill>
                 <a:effectLst/>
-                <a:latin typeface="Montserrat" panose="00000500000000000000" pitchFamily="2" charset="0"/>
+                <a:latin typeface="+mj-lt"/>
               </a:rPr>
-              <a:t>Gradient boosting performs well with low variance and moderate bias, but it has an unimpressive metric f2 score through cross validation</a:t>
-            </a:r>
-          </a:p>
-          <a:p>
-            <a:pPr algn="l">
-              <a:buFont typeface="Arial" panose="020B0604020202020204" pitchFamily="34" charset="0"/>
-              <a:buChar char="•"/>
-            </a:pPr>
-            <a:r>
-              <a:rPr lang="en-US" sz="1200" b="0" dirty="0">
+              <a:t>As seen by the close gap seen from the training and validation folds, model doesn’t overfit train set</a:t>
+            </a:r>
+          </a:p>
+          <a:p>
+            <a:pPr marL="285750" indent="-285750">
+              <a:buFont typeface="Arial" panose="020B0604020202020204" pitchFamily="34" charset="0"/>
+              <a:buChar char="•"/>
+            </a:pPr>
+            <a:r>
+              <a:rPr lang="en-US" b="0" dirty="0">
                 <a:solidFill>
                   <a:schemeClr val="tx1"/>
                 </a:solidFill>
                 <a:effectLst/>
-                <a:latin typeface="Montserrat" panose="00000500000000000000" pitchFamily="2" charset="0"/>
+                <a:latin typeface="+mj-lt"/>
               </a:rPr>
-              <a:t>(Distanced based models) - </a:t>
-            </a:r>
-            <a:r>
-              <a:rPr lang="en-US" sz="1200" b="0" dirty="0" err="1">
-                <a:solidFill>
-                  <a:schemeClr val="tx1"/>
-                </a:solidFill>
-                <a:effectLst/>
-                <a:latin typeface="Montserrat" panose="00000500000000000000" pitchFamily="2" charset="0"/>
-              </a:rPr>
-              <a:t>KNeighborsClassifier</a:t>
-            </a:r>
-            <a:r>
-              <a:rPr lang="en-US" sz="1200" b="0" dirty="0">
-                <a:solidFill>
-                  <a:schemeClr val="tx1"/>
-                </a:solidFill>
-                <a:effectLst/>
-                <a:latin typeface="Montserrat" panose="00000500000000000000" pitchFamily="2" charset="0"/>
-              </a:rPr>
-              <a:t> has a bad F2 score as compared to the ensembles, and is underfitting. </a:t>
-            </a:r>
-          </a:p>
-          <a:p>
-            <a:pPr algn="l">
-              <a:buFont typeface="Arial" panose="020B0604020202020204" pitchFamily="34" charset="0"/>
-              <a:buChar char="•"/>
-            </a:pPr>
-            <a:r>
-              <a:rPr lang="en-US" sz="1200" b="0" dirty="0">
-                <a:solidFill>
-                  <a:schemeClr val="tx1"/>
-                </a:solidFill>
-                <a:effectLst/>
-                <a:latin typeface="Montserrat" panose="00000500000000000000" pitchFamily="2" charset="0"/>
-              </a:rPr>
-              <a:t>Tree based model (DC) performs quite well. However, decision tree still lacks in terms of F2 score, and slightly overfits more than other ensembles.</a:t>
-            </a:r>
-          </a:p>
-          <a:p>
-            <a:pPr algn="l">
-              <a:buFont typeface="Arial" panose="020B0604020202020204" pitchFamily="34" charset="0"/>
-              <a:buChar char="•"/>
-            </a:pPr>
-            <a:r>
-              <a:rPr lang="en-US" sz="1200" dirty="0">
-                <a:solidFill>
-                  <a:schemeClr val="tx1"/>
-                </a:solidFill>
-                <a:latin typeface="Montserrat" panose="00000500000000000000" pitchFamily="2" charset="0"/>
-              </a:rPr>
-              <a:t>Ensembles like Random Forests seems to be the best model, however slightly overfitting.</a:t>
-            </a:r>
-            <a:endParaRPr lang="en-US" sz="1200" b="0" dirty="0">
-              <a:solidFill>
-                <a:schemeClr val="tx1"/>
-              </a:solidFill>
-              <a:effectLst/>
-              <a:latin typeface="Montserrat" panose="00000500000000000000" pitchFamily="2" charset="0"/>
-            </a:endParaRPr>
-          </a:p>
-          <a:p>
-            <a:pPr algn="l">
-              <a:buFont typeface="Arial" panose="020B0604020202020204" pitchFamily="34" charset="0"/>
-              <a:buChar char="•"/>
-            </a:pPr>
-            <a:r>
-              <a:rPr lang="en-US" sz="1200" b="0" dirty="0">
-                <a:solidFill>
-                  <a:schemeClr val="tx1"/>
-                </a:solidFill>
-                <a:effectLst/>
-                <a:latin typeface="Montserrat" panose="00000500000000000000" pitchFamily="2" charset="0"/>
-              </a:rPr>
-              <a:t>Moreover, random forest posses a very high recall score and generally the highest F2 scores through cross validation, which is important in our scenario.</a:t>
-            </a:r>
-          </a:p>
-          <a:p>
-            <a:pPr algn="l">
-              <a:buFont typeface="Arial" panose="020B0604020202020204" pitchFamily="34" charset="0"/>
-              <a:buChar char="•"/>
-            </a:pPr>
-            <a:r>
-              <a:rPr lang="en-US" sz="1200" b="0" dirty="0">
-                <a:solidFill>
-                  <a:schemeClr val="tx1"/>
-                </a:solidFill>
-                <a:effectLst/>
-                <a:latin typeface="Montserrat" panose="00000500000000000000" pitchFamily="2" charset="0"/>
-              </a:rPr>
-              <a:t>Given this, it is pretty evident that random forest is the best choice. </a:t>
-            </a:r>
-          </a:p>
-          <a:p>
-            <a:pPr algn="l">
-              <a:buFont typeface="Arial" panose="020B0604020202020204" pitchFamily="34" charset="0"/>
-              <a:buChar char="•"/>
-            </a:pPr>
-            <a:r>
-              <a:rPr lang="en-US" sz="1200" b="0" dirty="0">
-                <a:solidFill>
-                  <a:schemeClr val="tx1"/>
-                </a:solidFill>
-                <a:effectLst/>
-                <a:latin typeface="Montserrat" panose="00000500000000000000" pitchFamily="2" charset="0"/>
-              </a:rPr>
-              <a:t>Along with its feature </a:t>
-            </a:r>
-            <a:r>
-              <a:rPr lang="en-US" sz="1200" b="0" dirty="0" err="1">
-                <a:solidFill>
-                  <a:schemeClr val="tx1"/>
-                </a:solidFill>
-                <a:effectLst/>
-                <a:latin typeface="Montserrat" panose="00000500000000000000" pitchFamily="2" charset="0"/>
-              </a:rPr>
-              <a:t>importances</a:t>
-            </a:r>
-            <a:r>
-              <a:rPr lang="en-US" sz="1200" b="0" dirty="0">
-                <a:solidFill>
-                  <a:schemeClr val="tx1"/>
-                </a:solidFill>
-                <a:effectLst/>
-                <a:latin typeface="Montserrat" panose="00000500000000000000" pitchFamily="2" charset="0"/>
-              </a:rPr>
-              <a:t> available, we can really understand how features relate to target variable.</a:t>
-            </a:r>
-          </a:p>
-          <a:p>
-            <a:pPr marL="285750" indent="-285750" algn="l">
-              <a:spcAft>
-                <a:spcPts val="1200"/>
-              </a:spcAft>
-              <a:buFont typeface="Arial" panose="020B0604020202020204" pitchFamily="34" charset="0"/>
-              <a:buChar char="•"/>
-            </a:pPr>
-            <a:endParaRPr lang="en-SG" sz="1400" dirty="0"/>
+              <a:t>The model has low variance, but however, it does not perform as well as Random Forest, with a decent F2 score.</a:t>
+            </a:r>
+          </a:p>
+          <a:p>
+            <a:pPr marL="285750" indent="-285750">
+              <a:buFont typeface="Arial" panose="020B0604020202020204" pitchFamily="34" charset="0"/>
+              <a:buChar char="•"/>
+            </a:pPr>
+            <a:endParaRPr lang="en-SG" dirty="0"/>
           </a:p>
         </p:txBody>
       </p:sp>
+      <p:pic>
+        <p:nvPicPr>
+          <p:cNvPr id="13" name="Picture 12">
+            <a:extLst>
+              <a:ext uri="{FF2B5EF4-FFF2-40B4-BE49-F238E27FC236}">
+                <a16:creationId xmlns:a16="http://schemas.microsoft.com/office/drawing/2014/main" id="{97A71E13-13DE-12C4-D333-E89A0190A67D}"/>
+              </a:ext>
+            </a:extLst>
+          </p:cNvPr>
+          <p:cNvPicPr>
+            <a:picLocks noChangeAspect="1"/>
+          </p:cNvPicPr>
+          <p:nvPr/>
+        </p:nvPicPr>
+        <p:blipFill>
+          <a:blip r:embed="rId5"/>
+          <a:stretch>
+            <a:fillRect/>
+          </a:stretch>
+        </p:blipFill>
+        <p:spPr>
+          <a:xfrm>
+            <a:off x="5271716" y="1252931"/>
+            <a:ext cx="3872284" cy="2164951"/>
+          </a:xfrm>
+          <a:prstGeom prst="rect">
+            <a:avLst/>
+          </a:prstGeom>
+        </p:spPr>
+      </p:pic>
     </p:spTree>
     <p:extLst>
       <p:ext uri="{BB962C8B-B14F-4D97-AF65-F5344CB8AC3E}">
-        <p14:creationId xmlns:p14="http://schemas.microsoft.com/office/powerpoint/2010/main" val="2540096696"/>
+        <p14:creationId xmlns:p14="http://schemas.microsoft.com/office/powerpoint/2010/main" val="2059894807"/>
       </p:ext>
     </p:extLst>
   </p:cSld>
@@ -8135,8 +8559,8 @@
         </p:nvSpPr>
         <p:spPr>
           <a:xfrm>
-            <a:off x="4763578" y="508398"/>
-            <a:ext cx="3921555" cy="432833"/>
+            <a:off x="166762" y="350938"/>
+            <a:ext cx="8977238" cy="432833"/>
           </a:xfrm>
           <a:prstGeom prst="rect">
             <a:avLst/>
@@ -8159,14 +8583,7 @@
             </a:pPr>
             <a:r>
               <a:rPr lang="en-SG" dirty="0"/>
-              <a:t>Model Improvement </a:t>
-            </a:r>
-            <a:br>
-              <a:rPr lang="en-SG" dirty="0"/>
-            </a:br>
-            <a:r>
-              <a:rPr lang="en-SG" dirty="0"/>
-              <a:t>(Feature Scaling)</a:t>
+              <a:t>Thorough Model Evaluation</a:t>
             </a:r>
             <a:endParaRPr dirty="0"/>
           </a:p>
@@ -8184,8 +8601,8 @@
         </p:nvSpPr>
         <p:spPr>
           <a:xfrm>
-            <a:off x="166762" y="676193"/>
-            <a:ext cx="4528183" cy="2835409"/>
+            <a:off x="322729" y="905952"/>
+            <a:ext cx="8106656" cy="2490391"/>
           </a:xfrm>
           <a:prstGeom prst="rect">
             <a:avLst/>
@@ -8197,62 +8614,165 @@
           </a:bodyPr>
           <a:lstStyle/>
           <a:p>
-            <a:pPr marL="285750" lvl="0" indent="-285750" algn="l" rtl="0">
-              <a:spcBef>
-                <a:spcPts val="0"/>
-              </a:spcBef>
-              <a:spcAft>
-                <a:spcPts val="1200"/>
-              </a:spcAft>
-              <a:buFont typeface="Arial" panose="020B0604020202020204" pitchFamily="34" charset="0"/>
-              <a:buChar char="•"/>
-            </a:pPr>
-            <a:endParaRPr lang="en-US" sz="1400" dirty="0"/>
-          </a:p>
-          <a:p>
-            <a:pPr marL="285750" lvl="0" indent="-285750" algn="l" rtl="0">
-              <a:spcBef>
-                <a:spcPts val="0"/>
-              </a:spcBef>
-              <a:spcAft>
-                <a:spcPts val="1200"/>
-              </a:spcAft>
-              <a:buFont typeface="Arial" panose="020B0604020202020204" pitchFamily="34" charset="0"/>
-              <a:buChar char="•"/>
-            </a:pPr>
-            <a:endParaRPr lang="en-US" sz="1400" dirty="0"/>
-          </a:p>
-          <a:p>
-            <a:pPr marL="285750" lvl="0" indent="-285750" algn="l" rtl="0">
-              <a:spcBef>
-                <a:spcPts val="0"/>
-              </a:spcBef>
-              <a:spcAft>
-                <a:spcPts val="1200"/>
-              </a:spcAft>
-              <a:buFont typeface="Arial" panose="020B0604020202020204" pitchFamily="34" charset="0"/>
-              <a:buChar char="•"/>
-            </a:pPr>
-            <a:endParaRPr lang="en-US" sz="1400" dirty="0"/>
-          </a:p>
-          <a:p>
-            <a:pPr marL="285750" lvl="0" indent="-285750" algn="l" rtl="0">
-              <a:spcBef>
-                <a:spcPts val="0"/>
-              </a:spcBef>
-              <a:spcAft>
-                <a:spcPts val="1200"/>
-              </a:spcAft>
-              <a:buFont typeface="Arial" panose="020B0604020202020204" pitchFamily="34" charset="0"/>
-              <a:buChar char="•"/>
-            </a:pPr>
-            <a:endParaRPr lang="en-US" sz="1400" dirty="0"/>
-          </a:p>
-          <a:p>
-            <a:pPr marL="285750" lvl="0" indent="-285750" algn="l" rtl="0">
-              <a:spcBef>
-                <a:spcPts val="0"/>
-              </a:spcBef>
+            <a:pPr algn="l">
+              <a:buFont typeface="Arial" panose="020B0604020202020204" pitchFamily="34" charset="0"/>
+              <a:buChar char="•"/>
+            </a:pPr>
+            <a:r>
+              <a:rPr lang="en-US" sz="1200" b="0" dirty="0">
+                <a:solidFill>
+                  <a:schemeClr val="tx1"/>
+                </a:solidFill>
+                <a:effectLst/>
+                <a:latin typeface="Montserrat" panose="00000500000000000000" pitchFamily="2" charset="0"/>
+              </a:rPr>
+              <a:t>Gradient boosting performs well with low variance and moderate bias, but it has an unimpressive metric f2 score through cross validation</a:t>
+            </a:r>
+          </a:p>
+          <a:p>
+            <a:pPr algn="l">
+              <a:buFont typeface="Arial" panose="020B0604020202020204" pitchFamily="34" charset="0"/>
+              <a:buChar char="•"/>
+            </a:pPr>
+            <a:r>
+              <a:rPr lang="en-US" sz="1200" b="0" dirty="0">
+                <a:solidFill>
+                  <a:schemeClr val="tx1"/>
+                </a:solidFill>
+                <a:effectLst/>
+                <a:latin typeface="Montserrat" panose="00000500000000000000" pitchFamily="2" charset="0"/>
+              </a:rPr>
+              <a:t>(Distanced based models) - </a:t>
+            </a:r>
+            <a:r>
+              <a:rPr lang="en-US" sz="1200" b="0" dirty="0" err="1">
+                <a:solidFill>
+                  <a:schemeClr val="tx1"/>
+                </a:solidFill>
+                <a:effectLst/>
+                <a:latin typeface="Montserrat" panose="00000500000000000000" pitchFamily="2" charset="0"/>
+              </a:rPr>
+              <a:t>KNeighborsClassifier</a:t>
+            </a:r>
+            <a:r>
+              <a:rPr lang="en-US" sz="1200" b="0" dirty="0">
+                <a:solidFill>
+                  <a:schemeClr val="tx1"/>
+                </a:solidFill>
+                <a:effectLst/>
+                <a:latin typeface="Montserrat" panose="00000500000000000000" pitchFamily="2" charset="0"/>
+              </a:rPr>
+              <a:t> has a bad F2 score as compared to the ensembles, and is underfitting. </a:t>
+            </a:r>
+          </a:p>
+          <a:p>
+            <a:pPr algn="l">
+              <a:buFont typeface="Arial" panose="020B0604020202020204" pitchFamily="34" charset="0"/>
+              <a:buChar char="•"/>
+            </a:pPr>
+            <a:r>
+              <a:rPr lang="en-US" sz="1200" b="0" dirty="0">
+                <a:solidFill>
+                  <a:schemeClr val="tx1"/>
+                </a:solidFill>
+                <a:effectLst/>
+                <a:latin typeface="Montserrat" panose="00000500000000000000" pitchFamily="2" charset="0"/>
+              </a:rPr>
+              <a:t>Tree based model (DC) performs quite well. However, decision tree still lacks in terms of F2 score, and slightly overfits more than other ensembles.</a:t>
+            </a:r>
+          </a:p>
+          <a:p>
+            <a:pPr algn="l">
+              <a:buFont typeface="Arial" panose="020B0604020202020204" pitchFamily="34" charset="0"/>
+              <a:buChar char="•"/>
+            </a:pPr>
+            <a:r>
+              <a:rPr lang="en-US" sz="1200" dirty="0">
+                <a:solidFill>
+                  <a:schemeClr val="tx1"/>
+                </a:solidFill>
+                <a:latin typeface="Montserrat" panose="00000500000000000000" pitchFamily="2" charset="0"/>
+              </a:rPr>
+              <a:t>Ensembles like Random Forests seems to be the best model, however slightly overfitting.</a:t>
+            </a:r>
+            <a:endParaRPr lang="en-US" sz="1200" b="0" dirty="0">
+              <a:solidFill>
+                <a:schemeClr val="tx1"/>
+              </a:solidFill>
+              <a:effectLst/>
+              <a:latin typeface="Montserrat" panose="00000500000000000000" pitchFamily="2" charset="0"/>
+            </a:endParaRPr>
+          </a:p>
+          <a:p>
+            <a:pPr algn="l">
+              <a:buFont typeface="Arial" panose="020B0604020202020204" pitchFamily="34" charset="0"/>
+              <a:buChar char="•"/>
+            </a:pPr>
+            <a:r>
+              <a:rPr lang="en-US" sz="1200" b="0" dirty="0">
+                <a:solidFill>
+                  <a:schemeClr val="tx1"/>
+                </a:solidFill>
+                <a:effectLst/>
+                <a:latin typeface="Montserrat" panose="00000500000000000000" pitchFamily="2" charset="0"/>
+              </a:rPr>
+              <a:t>Moreover, random forest posses a very high recall score and generally the highest F2 scores through cross validation, which is important in our scenario.</a:t>
+            </a:r>
+          </a:p>
+          <a:p>
+            <a:pPr algn="l">
+              <a:buFont typeface="Arial" panose="020B0604020202020204" pitchFamily="34" charset="0"/>
+              <a:buChar char="•"/>
+            </a:pPr>
+            <a:r>
+              <a:rPr lang="en-US" sz="1200" b="0" dirty="0">
+                <a:solidFill>
+                  <a:schemeClr val="tx1"/>
+                </a:solidFill>
+                <a:effectLst/>
+                <a:latin typeface="Montserrat" panose="00000500000000000000" pitchFamily="2" charset="0"/>
+              </a:rPr>
+              <a:t>Given this, it is pretty evident that random forest is the best choice. </a:t>
+            </a:r>
+          </a:p>
+          <a:p>
+            <a:pPr algn="l">
+              <a:buFont typeface="Arial" panose="020B0604020202020204" pitchFamily="34" charset="0"/>
+              <a:buChar char="•"/>
+            </a:pPr>
+            <a:r>
+              <a:rPr lang="en-US" sz="1200" b="0" dirty="0">
+                <a:solidFill>
+                  <a:schemeClr val="tx1"/>
+                </a:solidFill>
+                <a:effectLst/>
+                <a:latin typeface="Montserrat" panose="00000500000000000000" pitchFamily="2" charset="0"/>
+              </a:rPr>
+              <a:t>Along with its feature </a:t>
+            </a:r>
+            <a:r>
+              <a:rPr lang="en-US" sz="1200" b="0" dirty="0" err="1">
+                <a:solidFill>
+                  <a:schemeClr val="tx1"/>
+                </a:solidFill>
+                <a:effectLst/>
+                <a:latin typeface="Montserrat" panose="00000500000000000000" pitchFamily="2" charset="0"/>
+              </a:rPr>
+              <a:t>importances</a:t>
+            </a:r>
+            <a:r>
+              <a:rPr lang="en-US" sz="1200" b="0" dirty="0">
+                <a:solidFill>
+                  <a:schemeClr val="tx1"/>
+                </a:solidFill>
+                <a:effectLst/>
+                <a:latin typeface="Montserrat" panose="00000500000000000000" pitchFamily="2" charset="0"/>
+              </a:rPr>
+              <a:t> available, we can really understand how features relate to target variable.</a:t>
+            </a:r>
+          </a:p>
+          <a:p>
+            <a:pPr marL="285750" indent="-285750" algn="l">
               <a:spcAft>
                 <a:spcPts val="1200"/>
               </a:spcAft>
@@ -8263,520 +8783,10 @@
           </a:p>
         </p:txBody>
       </p:sp>
-      <p:pic>
-        <p:nvPicPr>
-          <p:cNvPr id="3" name="Picture 2">
-            <a:extLst>
-              <a:ext uri="{FF2B5EF4-FFF2-40B4-BE49-F238E27FC236}">
-                <a16:creationId xmlns:a16="http://schemas.microsoft.com/office/drawing/2014/main" id="{5C616E5A-5889-5C23-6FA9-2FF765190405}"/>
-              </a:ext>
-            </a:extLst>
-          </p:cNvPr>
-          <p:cNvPicPr>
-            <a:picLocks noChangeAspect="1"/>
-          </p:cNvPicPr>
-          <p:nvPr/>
-        </p:nvPicPr>
-        <p:blipFill>
-          <a:blip r:embed="rId3"/>
-          <a:stretch>
-            <a:fillRect/>
-          </a:stretch>
-        </p:blipFill>
-        <p:spPr>
-          <a:xfrm>
-            <a:off x="4694945" y="1424233"/>
-            <a:ext cx="4449055" cy="2691797"/>
-          </a:xfrm>
-          <a:prstGeom prst="rect">
-            <a:avLst/>
-          </a:prstGeom>
-        </p:spPr>
-      </p:pic>
-      <p:sp>
-        <p:nvSpPr>
-          <p:cNvPr id="4" name="TextBox 3">
-            <a:extLst>
-              <a:ext uri="{FF2B5EF4-FFF2-40B4-BE49-F238E27FC236}">
-                <a16:creationId xmlns:a16="http://schemas.microsoft.com/office/drawing/2014/main" id="{4EE804A1-27C7-4B4C-2478-6CB6EB96E05E}"/>
-              </a:ext>
-            </a:extLst>
-          </p:cNvPr>
-          <p:cNvSpPr txBox="1"/>
-          <p:nvPr/>
-        </p:nvSpPr>
-        <p:spPr>
-          <a:xfrm>
-            <a:off x="4861706" y="4076784"/>
-            <a:ext cx="4282294" cy="738664"/>
-          </a:xfrm>
-          <a:prstGeom prst="rect">
-            <a:avLst/>
-          </a:prstGeom>
-          <a:noFill/>
-        </p:spPr>
-        <p:txBody>
-          <a:bodyPr wrap="square" rtlCol="0">
-            <a:spAutoFit/>
-          </a:bodyPr>
-          <a:lstStyle/>
-          <a:p>
-            <a:pPr marL="285750" indent="-285750">
-              <a:buFont typeface="Arial" panose="020B0604020202020204" pitchFamily="34" charset="0"/>
-              <a:buChar char="•"/>
-            </a:pPr>
-            <a:r>
-              <a:rPr lang="en-US" dirty="0"/>
-              <a:t>Through thorough evaluation of some feature scaling methods, </a:t>
-            </a:r>
-            <a:r>
-              <a:rPr lang="en-US" dirty="0" err="1"/>
-              <a:t>StandardScaler</a:t>
-            </a:r>
-            <a:r>
-              <a:rPr lang="en-US" dirty="0"/>
-              <a:t> is the best for the model, with the highest F2 scores.</a:t>
-            </a:r>
-            <a:endParaRPr lang="en-SG" dirty="0"/>
-          </a:p>
-        </p:txBody>
-      </p:sp>
-      <p:sp>
-        <p:nvSpPr>
-          <p:cNvPr id="5" name="TextBox 4">
-            <a:extLst>
-              <a:ext uri="{FF2B5EF4-FFF2-40B4-BE49-F238E27FC236}">
-                <a16:creationId xmlns:a16="http://schemas.microsoft.com/office/drawing/2014/main" id="{394E5612-DE81-D858-F200-EC54820CD5A4}"/>
-              </a:ext>
-            </a:extLst>
-          </p:cNvPr>
-          <p:cNvSpPr txBox="1"/>
-          <p:nvPr/>
-        </p:nvSpPr>
-        <p:spPr>
-          <a:xfrm>
-            <a:off x="0" y="2149607"/>
-            <a:ext cx="4326110" cy="3139321"/>
-          </a:xfrm>
-          <a:prstGeom prst="rect">
-            <a:avLst/>
-          </a:prstGeom>
-          <a:noFill/>
-        </p:spPr>
-        <p:txBody>
-          <a:bodyPr wrap="square" rtlCol="0">
-            <a:spAutoFit/>
-          </a:bodyPr>
-          <a:lstStyle/>
-          <a:p>
-            <a:pPr marL="285750" lvl="0" indent="-285750" algn="l" rtl="0">
-              <a:spcBef>
-                <a:spcPts val="0"/>
-              </a:spcBef>
-              <a:spcAft>
-                <a:spcPts val="1200"/>
-              </a:spcAft>
-              <a:buFont typeface="Arial" panose="020B0604020202020204" pitchFamily="34" charset="0"/>
-              <a:buChar char="•"/>
-            </a:pPr>
-            <a:r>
-              <a:rPr lang="en-US" sz="1400" dirty="0"/>
-              <a:t>Use of </a:t>
-            </a:r>
-            <a:r>
-              <a:rPr lang="en-US" sz="1400" b="1" dirty="0" err="1"/>
-              <a:t>SelectKBest</a:t>
-            </a:r>
-            <a:r>
-              <a:rPr lang="en-US" sz="1400" b="1" dirty="0"/>
-              <a:t> (a filter based feature selection) </a:t>
-            </a:r>
-            <a:r>
-              <a:rPr lang="en-US" sz="1400" dirty="0"/>
-              <a:t>to perform feature selection to remove less important predictors from the data to prevent the model from overfitting to noise from less relevant features. With this in mind, it can also ease the problem of multicollinearity as well. (use with </a:t>
-            </a:r>
-            <a:r>
-              <a:rPr lang="en-US" sz="1400" dirty="0" err="1"/>
-              <a:t>f_classif</a:t>
-            </a:r>
-            <a:r>
-              <a:rPr lang="en-US" sz="1400" dirty="0"/>
-              <a:t>)</a:t>
-            </a:r>
-          </a:p>
-          <a:p>
-            <a:pPr marL="285750" lvl="0" indent="-285750" algn="l" rtl="0">
-              <a:spcBef>
-                <a:spcPts val="0"/>
-              </a:spcBef>
-              <a:spcAft>
-                <a:spcPts val="1200"/>
-              </a:spcAft>
-              <a:buFont typeface="Arial" panose="020B0604020202020204" pitchFamily="34" charset="0"/>
-              <a:buChar char="•"/>
-            </a:pPr>
-            <a:r>
-              <a:rPr lang="en-US" sz="1400" dirty="0"/>
-              <a:t>K=8, effectively removing </a:t>
-            </a:r>
-            <a:r>
-              <a:rPr lang="en-US" sz="1400" b="1" dirty="0"/>
-              <a:t>Process T (C) </a:t>
-            </a:r>
-          </a:p>
-          <a:p>
-            <a:pPr marL="285750" lvl="0" indent="-285750" algn="l" rtl="0">
-              <a:spcBef>
-                <a:spcPts val="0"/>
-              </a:spcBef>
-              <a:spcAft>
-                <a:spcPts val="1200"/>
-              </a:spcAft>
-              <a:buFont typeface="Arial" panose="020B0604020202020204" pitchFamily="34" charset="0"/>
-              <a:buChar char="•"/>
-            </a:pPr>
-            <a:r>
-              <a:rPr lang="en-US" sz="1400" dirty="0"/>
-              <a:t>We cannot remove anymore given the small number of features in the dataset. Reducing further will lead to underfitting.</a:t>
-            </a:r>
-          </a:p>
-          <a:p>
-            <a:pPr marL="285750" indent="-285750">
-              <a:buFont typeface="Arial" panose="020B0604020202020204" pitchFamily="34" charset="0"/>
-              <a:buChar char="•"/>
-            </a:pPr>
-            <a:endParaRPr lang="en-SG" dirty="0"/>
-          </a:p>
-        </p:txBody>
-      </p:sp>
-      <p:sp>
-        <p:nvSpPr>
-          <p:cNvPr id="8" name="Google Shape;290;p43">
-            <a:extLst>
-              <a:ext uri="{FF2B5EF4-FFF2-40B4-BE49-F238E27FC236}">
-                <a16:creationId xmlns:a16="http://schemas.microsoft.com/office/drawing/2014/main" id="{FA9E7E9E-A336-0496-1FD8-DC746331AAAE}"/>
-              </a:ext>
-            </a:extLst>
-          </p:cNvPr>
-          <p:cNvSpPr txBox="1">
-            <a:spLocks/>
-          </p:cNvSpPr>
-          <p:nvPr/>
-        </p:nvSpPr>
-        <p:spPr>
-          <a:xfrm>
-            <a:off x="98129" y="459776"/>
-            <a:ext cx="3845718" cy="432833"/>
-          </a:xfrm>
-          <a:prstGeom prst="rect">
-            <a:avLst/>
-          </a:prstGeom>
-          <a:noFill/>
-          <a:ln>
-            <a:noFill/>
-          </a:ln>
-        </p:spPr>
-        <p:txBody>
-          <a:bodyPr spcFirstLastPara="1" wrap="square" lIns="91425" tIns="91425" rIns="91425" bIns="91425" anchor="ctr" anchorCtr="0">
-            <a:noAutofit/>
-          </a:bodyPr>
-          <a:lstStyle>
-            <a:defPPr marR="0" lvl="0" algn="l" rtl="0">
-              <a:lnSpc>
-                <a:spcPct val="100000"/>
-              </a:lnSpc>
-              <a:spcBef>
-                <a:spcPts val="0"/>
-              </a:spcBef>
-              <a:spcAft>
-                <a:spcPts val="0"/>
-              </a:spcAft>
-            </a:defPPr>
-            <a:lvl1pPr marR="0" lvl="0" algn="ctr" rtl="0">
-              <a:lnSpc>
-                <a:spcPct val="100000"/>
-              </a:lnSpc>
-              <a:spcBef>
-                <a:spcPts val="0"/>
-              </a:spcBef>
-              <a:spcAft>
-                <a:spcPts val="0"/>
-              </a:spcAft>
-              <a:buClr>
-                <a:schemeClr val="dk1"/>
-              </a:buClr>
-              <a:buSzPts val="4800"/>
-              <a:buFont typeface="Vidaloka"/>
-              <a:buNone/>
-              <a:defRPr sz="3000" b="0" i="0" u="none" strike="noStrike" cap="none">
-                <a:solidFill>
-                  <a:schemeClr val="dk1"/>
-                </a:solidFill>
-                <a:latin typeface="Vidaloka"/>
-                <a:ea typeface="Vidaloka"/>
-                <a:cs typeface="Vidaloka"/>
-                <a:sym typeface="Vidaloka"/>
-              </a:defRPr>
-            </a:lvl1pPr>
-            <a:lvl2pPr marR="0" lvl="1" algn="ctr" rtl="0">
-              <a:lnSpc>
-                <a:spcPct val="100000"/>
-              </a:lnSpc>
-              <a:spcBef>
-                <a:spcPts val="0"/>
-              </a:spcBef>
-              <a:spcAft>
-                <a:spcPts val="0"/>
-              </a:spcAft>
-              <a:buClr>
-                <a:schemeClr val="dk1"/>
-              </a:buClr>
-              <a:buSzPts val="4800"/>
-              <a:buFont typeface="Crimson Text"/>
-              <a:buNone/>
-              <a:defRPr sz="4800" b="0" i="1" u="none" strike="noStrike" cap="none">
-                <a:solidFill>
-                  <a:schemeClr val="dk1"/>
-                </a:solidFill>
-                <a:latin typeface="Crimson Text"/>
-                <a:ea typeface="Crimson Text"/>
-                <a:cs typeface="Crimson Text"/>
-                <a:sym typeface="Crimson Text"/>
-              </a:defRPr>
-            </a:lvl2pPr>
-            <a:lvl3pPr marR="0" lvl="2" algn="ctr" rtl="0">
-              <a:lnSpc>
-                <a:spcPct val="100000"/>
-              </a:lnSpc>
-              <a:spcBef>
-                <a:spcPts val="0"/>
-              </a:spcBef>
-              <a:spcAft>
-                <a:spcPts val="0"/>
-              </a:spcAft>
-              <a:buClr>
-                <a:schemeClr val="dk1"/>
-              </a:buClr>
-              <a:buSzPts val="4800"/>
-              <a:buFont typeface="Crimson Text"/>
-              <a:buNone/>
-              <a:defRPr sz="4800" b="0" i="1" u="none" strike="noStrike" cap="none">
-                <a:solidFill>
-                  <a:schemeClr val="dk1"/>
-                </a:solidFill>
-                <a:latin typeface="Crimson Text"/>
-                <a:ea typeface="Crimson Text"/>
-                <a:cs typeface="Crimson Text"/>
-                <a:sym typeface="Crimson Text"/>
-              </a:defRPr>
-            </a:lvl3pPr>
-            <a:lvl4pPr marR="0" lvl="3" algn="ctr" rtl="0">
-              <a:lnSpc>
-                <a:spcPct val="100000"/>
-              </a:lnSpc>
-              <a:spcBef>
-                <a:spcPts val="0"/>
-              </a:spcBef>
-              <a:spcAft>
-                <a:spcPts val="0"/>
-              </a:spcAft>
-              <a:buClr>
-                <a:schemeClr val="dk1"/>
-              </a:buClr>
-              <a:buSzPts val="4800"/>
-              <a:buFont typeface="Crimson Text"/>
-              <a:buNone/>
-              <a:defRPr sz="4800" b="0" i="1" u="none" strike="noStrike" cap="none">
-                <a:solidFill>
-                  <a:schemeClr val="dk1"/>
-                </a:solidFill>
-                <a:latin typeface="Crimson Text"/>
-                <a:ea typeface="Crimson Text"/>
-                <a:cs typeface="Crimson Text"/>
-                <a:sym typeface="Crimson Text"/>
-              </a:defRPr>
-            </a:lvl4pPr>
-            <a:lvl5pPr marR="0" lvl="4" algn="ctr" rtl="0">
-              <a:lnSpc>
-                <a:spcPct val="100000"/>
-              </a:lnSpc>
-              <a:spcBef>
-                <a:spcPts val="0"/>
-              </a:spcBef>
-              <a:spcAft>
-                <a:spcPts val="0"/>
-              </a:spcAft>
-              <a:buClr>
-                <a:schemeClr val="dk1"/>
-              </a:buClr>
-              <a:buSzPts val="4800"/>
-              <a:buFont typeface="Crimson Text"/>
-              <a:buNone/>
-              <a:defRPr sz="4800" b="0" i="1" u="none" strike="noStrike" cap="none">
-                <a:solidFill>
-                  <a:schemeClr val="dk1"/>
-                </a:solidFill>
-                <a:latin typeface="Crimson Text"/>
-                <a:ea typeface="Crimson Text"/>
-                <a:cs typeface="Crimson Text"/>
-                <a:sym typeface="Crimson Text"/>
-              </a:defRPr>
-            </a:lvl5pPr>
-            <a:lvl6pPr marR="0" lvl="5" algn="ctr" rtl="0">
-              <a:lnSpc>
-                <a:spcPct val="100000"/>
-              </a:lnSpc>
-              <a:spcBef>
-                <a:spcPts val="0"/>
-              </a:spcBef>
-              <a:spcAft>
-                <a:spcPts val="0"/>
-              </a:spcAft>
-              <a:buClr>
-                <a:schemeClr val="dk1"/>
-              </a:buClr>
-              <a:buSzPts val="4800"/>
-              <a:buFont typeface="Crimson Text"/>
-              <a:buNone/>
-              <a:defRPr sz="4800" b="0" i="1" u="none" strike="noStrike" cap="none">
-                <a:solidFill>
-                  <a:schemeClr val="dk1"/>
-                </a:solidFill>
-                <a:latin typeface="Crimson Text"/>
-                <a:ea typeface="Crimson Text"/>
-                <a:cs typeface="Crimson Text"/>
-                <a:sym typeface="Crimson Text"/>
-              </a:defRPr>
-            </a:lvl6pPr>
-            <a:lvl7pPr marR="0" lvl="6" algn="ctr" rtl="0">
-              <a:lnSpc>
-                <a:spcPct val="100000"/>
-              </a:lnSpc>
-              <a:spcBef>
-                <a:spcPts val="0"/>
-              </a:spcBef>
-              <a:spcAft>
-                <a:spcPts val="0"/>
-              </a:spcAft>
-              <a:buClr>
-                <a:schemeClr val="dk1"/>
-              </a:buClr>
-              <a:buSzPts val="4800"/>
-              <a:buFont typeface="Crimson Text"/>
-              <a:buNone/>
-              <a:defRPr sz="4800" b="0" i="1" u="none" strike="noStrike" cap="none">
-                <a:solidFill>
-                  <a:schemeClr val="dk1"/>
-                </a:solidFill>
-                <a:latin typeface="Crimson Text"/>
-                <a:ea typeface="Crimson Text"/>
-                <a:cs typeface="Crimson Text"/>
-                <a:sym typeface="Crimson Text"/>
-              </a:defRPr>
-            </a:lvl7pPr>
-            <a:lvl8pPr marR="0" lvl="7" algn="ctr" rtl="0">
-              <a:lnSpc>
-                <a:spcPct val="100000"/>
-              </a:lnSpc>
-              <a:spcBef>
-                <a:spcPts val="0"/>
-              </a:spcBef>
-              <a:spcAft>
-                <a:spcPts val="0"/>
-              </a:spcAft>
-              <a:buClr>
-                <a:schemeClr val="dk1"/>
-              </a:buClr>
-              <a:buSzPts val="4800"/>
-              <a:buFont typeface="Crimson Text"/>
-              <a:buNone/>
-              <a:defRPr sz="4800" b="0" i="1" u="none" strike="noStrike" cap="none">
-                <a:solidFill>
-                  <a:schemeClr val="dk1"/>
-                </a:solidFill>
-                <a:latin typeface="Crimson Text"/>
-                <a:ea typeface="Crimson Text"/>
-                <a:cs typeface="Crimson Text"/>
-                <a:sym typeface="Crimson Text"/>
-              </a:defRPr>
-            </a:lvl8pPr>
-            <a:lvl9pPr marR="0" lvl="8" algn="ctr" rtl="0">
-              <a:lnSpc>
-                <a:spcPct val="100000"/>
-              </a:lnSpc>
-              <a:spcBef>
-                <a:spcPts val="0"/>
-              </a:spcBef>
-              <a:spcAft>
-                <a:spcPts val="0"/>
-              </a:spcAft>
-              <a:buClr>
-                <a:schemeClr val="dk1"/>
-              </a:buClr>
-              <a:buSzPts val="4800"/>
-              <a:buFont typeface="Crimson Text"/>
-              <a:buNone/>
-              <a:defRPr sz="4800" b="0" i="1" u="none" strike="noStrike" cap="none">
-                <a:solidFill>
-                  <a:schemeClr val="dk1"/>
-                </a:solidFill>
-                <a:latin typeface="Crimson Text"/>
-                <a:ea typeface="Crimson Text"/>
-                <a:cs typeface="Crimson Text"/>
-                <a:sym typeface="Crimson Text"/>
-              </a:defRPr>
-            </a:lvl9pPr>
-          </a:lstStyle>
-          <a:p>
-            <a:pPr algn="l"/>
-            <a:r>
-              <a:rPr lang="en-SG" dirty="0"/>
-              <a:t>Model Improvement </a:t>
-            </a:r>
-          </a:p>
-          <a:p>
-            <a:pPr algn="l"/>
-            <a:r>
-              <a:rPr lang="en-SG" dirty="0"/>
-              <a:t>(Feature Selection)</a:t>
-            </a:r>
-          </a:p>
-        </p:txBody>
-      </p:sp>
-      <p:pic>
-        <p:nvPicPr>
-          <p:cNvPr id="7" name="Picture 6">
-            <a:extLst>
-              <a:ext uri="{FF2B5EF4-FFF2-40B4-BE49-F238E27FC236}">
-                <a16:creationId xmlns:a16="http://schemas.microsoft.com/office/drawing/2014/main" id="{9596F6C4-E5E5-FB8F-96B8-D619E051907B}"/>
-              </a:ext>
-            </a:extLst>
-          </p:cNvPr>
-          <p:cNvPicPr>
-            <a:picLocks noChangeAspect="1"/>
-          </p:cNvPicPr>
-          <p:nvPr/>
-        </p:nvPicPr>
-        <p:blipFill>
-          <a:blip r:embed="rId4"/>
-          <a:stretch>
-            <a:fillRect/>
-          </a:stretch>
-        </p:blipFill>
-        <p:spPr>
-          <a:xfrm>
-            <a:off x="123789" y="1669871"/>
-            <a:ext cx="3820058" cy="371527"/>
-          </a:xfrm>
-          <a:prstGeom prst="rect">
-            <a:avLst/>
-          </a:prstGeom>
-        </p:spPr>
-      </p:pic>
     </p:spTree>
     <p:extLst>
       <p:ext uri="{BB962C8B-B14F-4D97-AF65-F5344CB8AC3E}">
-        <p14:creationId xmlns:p14="http://schemas.microsoft.com/office/powerpoint/2010/main" val="69811449"/>
+        <p14:creationId xmlns:p14="http://schemas.microsoft.com/office/powerpoint/2010/main" val="2540096696"/>
       </p:ext>
     </p:extLst>
   </p:cSld>
@@ -8815,8 +8825,8 @@
         </p:nvSpPr>
         <p:spPr>
           <a:xfrm>
-            <a:off x="166762" y="350938"/>
-            <a:ext cx="8977238" cy="432833"/>
+            <a:off x="4763578" y="508398"/>
+            <a:ext cx="3921555" cy="432833"/>
           </a:xfrm>
           <a:prstGeom prst="rect">
             <a:avLst/>
@@ -8839,7 +8849,14 @@
             </a:pPr>
             <a:r>
               <a:rPr lang="en-SG" dirty="0"/>
-              <a:t>Model Improvement (Feature Engineering)</a:t>
+              <a:t>Model Improvement </a:t>
+            </a:r>
+            <a:br>
+              <a:rPr lang="en-SG" dirty="0"/>
+            </a:br>
+            <a:r>
+              <a:rPr lang="en-SG" dirty="0"/>
+              <a:t>(Feature Scaling)</a:t>
             </a:r>
             <a:endParaRPr dirty="0"/>
           </a:p>
@@ -8857,7 +8874,7 @@
         </p:nvSpPr>
         <p:spPr>
           <a:xfrm>
-            <a:off x="166762" y="1392251"/>
+            <a:off x="166762" y="676193"/>
             <a:ext cx="4528183" cy="2835409"/>
           </a:xfrm>
           <a:prstGeom prst="rect">
@@ -8869,99 +8886,6 @@
             <a:noAutofit/>
           </a:bodyPr>
           <a:lstStyle/>
-          <a:p>
-            <a:pPr marL="285750" lvl="0" indent="-285750" algn="l" rtl="0">
-              <a:spcBef>
-                <a:spcPts val="0"/>
-              </a:spcBef>
-              <a:spcAft>
-                <a:spcPts val="1200"/>
-              </a:spcAft>
-              <a:buFont typeface="Arial" panose="020B0604020202020204" pitchFamily="34" charset="0"/>
-              <a:buChar char="•"/>
-            </a:pPr>
-            <a:r>
-              <a:rPr lang="en-US" sz="1400" dirty="0"/>
-              <a:t>Attempt to perform some feature engineering to see if utilizing </a:t>
-            </a:r>
-            <a:r>
-              <a:rPr lang="en-US" sz="1400" b="1" dirty="0"/>
-              <a:t>Product ID </a:t>
-            </a:r>
-            <a:r>
-              <a:rPr lang="en-US" sz="1400" dirty="0"/>
-              <a:t>will help the model</a:t>
-            </a:r>
-          </a:p>
-          <a:p>
-            <a:pPr marL="285750" lvl="0" indent="-285750" algn="l" rtl="0">
-              <a:spcBef>
-                <a:spcPts val="0"/>
-              </a:spcBef>
-              <a:spcAft>
-                <a:spcPts val="1200"/>
-              </a:spcAft>
-              <a:buFont typeface="Arial" panose="020B0604020202020204" pitchFamily="34" charset="0"/>
-              <a:buChar char="•"/>
-            </a:pPr>
-            <a:r>
-              <a:rPr lang="en-US" sz="1400" dirty="0"/>
-              <a:t>Attempt to perform the </a:t>
-            </a:r>
-            <a:r>
-              <a:rPr lang="en-US" sz="1400" b="1" dirty="0"/>
-              <a:t>Hashing Trick on </a:t>
-            </a:r>
-            <a:r>
-              <a:rPr lang="en-US" sz="1400" dirty="0"/>
-              <a:t>Product ID.</a:t>
-            </a:r>
-          </a:p>
-          <a:p>
-            <a:pPr marL="285750" lvl="0" indent="-285750" algn="l" rtl="0">
-              <a:spcBef>
-                <a:spcPts val="0"/>
-              </a:spcBef>
-              <a:spcAft>
-                <a:spcPts val="1200"/>
-              </a:spcAft>
-              <a:buFont typeface="Arial" panose="020B0604020202020204" pitchFamily="34" charset="0"/>
-              <a:buChar char="•"/>
-            </a:pPr>
-            <a:r>
-              <a:rPr lang="en-US" sz="1400" dirty="0"/>
-              <a:t>Use of </a:t>
-            </a:r>
-            <a:r>
-              <a:rPr lang="en-US" sz="1400" b="1" dirty="0" err="1"/>
-              <a:t>FeatureHasher</a:t>
-            </a:r>
-            <a:r>
-              <a:rPr lang="en-US" sz="1400" b="1" dirty="0"/>
-              <a:t> </a:t>
-            </a:r>
-            <a:r>
-              <a:rPr lang="en-US" sz="1400" dirty="0"/>
-              <a:t>to convert into a vector of features</a:t>
-            </a:r>
-            <a:endParaRPr lang="en-US" sz="1400" b="1" dirty="0"/>
-          </a:p>
-          <a:p>
-            <a:pPr marL="285750" lvl="0" indent="-285750" algn="l" rtl="0">
-              <a:spcBef>
-                <a:spcPts val="0"/>
-              </a:spcBef>
-              <a:spcAft>
-                <a:spcPts val="1200"/>
-              </a:spcAft>
-              <a:buFont typeface="Arial" panose="020B0604020202020204" pitchFamily="34" charset="0"/>
-              <a:buChar char="•"/>
-            </a:pPr>
-            <a:r>
-              <a:rPr lang="en-US" sz="1400" dirty="0"/>
-              <a:t>Scores however did not improve.</a:t>
-            </a:r>
-          </a:p>
           <a:p>
             <a:pPr marL="285750" lvl="0" indent="-285750" algn="l" rtl="0">
               <a:spcBef>
@@ -9034,7 +8958,7 @@
           <p:cNvPr id="3" name="Picture 2">
             <a:extLst>
               <a:ext uri="{FF2B5EF4-FFF2-40B4-BE49-F238E27FC236}">
-                <a16:creationId xmlns:a16="http://schemas.microsoft.com/office/drawing/2014/main" id="{54AF93D1-FF6D-4D94-341C-3FBCB6D360C6}"/>
+                <a16:creationId xmlns:a16="http://schemas.microsoft.com/office/drawing/2014/main" id="{5C616E5A-5889-5C23-6FA9-2FF765190405}"/>
               </a:ext>
             </a:extLst>
           </p:cNvPr>
@@ -9051,8 +8975,488 @@
         </p:blipFill>
         <p:spPr>
           <a:xfrm>
-            <a:off x="5317351" y="1006609"/>
-            <a:ext cx="3547017" cy="3606695"/>
+            <a:off x="4694945" y="1424233"/>
+            <a:ext cx="4449055" cy="2691797"/>
+          </a:xfrm>
+          <a:prstGeom prst="rect">
+            <a:avLst/>
+          </a:prstGeom>
+        </p:spPr>
+      </p:pic>
+      <p:sp>
+        <p:nvSpPr>
+          <p:cNvPr id="4" name="TextBox 3">
+            <a:extLst>
+              <a:ext uri="{FF2B5EF4-FFF2-40B4-BE49-F238E27FC236}">
+                <a16:creationId xmlns:a16="http://schemas.microsoft.com/office/drawing/2014/main" id="{4EE804A1-27C7-4B4C-2478-6CB6EB96E05E}"/>
+              </a:ext>
+            </a:extLst>
+          </p:cNvPr>
+          <p:cNvSpPr txBox="1"/>
+          <p:nvPr/>
+        </p:nvSpPr>
+        <p:spPr>
+          <a:xfrm>
+            <a:off x="4502844" y="4076784"/>
+            <a:ext cx="4641156" cy="738664"/>
+          </a:xfrm>
+          <a:prstGeom prst="rect">
+            <a:avLst/>
+          </a:prstGeom>
+          <a:noFill/>
+        </p:spPr>
+        <p:txBody>
+          <a:bodyPr wrap="square" rtlCol="0">
+            <a:spAutoFit/>
+          </a:bodyPr>
+          <a:lstStyle/>
+          <a:p>
+            <a:pPr marL="285750" indent="-285750">
+              <a:buFont typeface="Arial" panose="020B0604020202020204" pitchFamily="34" charset="0"/>
+              <a:buChar char="•"/>
+            </a:pPr>
+            <a:r>
+              <a:rPr lang="en-US" dirty="0"/>
+              <a:t>Through thorough evaluation of some feature scaling methods, even with No scaling, </a:t>
+            </a:r>
+            <a:r>
+              <a:rPr lang="en-US" dirty="0" err="1"/>
+              <a:t>StandardScaler</a:t>
+            </a:r>
+            <a:r>
+              <a:rPr lang="en-US" dirty="0"/>
+              <a:t> is the best for the model, with the highest F2 scores.</a:t>
+            </a:r>
+            <a:endParaRPr lang="en-SG" dirty="0"/>
+          </a:p>
+        </p:txBody>
+      </p:sp>
+      <p:sp>
+        <p:nvSpPr>
+          <p:cNvPr id="5" name="TextBox 4">
+            <a:extLst>
+              <a:ext uri="{FF2B5EF4-FFF2-40B4-BE49-F238E27FC236}">
+                <a16:creationId xmlns:a16="http://schemas.microsoft.com/office/drawing/2014/main" id="{394E5612-DE81-D858-F200-EC54820CD5A4}"/>
+              </a:ext>
+            </a:extLst>
+          </p:cNvPr>
+          <p:cNvSpPr txBox="1"/>
+          <p:nvPr/>
+        </p:nvSpPr>
+        <p:spPr>
+          <a:xfrm>
+            <a:off x="0" y="2149607"/>
+            <a:ext cx="4326110" cy="3139321"/>
+          </a:xfrm>
+          <a:prstGeom prst="rect">
+            <a:avLst/>
+          </a:prstGeom>
+          <a:noFill/>
+        </p:spPr>
+        <p:txBody>
+          <a:bodyPr wrap="square" rtlCol="0">
+            <a:spAutoFit/>
+          </a:bodyPr>
+          <a:lstStyle/>
+          <a:p>
+            <a:pPr marL="285750" lvl="0" indent="-285750" algn="l" rtl="0">
+              <a:spcBef>
+                <a:spcPts val="0"/>
+              </a:spcBef>
+              <a:spcAft>
+                <a:spcPts val="1200"/>
+              </a:spcAft>
+              <a:buFont typeface="Arial" panose="020B0604020202020204" pitchFamily="34" charset="0"/>
+              <a:buChar char="•"/>
+            </a:pPr>
+            <a:r>
+              <a:rPr lang="en-US" sz="1400" dirty="0"/>
+              <a:t>Use of </a:t>
+            </a:r>
+            <a:r>
+              <a:rPr lang="en-US" sz="1400" b="1" dirty="0" err="1"/>
+              <a:t>SelectKBest</a:t>
+            </a:r>
+            <a:r>
+              <a:rPr lang="en-US" sz="1400" b="1" dirty="0"/>
+              <a:t> (a filter based feature selection) </a:t>
+            </a:r>
+            <a:r>
+              <a:rPr lang="en-US" sz="1400" dirty="0"/>
+              <a:t>to perform feature selection to remove less important predictors from the data to prevent the model from overfitting to noise from less relevant features. With this in mind, it can also ease the problem of multicollinearity as well. (use with </a:t>
+            </a:r>
+            <a:r>
+              <a:rPr lang="en-US" sz="1400" dirty="0" err="1"/>
+              <a:t>f_classif</a:t>
+            </a:r>
+            <a:r>
+              <a:rPr lang="en-US" sz="1400" dirty="0"/>
+              <a:t>)</a:t>
+            </a:r>
+          </a:p>
+          <a:p>
+            <a:pPr marL="285750" lvl="0" indent="-285750" algn="l" rtl="0">
+              <a:spcBef>
+                <a:spcPts val="0"/>
+              </a:spcBef>
+              <a:spcAft>
+                <a:spcPts val="1200"/>
+              </a:spcAft>
+              <a:buFont typeface="Arial" panose="020B0604020202020204" pitchFamily="34" charset="0"/>
+              <a:buChar char="•"/>
+            </a:pPr>
+            <a:r>
+              <a:rPr lang="en-US" sz="1400" dirty="0"/>
+              <a:t>K=8, effectively removing </a:t>
+            </a:r>
+            <a:r>
+              <a:rPr lang="en-US" sz="1400" b="1" dirty="0"/>
+              <a:t>Process T (C) </a:t>
+            </a:r>
+          </a:p>
+          <a:p>
+            <a:pPr marL="285750" lvl="0" indent="-285750" algn="l" rtl="0">
+              <a:spcBef>
+                <a:spcPts val="0"/>
+              </a:spcBef>
+              <a:spcAft>
+                <a:spcPts val="1200"/>
+              </a:spcAft>
+              <a:buFont typeface="Arial" panose="020B0604020202020204" pitchFamily="34" charset="0"/>
+              <a:buChar char="•"/>
+            </a:pPr>
+            <a:r>
+              <a:rPr lang="en-US" sz="1400" dirty="0"/>
+              <a:t>We cannot remove anymore given the small number of features in the dataset. Reducing further will lead to underfitting.</a:t>
+            </a:r>
+          </a:p>
+          <a:p>
+            <a:pPr marL="285750" indent="-285750">
+              <a:buFont typeface="Arial" panose="020B0604020202020204" pitchFamily="34" charset="0"/>
+              <a:buChar char="•"/>
+            </a:pPr>
+            <a:endParaRPr lang="en-SG" dirty="0"/>
+          </a:p>
+        </p:txBody>
+      </p:sp>
+      <p:sp>
+        <p:nvSpPr>
+          <p:cNvPr id="8" name="Google Shape;290;p43">
+            <a:extLst>
+              <a:ext uri="{FF2B5EF4-FFF2-40B4-BE49-F238E27FC236}">
+                <a16:creationId xmlns:a16="http://schemas.microsoft.com/office/drawing/2014/main" id="{FA9E7E9E-A336-0496-1FD8-DC746331AAAE}"/>
+              </a:ext>
+            </a:extLst>
+          </p:cNvPr>
+          <p:cNvSpPr txBox="1">
+            <a:spLocks/>
+          </p:cNvSpPr>
+          <p:nvPr/>
+        </p:nvSpPr>
+        <p:spPr>
+          <a:xfrm>
+            <a:off x="98129" y="459776"/>
+            <a:ext cx="3845718" cy="432833"/>
+          </a:xfrm>
+          <a:prstGeom prst="rect">
+            <a:avLst/>
+          </a:prstGeom>
+          <a:noFill/>
+          <a:ln>
+            <a:noFill/>
+          </a:ln>
+        </p:spPr>
+        <p:txBody>
+          <a:bodyPr spcFirstLastPara="1" wrap="square" lIns="91425" tIns="91425" rIns="91425" bIns="91425" anchor="ctr" anchorCtr="0">
+            <a:noAutofit/>
+          </a:bodyPr>
+          <a:lstStyle>
+            <a:defPPr marR="0" lvl="0" algn="l" rtl="0">
+              <a:lnSpc>
+                <a:spcPct val="100000"/>
+              </a:lnSpc>
+              <a:spcBef>
+                <a:spcPts val="0"/>
+              </a:spcBef>
+              <a:spcAft>
+                <a:spcPts val="0"/>
+              </a:spcAft>
+            </a:defPPr>
+            <a:lvl1pPr marR="0" lvl="0" algn="ctr" rtl="0">
+              <a:lnSpc>
+                <a:spcPct val="100000"/>
+              </a:lnSpc>
+              <a:spcBef>
+                <a:spcPts val="0"/>
+              </a:spcBef>
+              <a:spcAft>
+                <a:spcPts val="0"/>
+              </a:spcAft>
+              <a:buClr>
+                <a:schemeClr val="dk1"/>
+              </a:buClr>
+              <a:buSzPts val="4800"/>
+              <a:buFont typeface="Vidaloka"/>
+              <a:buNone/>
+              <a:defRPr sz="3000" b="0" i="0" u="none" strike="noStrike" cap="none">
+                <a:solidFill>
+                  <a:schemeClr val="dk1"/>
+                </a:solidFill>
+                <a:latin typeface="Vidaloka"/>
+                <a:ea typeface="Vidaloka"/>
+                <a:cs typeface="Vidaloka"/>
+                <a:sym typeface="Vidaloka"/>
+              </a:defRPr>
+            </a:lvl1pPr>
+            <a:lvl2pPr marR="0" lvl="1" algn="ctr" rtl="0">
+              <a:lnSpc>
+                <a:spcPct val="100000"/>
+              </a:lnSpc>
+              <a:spcBef>
+                <a:spcPts val="0"/>
+              </a:spcBef>
+              <a:spcAft>
+                <a:spcPts val="0"/>
+              </a:spcAft>
+              <a:buClr>
+                <a:schemeClr val="dk1"/>
+              </a:buClr>
+              <a:buSzPts val="4800"/>
+              <a:buFont typeface="Crimson Text"/>
+              <a:buNone/>
+              <a:defRPr sz="4800" b="0" i="1" u="none" strike="noStrike" cap="none">
+                <a:solidFill>
+                  <a:schemeClr val="dk1"/>
+                </a:solidFill>
+                <a:latin typeface="Crimson Text"/>
+                <a:ea typeface="Crimson Text"/>
+                <a:cs typeface="Crimson Text"/>
+                <a:sym typeface="Crimson Text"/>
+              </a:defRPr>
+            </a:lvl2pPr>
+            <a:lvl3pPr marR="0" lvl="2" algn="ctr" rtl="0">
+              <a:lnSpc>
+                <a:spcPct val="100000"/>
+              </a:lnSpc>
+              <a:spcBef>
+                <a:spcPts val="0"/>
+              </a:spcBef>
+              <a:spcAft>
+                <a:spcPts val="0"/>
+              </a:spcAft>
+              <a:buClr>
+                <a:schemeClr val="dk1"/>
+              </a:buClr>
+              <a:buSzPts val="4800"/>
+              <a:buFont typeface="Crimson Text"/>
+              <a:buNone/>
+              <a:defRPr sz="4800" b="0" i="1" u="none" strike="noStrike" cap="none">
+                <a:solidFill>
+                  <a:schemeClr val="dk1"/>
+                </a:solidFill>
+                <a:latin typeface="Crimson Text"/>
+                <a:ea typeface="Crimson Text"/>
+                <a:cs typeface="Crimson Text"/>
+                <a:sym typeface="Crimson Text"/>
+              </a:defRPr>
+            </a:lvl3pPr>
+            <a:lvl4pPr marR="0" lvl="3" algn="ctr" rtl="0">
+              <a:lnSpc>
+                <a:spcPct val="100000"/>
+              </a:lnSpc>
+              <a:spcBef>
+                <a:spcPts val="0"/>
+              </a:spcBef>
+              <a:spcAft>
+                <a:spcPts val="0"/>
+              </a:spcAft>
+              <a:buClr>
+                <a:schemeClr val="dk1"/>
+              </a:buClr>
+              <a:buSzPts val="4800"/>
+              <a:buFont typeface="Crimson Text"/>
+              <a:buNone/>
+              <a:defRPr sz="4800" b="0" i="1" u="none" strike="noStrike" cap="none">
+                <a:solidFill>
+                  <a:schemeClr val="dk1"/>
+                </a:solidFill>
+                <a:latin typeface="Crimson Text"/>
+                <a:ea typeface="Crimson Text"/>
+                <a:cs typeface="Crimson Text"/>
+                <a:sym typeface="Crimson Text"/>
+              </a:defRPr>
+            </a:lvl4pPr>
+            <a:lvl5pPr marR="0" lvl="4" algn="ctr" rtl="0">
+              <a:lnSpc>
+                <a:spcPct val="100000"/>
+              </a:lnSpc>
+              <a:spcBef>
+                <a:spcPts val="0"/>
+              </a:spcBef>
+              <a:spcAft>
+                <a:spcPts val="0"/>
+              </a:spcAft>
+              <a:buClr>
+                <a:schemeClr val="dk1"/>
+              </a:buClr>
+              <a:buSzPts val="4800"/>
+              <a:buFont typeface="Crimson Text"/>
+              <a:buNone/>
+              <a:defRPr sz="4800" b="0" i="1" u="none" strike="noStrike" cap="none">
+                <a:solidFill>
+                  <a:schemeClr val="dk1"/>
+                </a:solidFill>
+                <a:latin typeface="Crimson Text"/>
+                <a:ea typeface="Crimson Text"/>
+                <a:cs typeface="Crimson Text"/>
+                <a:sym typeface="Crimson Text"/>
+              </a:defRPr>
+            </a:lvl5pPr>
+            <a:lvl6pPr marR="0" lvl="5" algn="ctr" rtl="0">
+              <a:lnSpc>
+                <a:spcPct val="100000"/>
+              </a:lnSpc>
+              <a:spcBef>
+                <a:spcPts val="0"/>
+              </a:spcBef>
+              <a:spcAft>
+                <a:spcPts val="0"/>
+              </a:spcAft>
+              <a:buClr>
+                <a:schemeClr val="dk1"/>
+              </a:buClr>
+              <a:buSzPts val="4800"/>
+              <a:buFont typeface="Crimson Text"/>
+              <a:buNone/>
+              <a:defRPr sz="4800" b="0" i="1" u="none" strike="noStrike" cap="none">
+                <a:solidFill>
+                  <a:schemeClr val="dk1"/>
+                </a:solidFill>
+                <a:latin typeface="Crimson Text"/>
+                <a:ea typeface="Crimson Text"/>
+                <a:cs typeface="Crimson Text"/>
+                <a:sym typeface="Crimson Text"/>
+              </a:defRPr>
+            </a:lvl6pPr>
+            <a:lvl7pPr marR="0" lvl="6" algn="ctr" rtl="0">
+              <a:lnSpc>
+                <a:spcPct val="100000"/>
+              </a:lnSpc>
+              <a:spcBef>
+                <a:spcPts val="0"/>
+              </a:spcBef>
+              <a:spcAft>
+                <a:spcPts val="0"/>
+              </a:spcAft>
+              <a:buClr>
+                <a:schemeClr val="dk1"/>
+              </a:buClr>
+              <a:buSzPts val="4800"/>
+              <a:buFont typeface="Crimson Text"/>
+              <a:buNone/>
+              <a:defRPr sz="4800" b="0" i="1" u="none" strike="noStrike" cap="none">
+                <a:solidFill>
+                  <a:schemeClr val="dk1"/>
+                </a:solidFill>
+                <a:latin typeface="Crimson Text"/>
+                <a:ea typeface="Crimson Text"/>
+                <a:cs typeface="Crimson Text"/>
+                <a:sym typeface="Crimson Text"/>
+              </a:defRPr>
+            </a:lvl7pPr>
+            <a:lvl8pPr marR="0" lvl="7" algn="ctr" rtl="0">
+              <a:lnSpc>
+                <a:spcPct val="100000"/>
+              </a:lnSpc>
+              <a:spcBef>
+                <a:spcPts val="0"/>
+              </a:spcBef>
+              <a:spcAft>
+                <a:spcPts val="0"/>
+              </a:spcAft>
+              <a:buClr>
+                <a:schemeClr val="dk1"/>
+              </a:buClr>
+              <a:buSzPts val="4800"/>
+              <a:buFont typeface="Crimson Text"/>
+              <a:buNone/>
+              <a:defRPr sz="4800" b="0" i="1" u="none" strike="noStrike" cap="none">
+                <a:solidFill>
+                  <a:schemeClr val="dk1"/>
+                </a:solidFill>
+                <a:latin typeface="Crimson Text"/>
+                <a:ea typeface="Crimson Text"/>
+                <a:cs typeface="Crimson Text"/>
+                <a:sym typeface="Crimson Text"/>
+              </a:defRPr>
+            </a:lvl8pPr>
+            <a:lvl9pPr marR="0" lvl="8" algn="ctr" rtl="0">
+              <a:lnSpc>
+                <a:spcPct val="100000"/>
+              </a:lnSpc>
+              <a:spcBef>
+                <a:spcPts val="0"/>
+              </a:spcBef>
+              <a:spcAft>
+                <a:spcPts val="0"/>
+              </a:spcAft>
+              <a:buClr>
+                <a:schemeClr val="dk1"/>
+              </a:buClr>
+              <a:buSzPts val="4800"/>
+              <a:buFont typeface="Crimson Text"/>
+              <a:buNone/>
+              <a:defRPr sz="4800" b="0" i="1" u="none" strike="noStrike" cap="none">
+                <a:solidFill>
+                  <a:schemeClr val="dk1"/>
+                </a:solidFill>
+                <a:latin typeface="Crimson Text"/>
+                <a:ea typeface="Crimson Text"/>
+                <a:cs typeface="Crimson Text"/>
+                <a:sym typeface="Crimson Text"/>
+              </a:defRPr>
+            </a:lvl9pPr>
+          </a:lstStyle>
+          <a:p>
+            <a:pPr algn="l"/>
+            <a:r>
+              <a:rPr lang="en-SG" dirty="0"/>
+              <a:t>Model Improvement </a:t>
+            </a:r>
+          </a:p>
+          <a:p>
+            <a:pPr algn="l"/>
+            <a:r>
+              <a:rPr lang="en-SG" dirty="0"/>
+              <a:t>(Feature Selection)</a:t>
+            </a:r>
+          </a:p>
+        </p:txBody>
+      </p:sp>
+      <p:pic>
+        <p:nvPicPr>
+          <p:cNvPr id="7" name="Picture 6">
+            <a:extLst>
+              <a:ext uri="{FF2B5EF4-FFF2-40B4-BE49-F238E27FC236}">
+                <a16:creationId xmlns:a16="http://schemas.microsoft.com/office/drawing/2014/main" id="{9596F6C4-E5E5-FB8F-96B8-D619E051907B}"/>
+              </a:ext>
+            </a:extLst>
+          </p:cNvPr>
+          <p:cNvPicPr>
+            <a:picLocks noChangeAspect="1"/>
+          </p:cNvPicPr>
+          <p:nvPr/>
+        </p:nvPicPr>
+        <p:blipFill>
+          <a:blip r:embed="rId4"/>
+          <a:stretch>
+            <a:fillRect/>
+          </a:stretch>
+        </p:blipFill>
+        <p:spPr>
+          <a:xfrm>
+            <a:off x="123789" y="1669871"/>
+            <a:ext cx="3820058" cy="371527"/>
           </a:xfrm>
           <a:prstGeom prst="rect">
             <a:avLst/>
@@ -9062,7 +9466,7 @@
     </p:spTree>
     <p:extLst>
       <p:ext uri="{BB962C8B-B14F-4D97-AF65-F5344CB8AC3E}">
-        <p14:creationId xmlns:p14="http://schemas.microsoft.com/office/powerpoint/2010/main" val="2187524092"/>
+        <p14:creationId xmlns:p14="http://schemas.microsoft.com/office/powerpoint/2010/main" val="69811449"/>
       </p:ext>
     </p:extLst>
   </p:cSld>
@@ -9101,7 +9505,7 @@
         </p:nvSpPr>
         <p:spPr>
           <a:xfrm>
-            <a:off x="83381" y="596551"/>
+            <a:off x="166762" y="350938"/>
             <a:ext cx="8977238" cy="432833"/>
           </a:xfrm>
           <a:prstGeom prst="rect">
@@ -9124,12 +9528,9 @@
               <a:buNone/>
             </a:pPr>
             <a:r>
-              <a:rPr lang="en-US" dirty="0"/>
-              <a:t>Validation Curve (Model evaluation)</a:t>
-            </a:r>
-            <a:br>
-              <a:rPr lang="en-US" dirty="0"/>
-            </a:br>
+              <a:rPr lang="en-SG" dirty="0"/>
+              <a:t>Model Improvement (Feature Engineering)</a:t>
+            </a:r>
             <a:endParaRPr dirty="0"/>
           </a:p>
         </p:txBody>
@@ -9146,8 +9547,8 @@
         </p:nvSpPr>
         <p:spPr>
           <a:xfrm>
-            <a:off x="166762" y="1392251"/>
-            <a:ext cx="4528183" cy="2835409"/>
+            <a:off x="96462" y="691521"/>
+            <a:ext cx="3730187" cy="2835409"/>
           </a:xfrm>
           <a:prstGeom prst="rect">
             <a:avLst/>
@@ -9169,6 +9570,139 @@
               <a:buFont typeface="Arial" panose="020B0604020202020204" pitchFamily="34" charset="0"/>
               <a:buChar char="•"/>
             </a:pPr>
+            <a:r>
+              <a:rPr lang="en-US" sz="1400" dirty="0"/>
+              <a:t>Attempt to perform some feature engineering to see if utilizing </a:t>
+            </a:r>
+            <a:r>
+              <a:rPr lang="en-US" sz="1400" b="1" dirty="0"/>
+              <a:t>Product ID </a:t>
+            </a:r>
+            <a:r>
+              <a:rPr lang="en-US" sz="1400" dirty="0"/>
+              <a:t>will help the model</a:t>
+            </a:r>
+          </a:p>
+          <a:p>
+            <a:pPr marL="285750" lvl="0" indent="-285750" algn="l" rtl="0">
+              <a:spcBef>
+                <a:spcPts val="0"/>
+              </a:spcBef>
+              <a:spcAft>
+                <a:spcPts val="1200"/>
+              </a:spcAft>
+              <a:buFont typeface="Arial" panose="020B0604020202020204" pitchFamily="34" charset="0"/>
+              <a:buChar char="•"/>
+            </a:pPr>
+            <a:r>
+              <a:rPr lang="en-US" sz="1400" dirty="0"/>
+              <a:t>Attempt to perform the </a:t>
+            </a:r>
+            <a:r>
+              <a:rPr lang="en-US" sz="1400" b="1" dirty="0"/>
+              <a:t>Hashing Trick on </a:t>
+            </a:r>
+            <a:r>
+              <a:rPr lang="en-US" sz="1400" dirty="0"/>
+              <a:t>Product ID.</a:t>
+            </a:r>
+          </a:p>
+          <a:p>
+            <a:pPr marL="285750" lvl="0" indent="-285750" algn="l" rtl="0">
+              <a:spcBef>
+                <a:spcPts val="0"/>
+              </a:spcBef>
+              <a:spcAft>
+                <a:spcPts val="1200"/>
+              </a:spcAft>
+              <a:buFont typeface="Arial" panose="020B0604020202020204" pitchFamily="34" charset="0"/>
+              <a:buChar char="•"/>
+            </a:pPr>
+            <a:r>
+              <a:rPr lang="en-US" sz="1400" dirty="0"/>
+              <a:t>Use of </a:t>
+            </a:r>
+            <a:r>
+              <a:rPr lang="en-US" sz="1400" b="1" dirty="0" err="1"/>
+              <a:t>FeatureHasher</a:t>
+            </a:r>
+            <a:r>
+              <a:rPr lang="en-US" sz="1400" b="1" dirty="0"/>
+              <a:t> </a:t>
+            </a:r>
+            <a:r>
+              <a:rPr lang="en-US" sz="1400" dirty="0"/>
+              <a:t>to convert into a vector of features</a:t>
+            </a:r>
+            <a:endParaRPr lang="en-US" sz="1400" b="1" dirty="0"/>
+          </a:p>
+          <a:p>
+            <a:pPr marL="285750" lvl="0" indent="-285750" algn="l" rtl="0">
+              <a:spcBef>
+                <a:spcPts val="0"/>
+              </a:spcBef>
+              <a:spcAft>
+                <a:spcPts val="1200"/>
+              </a:spcAft>
+              <a:buFont typeface="Arial" panose="020B0604020202020204" pitchFamily="34" charset="0"/>
+              <a:buChar char="•"/>
+            </a:pPr>
+            <a:r>
+              <a:rPr lang="en-US" sz="1400" dirty="0"/>
+              <a:t>Scores however did not improve.</a:t>
+            </a:r>
+          </a:p>
+          <a:p>
+            <a:pPr marL="285750" lvl="0" indent="-285750" algn="l" rtl="0">
+              <a:spcBef>
+                <a:spcPts val="0"/>
+              </a:spcBef>
+              <a:spcAft>
+                <a:spcPts val="1200"/>
+              </a:spcAft>
+              <a:buFont typeface="Arial" panose="020B0604020202020204" pitchFamily="34" charset="0"/>
+              <a:buChar char="•"/>
+            </a:pPr>
+            <a:r>
+              <a:rPr lang="en-US" sz="1400" dirty="0"/>
+              <a:t>Attempt to handle imbalanced dataset problem by over sampling.</a:t>
+            </a:r>
+          </a:p>
+          <a:p>
+            <a:pPr marL="285750" lvl="0" indent="-285750" algn="l" rtl="0">
+              <a:spcBef>
+                <a:spcPts val="0"/>
+              </a:spcBef>
+              <a:spcAft>
+                <a:spcPts val="1200"/>
+              </a:spcAft>
+              <a:buFont typeface="Arial" panose="020B0604020202020204" pitchFamily="34" charset="0"/>
+              <a:buChar char="•"/>
+            </a:pPr>
+            <a:r>
+              <a:rPr lang="en-US" sz="1400" dirty="0"/>
+              <a:t>After </a:t>
+            </a:r>
+            <a:r>
+              <a:rPr lang="en-US" sz="1400" dirty="0" err="1"/>
+              <a:t>analysing</a:t>
+            </a:r>
+            <a:r>
+              <a:rPr lang="en-US" sz="1400" dirty="0"/>
+              <a:t> the f1 and balanced accuracy scores, I noticed there was not much of an improvement, hence we will proceed to hyperparameter tuning</a:t>
+            </a:r>
+          </a:p>
+          <a:p>
+            <a:pPr marL="285750" lvl="0" indent="-285750" algn="l" rtl="0">
+              <a:spcBef>
+                <a:spcPts val="0"/>
+              </a:spcBef>
+              <a:spcAft>
+                <a:spcPts val="1200"/>
+              </a:spcAft>
+              <a:buFont typeface="Arial" panose="020B0604020202020204" pitchFamily="34" charset="0"/>
+              <a:buChar char="•"/>
+            </a:pPr>
             <a:endParaRPr lang="en-US" sz="1400" dirty="0"/>
           </a:p>
           <a:p>
@@ -9222,127 +9756,6 @@
               <a:buChar char="•"/>
             </a:pPr>
             <a:endParaRPr lang="en-SG" sz="1400" dirty="0"/>
-          </a:p>
-        </p:txBody>
-      </p:sp>
-      <p:sp>
-        <p:nvSpPr>
-          <p:cNvPr id="5" name="TextBox 4">
-            <a:extLst>
-              <a:ext uri="{FF2B5EF4-FFF2-40B4-BE49-F238E27FC236}">
-                <a16:creationId xmlns:a16="http://schemas.microsoft.com/office/drawing/2014/main" id="{8B9D6A90-AFC8-0509-26D4-99C3AA5E9A98}"/>
-              </a:ext>
-            </a:extLst>
-          </p:cNvPr>
-          <p:cNvSpPr txBox="1"/>
-          <p:nvPr/>
-        </p:nvSpPr>
-        <p:spPr>
-          <a:xfrm>
-            <a:off x="83381" y="1186771"/>
-            <a:ext cx="4259241" cy="2677656"/>
-          </a:xfrm>
-          <a:prstGeom prst="rect">
-            <a:avLst/>
-          </a:prstGeom>
-          <a:noFill/>
-        </p:spPr>
-        <p:txBody>
-          <a:bodyPr wrap="square" rtlCol="0">
-            <a:spAutoFit/>
-          </a:bodyPr>
-          <a:lstStyle/>
-          <a:p>
-            <a:pPr marL="285750" indent="-285750">
-              <a:buFont typeface="Arial" panose="020B0604020202020204" pitchFamily="34" charset="0"/>
-              <a:buChar char="•"/>
-            </a:pPr>
-            <a:r>
-              <a:rPr lang="en-US" dirty="0"/>
-              <a:t>Done using TRAIN SET to check validity of hyperparameters.</a:t>
-            </a:r>
-          </a:p>
-          <a:p>
-            <a:pPr marL="285750" indent="-285750">
-              <a:buFont typeface="Arial" panose="020B0604020202020204" pitchFamily="34" charset="0"/>
-              <a:buChar char="•"/>
-            </a:pPr>
-            <a:r>
-              <a:rPr lang="en-US" dirty="0"/>
-              <a:t>Plot VC to visualize model performance over a range of hyperparameters.</a:t>
-            </a:r>
-          </a:p>
-          <a:p>
-            <a:pPr marL="285750" indent="-285750">
-              <a:buFont typeface="Arial" panose="020B0604020202020204" pitchFamily="34" charset="0"/>
-              <a:buChar char="•"/>
-            </a:pPr>
-            <a:r>
-              <a:rPr lang="en-US" dirty="0" err="1"/>
-              <a:t>Visualise</a:t>
-            </a:r>
-            <a:r>
-              <a:rPr lang="en-US" dirty="0"/>
-              <a:t> </a:t>
-            </a:r>
-            <a:r>
-              <a:rPr lang="en-US" dirty="0" err="1"/>
-              <a:t>n_estimators</a:t>
-            </a:r>
-            <a:r>
-              <a:rPr lang="en-US" dirty="0"/>
-              <a:t> and </a:t>
-            </a:r>
-            <a:r>
-              <a:rPr lang="en-US" dirty="0" err="1"/>
-              <a:t>max_depth</a:t>
-            </a:r>
-            <a:endParaRPr lang="en-US" dirty="0"/>
-          </a:p>
-          <a:p>
-            <a:pPr marL="285750" indent="-285750">
-              <a:buFont typeface="Arial" panose="020B0604020202020204" pitchFamily="34" charset="0"/>
-              <a:buChar char="•"/>
-            </a:pPr>
-            <a:r>
-              <a:rPr lang="en-US" dirty="0"/>
-              <a:t>Can increase max depth a little more, too much may result in overfitting.</a:t>
-            </a:r>
-          </a:p>
-          <a:p>
-            <a:pPr marL="285750" indent="-285750">
-              <a:buFont typeface="Arial" panose="020B0604020202020204" pitchFamily="34" charset="0"/>
-              <a:buChar char="•"/>
-            </a:pPr>
-            <a:r>
-              <a:rPr lang="en-US" dirty="0"/>
-              <a:t>Proper tuning of max depth needed to balance bias and variance.</a:t>
-            </a:r>
-          </a:p>
-          <a:p>
-            <a:pPr marL="285750" indent="-285750">
-              <a:buFont typeface="Arial" panose="020B0604020202020204" pitchFamily="34" charset="0"/>
-              <a:buChar char="•"/>
-            </a:pPr>
-            <a:r>
-              <a:rPr lang="en-US" dirty="0"/>
-              <a:t>Can further reduce </a:t>
-            </a:r>
-            <a:r>
-              <a:rPr lang="en-US" dirty="0" err="1"/>
-              <a:t>n_estimators</a:t>
-            </a:r>
-            <a:r>
-              <a:rPr lang="en-US" dirty="0"/>
-              <a:t> to simplify model</a:t>
-            </a:r>
-          </a:p>
-          <a:p>
-            <a:pPr marL="285750" indent="-285750">
-              <a:buFont typeface="Arial" panose="020B0604020202020204" pitchFamily="34" charset="0"/>
-              <a:buChar char="•"/>
-            </a:pPr>
-            <a:endParaRPr lang="en-SG" dirty="0"/>
           </a:p>
         </p:txBody>
       </p:sp>
@@ -9351,7 +9764,7 @@
           <p:cNvPr id="3" name="Picture 2">
             <a:extLst>
               <a:ext uri="{FF2B5EF4-FFF2-40B4-BE49-F238E27FC236}">
-                <a16:creationId xmlns:a16="http://schemas.microsoft.com/office/drawing/2014/main" id="{50E87A22-37A7-FCEF-67B2-42F814B8F9D1}"/>
+                <a16:creationId xmlns:a16="http://schemas.microsoft.com/office/drawing/2014/main" id="{54AF93D1-FF6D-4D94-341C-3FBCB6D360C6}"/>
               </a:ext>
             </a:extLst>
           </p:cNvPr>
@@ -9368,8 +9781,8 @@
         </p:blipFill>
         <p:spPr>
           <a:xfrm>
-            <a:off x="4342622" y="1096928"/>
-            <a:ext cx="4634616" cy="2103116"/>
+            <a:off x="5317353" y="895190"/>
+            <a:ext cx="2950669" cy="2382050"/>
           </a:xfrm>
           <a:prstGeom prst="rect">
             <a:avLst/>
@@ -9378,10 +9791,10 @@
       </p:pic>
       <p:pic>
         <p:nvPicPr>
-          <p:cNvPr id="8" name="Picture 7">
+          <p:cNvPr id="6" name="Picture 5">
             <a:extLst>
               <a:ext uri="{FF2B5EF4-FFF2-40B4-BE49-F238E27FC236}">
-                <a16:creationId xmlns:a16="http://schemas.microsoft.com/office/drawing/2014/main" id="{915B059C-CE50-56B0-F51F-80483C418F69}"/>
+                <a16:creationId xmlns:a16="http://schemas.microsoft.com/office/drawing/2014/main" id="{2B5C47B1-86B0-F677-3661-6456D4E52630}"/>
               </a:ext>
             </a:extLst>
           </p:cNvPr>
@@ -9398,8 +9811,8 @@
         </p:blipFill>
         <p:spPr>
           <a:xfrm>
-            <a:off x="83381" y="3649649"/>
-            <a:ext cx="9144000" cy="1493851"/>
+            <a:off x="5317353" y="3277240"/>
+            <a:ext cx="3082899" cy="1754840"/>
           </a:xfrm>
           <a:prstGeom prst="rect">
             <a:avLst/>
@@ -9409,7 +9822,7 @@
     </p:spTree>
     <p:extLst>
       <p:ext uri="{BB962C8B-B14F-4D97-AF65-F5344CB8AC3E}">
-        <p14:creationId xmlns:p14="http://schemas.microsoft.com/office/powerpoint/2010/main" val="953080071"/>
+        <p14:creationId xmlns:p14="http://schemas.microsoft.com/office/powerpoint/2010/main" val="2187524092"/>
       </p:ext>
     </p:extLst>
   </p:cSld>
@@ -9448,7 +9861,7 @@
         </p:nvSpPr>
         <p:spPr>
           <a:xfrm>
-            <a:off x="166762" y="350938"/>
+            <a:off x="83381" y="596551"/>
             <a:ext cx="8977238" cy="432833"/>
           </a:xfrm>
           <a:prstGeom prst="rect">
@@ -9471,9 +9884,12 @@
               <a:buNone/>
             </a:pPr>
             <a:r>
-              <a:rPr lang="en-SG" dirty="0"/>
-              <a:t>Model Improvement (Hyperparameter tuning)</a:t>
-            </a:r>
+              <a:rPr lang="en-US" dirty="0"/>
+              <a:t>Validation Curve (Model evaluation)</a:t>
+            </a:r>
+            <a:br>
+              <a:rPr lang="en-US" dirty="0"/>
+            </a:br>
             <a:endParaRPr dirty="0"/>
           </a:p>
         </p:txBody>
@@ -9490,8 +9906,8 @@
         </p:nvSpPr>
         <p:spPr>
           <a:xfrm>
-            <a:off x="166763" y="961945"/>
-            <a:ext cx="4305346" cy="3410270"/>
+            <a:off x="166762" y="1392251"/>
+            <a:ext cx="4528183" cy="2835409"/>
           </a:xfrm>
           <a:prstGeom prst="rect">
             <a:avLst/>
@@ -9513,172 +9929,189 @@
               <a:buFont typeface="Arial" panose="020B0604020202020204" pitchFamily="34" charset="0"/>
               <a:buChar char="•"/>
             </a:pPr>
-            <a:r>
-              <a:rPr lang="en-US" sz="1400" dirty="0"/>
-              <a:t>Tuning the hyperparameters of the model through </a:t>
-            </a:r>
-            <a:r>
-              <a:rPr lang="en-US" sz="1400" b="1" dirty="0" err="1"/>
-              <a:t>GridSearchCV</a:t>
-            </a:r>
-            <a:r>
-              <a:rPr lang="en-US" sz="1400" b="1" dirty="0"/>
+            <a:endParaRPr lang="en-US" sz="1400" dirty="0"/>
+          </a:p>
+          <a:p>
+            <a:pPr marL="285750" lvl="0" indent="-285750" algn="l" rtl="0">
+              <a:spcBef>
+                <a:spcPts val="0"/>
+              </a:spcBef>
+              <a:spcAft>
+                <a:spcPts val="1200"/>
+              </a:spcAft>
+              <a:buFont typeface="Arial" panose="020B0604020202020204" pitchFamily="34" charset="0"/>
+              <a:buChar char="•"/>
+            </a:pPr>
+            <a:endParaRPr lang="en-US" sz="1400" dirty="0"/>
+          </a:p>
+          <a:p>
+            <a:pPr marL="285750" lvl="0" indent="-285750" algn="l" rtl="0">
+              <a:spcBef>
+                <a:spcPts val="0"/>
+              </a:spcBef>
+              <a:spcAft>
+                <a:spcPts val="1200"/>
+              </a:spcAft>
+              <a:buFont typeface="Arial" panose="020B0604020202020204" pitchFamily="34" charset="0"/>
+              <a:buChar char="•"/>
+            </a:pPr>
+            <a:endParaRPr lang="en-US" sz="1400" dirty="0"/>
+          </a:p>
+          <a:p>
+            <a:pPr marL="285750" lvl="0" indent="-285750" algn="l" rtl="0">
+              <a:spcBef>
+                <a:spcPts val="0"/>
+              </a:spcBef>
+              <a:spcAft>
+                <a:spcPts val="1200"/>
+              </a:spcAft>
+              <a:buFont typeface="Arial" panose="020B0604020202020204" pitchFamily="34" charset="0"/>
+              <a:buChar char="•"/>
+            </a:pPr>
+            <a:endParaRPr lang="en-US" sz="1400" dirty="0"/>
+          </a:p>
+          <a:p>
+            <a:pPr marL="285750" lvl="0" indent="-285750" algn="l" rtl="0">
+              <a:spcBef>
+                <a:spcPts val="0"/>
+              </a:spcBef>
+              <a:spcAft>
+                <a:spcPts val="1200"/>
+              </a:spcAft>
+              <a:buFont typeface="Arial" panose="020B0604020202020204" pitchFamily="34" charset="0"/>
+              <a:buChar char="•"/>
+            </a:pPr>
+            <a:endParaRPr lang="en-SG" sz="1400" dirty="0"/>
+          </a:p>
+        </p:txBody>
+      </p:sp>
+      <p:sp>
+        <p:nvSpPr>
+          <p:cNvPr id="5" name="TextBox 4">
+            <a:extLst>
+              <a:ext uri="{FF2B5EF4-FFF2-40B4-BE49-F238E27FC236}">
+                <a16:creationId xmlns:a16="http://schemas.microsoft.com/office/drawing/2014/main" id="{8B9D6A90-AFC8-0509-26D4-99C3AA5E9A98}"/>
+              </a:ext>
+            </a:extLst>
+          </p:cNvPr>
+          <p:cNvSpPr txBox="1"/>
+          <p:nvPr/>
+        </p:nvSpPr>
+        <p:spPr>
+          <a:xfrm>
+            <a:off x="83381" y="1186771"/>
+            <a:ext cx="4259241" cy="2677656"/>
+          </a:xfrm>
+          <a:prstGeom prst="rect">
+            <a:avLst/>
+          </a:prstGeom>
+          <a:noFill/>
+        </p:spPr>
+        <p:txBody>
+          <a:bodyPr wrap="square" rtlCol="0">
+            <a:spAutoFit/>
+          </a:bodyPr>
+          <a:lstStyle/>
+          <a:p>
+            <a:pPr marL="285750" indent="-285750">
+              <a:buFont typeface="Arial" panose="020B0604020202020204" pitchFamily="34" charset="0"/>
+              <a:buChar char="•"/>
+            </a:pPr>
+            <a:r>
+              <a:rPr lang="en-US" dirty="0"/>
+              <a:t>Done using TRAIN SET to check validity of hyperparameters.</a:t>
+            </a:r>
+          </a:p>
+          <a:p>
+            <a:pPr marL="285750" indent="-285750">
+              <a:buFont typeface="Arial" panose="020B0604020202020204" pitchFamily="34" charset="0"/>
+              <a:buChar char="•"/>
+            </a:pPr>
+            <a:r>
+              <a:rPr lang="en-US" dirty="0"/>
+              <a:t>Plot VC to visualize model performance over a range of hyperparameters.</a:t>
+            </a:r>
+          </a:p>
+          <a:p>
+            <a:pPr marL="285750" indent="-285750">
+              <a:buFont typeface="Arial" panose="020B0604020202020204" pitchFamily="34" charset="0"/>
+              <a:buChar char="•"/>
+            </a:pPr>
+            <a:r>
+              <a:rPr lang="en-US" dirty="0" err="1"/>
+              <a:t>Visualise</a:t>
+            </a:r>
+            <a:r>
+              <a:rPr lang="en-US" dirty="0"/>
               <a:t> </a:t>
             </a:r>
             <a:r>
-              <a:rPr lang="en-US" sz="1400" dirty="0"/>
-              <a:t>to prevent the model from being too complex</a:t>
-            </a:r>
-          </a:p>
-          <a:p>
-            <a:pPr marL="285750" lvl="0" indent="-285750" algn="l" rtl="0">
-              <a:spcBef>
-                <a:spcPts val="0"/>
-              </a:spcBef>
-              <a:spcAft>
-                <a:spcPts val="1200"/>
-              </a:spcAft>
-              <a:buFont typeface="Arial" panose="020B0604020202020204" pitchFamily="34" charset="0"/>
-              <a:buChar char="•"/>
-            </a:pPr>
-            <a:r>
-              <a:rPr lang="en-US" sz="1400" dirty="0"/>
-              <a:t>I made sure to carefully pick the number of </a:t>
-            </a:r>
-            <a:r>
-              <a:rPr lang="en-US" sz="1400" dirty="0" err="1"/>
+              <a:rPr lang="en-US" dirty="0" err="1"/>
               <a:t>n_estimators</a:t>
             </a:r>
             <a:r>
-              <a:rPr lang="en-US" sz="1400" dirty="0"/>
-              <a:t>, as generally too many will lead to diminishing returns which we want to avoid.</a:t>
-            </a:r>
-          </a:p>
-          <a:p>
-            <a:pPr marL="285750" lvl="0" indent="-285750" algn="l" rtl="0">
-              <a:spcBef>
-                <a:spcPts val="0"/>
-              </a:spcBef>
-              <a:spcAft>
-                <a:spcPts val="1200"/>
-              </a:spcAft>
-              <a:buFont typeface="Arial" panose="020B0604020202020204" pitchFamily="34" charset="0"/>
-              <a:buChar char="•"/>
-            </a:pPr>
-            <a:r>
-              <a:rPr lang="en-US" sz="1400" dirty="0" err="1"/>
-              <a:t>Max_depth</a:t>
-            </a:r>
-            <a:r>
-              <a:rPr lang="en-US" sz="1400" dirty="0"/>
-              <a:t> parameter is also tuned to reduce the overfitting risk.</a:t>
-            </a:r>
-          </a:p>
-          <a:p>
-            <a:pPr marL="285750" lvl="0" indent="-285750" algn="l" rtl="0">
-              <a:spcBef>
-                <a:spcPts val="0"/>
-              </a:spcBef>
-              <a:spcAft>
-                <a:spcPts val="1200"/>
-              </a:spcAft>
-              <a:buFont typeface="Arial" panose="020B0604020202020204" pitchFamily="34" charset="0"/>
-              <a:buChar char="•"/>
-            </a:pPr>
-            <a:r>
-              <a:rPr lang="en-US" sz="1400" dirty="0"/>
-              <a:t>Gini and entropy criterion also included.</a:t>
-            </a:r>
-          </a:p>
-          <a:p>
-            <a:pPr marL="285750" lvl="0" indent="-285750" algn="l" rtl="0">
-              <a:spcBef>
-                <a:spcPts val="0"/>
-              </a:spcBef>
-              <a:spcAft>
-                <a:spcPts val="1200"/>
-              </a:spcAft>
-              <a:buFont typeface="Arial" panose="020B0604020202020204" pitchFamily="34" charset="0"/>
-              <a:buChar char="•"/>
-            </a:pPr>
-            <a:r>
-              <a:rPr lang="en-US" sz="1400" dirty="0"/>
-              <a:t>Bootstrap is also set to false, due to an imbalanced dataset. Setting to true may result in samples not containing the minority class, severely limiting model ability to predict for minority class.</a:t>
-            </a:r>
-          </a:p>
-          <a:p>
-            <a:pPr marL="285750" lvl="0" indent="-285750" algn="l" rtl="0">
-              <a:spcBef>
-                <a:spcPts val="0"/>
-              </a:spcBef>
-              <a:spcAft>
-                <a:spcPts val="1200"/>
-              </a:spcAft>
-              <a:buFont typeface="Arial" panose="020B0604020202020204" pitchFamily="34" charset="0"/>
-              <a:buChar char="•"/>
-            </a:pPr>
-            <a:endParaRPr lang="en-US" sz="1400" dirty="0"/>
-          </a:p>
-          <a:p>
-            <a:pPr marL="285750" lvl="0" indent="-285750" algn="l" rtl="0">
-              <a:spcBef>
-                <a:spcPts val="0"/>
-              </a:spcBef>
-              <a:spcAft>
-                <a:spcPts val="1200"/>
-              </a:spcAft>
-              <a:buFont typeface="Arial" panose="020B0604020202020204" pitchFamily="34" charset="0"/>
-              <a:buChar char="•"/>
-            </a:pPr>
-            <a:endParaRPr lang="en-US" sz="1400" dirty="0"/>
-          </a:p>
-          <a:p>
-            <a:pPr marL="285750" lvl="0" indent="-285750" algn="l" rtl="0">
-              <a:spcBef>
-                <a:spcPts val="0"/>
-              </a:spcBef>
-              <a:spcAft>
-                <a:spcPts val="1200"/>
-              </a:spcAft>
-              <a:buFont typeface="Arial" panose="020B0604020202020204" pitchFamily="34" charset="0"/>
-              <a:buChar char="•"/>
-            </a:pPr>
-            <a:endParaRPr lang="en-US" sz="1400" dirty="0"/>
-          </a:p>
-          <a:p>
-            <a:pPr marL="285750" lvl="0" indent="-285750" algn="l" rtl="0">
-              <a:spcBef>
-                <a:spcPts val="0"/>
-              </a:spcBef>
-              <a:spcAft>
-                <a:spcPts val="1200"/>
-              </a:spcAft>
-              <a:buFont typeface="Arial" panose="020B0604020202020204" pitchFamily="34" charset="0"/>
-              <a:buChar char="•"/>
-            </a:pPr>
-            <a:endParaRPr lang="en-US" sz="1400" dirty="0"/>
-          </a:p>
-          <a:p>
-            <a:pPr marL="285750" lvl="0" indent="-285750" algn="l" rtl="0">
-              <a:spcBef>
-                <a:spcPts val="0"/>
-              </a:spcBef>
-              <a:spcAft>
-                <a:spcPts val="1200"/>
-              </a:spcAft>
-              <a:buFont typeface="Arial" panose="020B0604020202020204" pitchFamily="34" charset="0"/>
-              <a:buChar char="•"/>
-            </a:pPr>
-            <a:endParaRPr lang="en-SG" sz="1400" dirty="0"/>
+              <a:rPr lang="en-US" dirty="0"/>
+              <a:t> and </a:t>
+            </a:r>
+            <a:r>
+              <a:rPr lang="en-US" dirty="0" err="1"/>
+              <a:t>max_depth</a:t>
+            </a:r>
+            <a:endParaRPr lang="en-US" dirty="0"/>
+          </a:p>
+          <a:p>
+            <a:pPr marL="285750" indent="-285750">
+              <a:buFont typeface="Arial" panose="020B0604020202020204" pitchFamily="34" charset="0"/>
+              <a:buChar char="•"/>
+            </a:pPr>
+            <a:r>
+              <a:rPr lang="en-US" dirty="0"/>
+              <a:t>Can increase max depth a little more, too much may result in overfitting.</a:t>
+            </a:r>
+          </a:p>
+          <a:p>
+            <a:pPr marL="285750" indent="-285750">
+              <a:buFont typeface="Arial" panose="020B0604020202020204" pitchFamily="34" charset="0"/>
+              <a:buChar char="•"/>
+            </a:pPr>
+            <a:r>
+              <a:rPr lang="en-US" dirty="0"/>
+              <a:t>Proper tuning of max depth needed to balance bias and variance.</a:t>
+            </a:r>
+          </a:p>
+          <a:p>
+            <a:pPr marL="285750" indent="-285750">
+              <a:buFont typeface="Arial" panose="020B0604020202020204" pitchFamily="34" charset="0"/>
+              <a:buChar char="•"/>
+            </a:pPr>
+            <a:r>
+              <a:rPr lang="en-US" dirty="0"/>
+              <a:t>Can further reduce </a:t>
+            </a:r>
+            <a:r>
+              <a:rPr lang="en-US" dirty="0" err="1"/>
+              <a:t>n_estimators</a:t>
+            </a:r>
+            <a:r>
+              <a:rPr lang="en-US" dirty="0"/>
+              <a:t> to simplify model</a:t>
+            </a:r>
+          </a:p>
+          <a:p>
+            <a:pPr marL="285750" indent="-285750">
+              <a:buFont typeface="Arial" panose="020B0604020202020204" pitchFamily="34" charset="0"/>
+              <a:buChar char="•"/>
+            </a:pPr>
+            <a:endParaRPr lang="en-SG" dirty="0"/>
           </a:p>
         </p:txBody>
       </p:sp>
       <p:pic>
         <p:nvPicPr>
-          <p:cNvPr id="6" name="Picture 5">
+          <p:cNvPr id="3" name="Picture 2">
             <a:extLst>
               <a:ext uri="{FF2B5EF4-FFF2-40B4-BE49-F238E27FC236}">
-                <a16:creationId xmlns:a16="http://schemas.microsoft.com/office/drawing/2014/main" id="{FB5FCDC8-1353-9E54-A833-D2A6507136C1}"/>
+                <a16:creationId xmlns:a16="http://schemas.microsoft.com/office/drawing/2014/main" id="{50E87A22-37A7-FCEF-67B2-42F814B8F9D1}"/>
               </a:ext>
             </a:extLst>
           </p:cNvPr>
@@ -9695,8 +10128,38 @@
         </p:blipFill>
         <p:spPr>
           <a:xfrm>
-            <a:off x="4472109" y="1576668"/>
-            <a:ext cx="4671892" cy="1684752"/>
+            <a:off x="4342622" y="1096928"/>
+            <a:ext cx="4634616" cy="2103116"/>
+          </a:xfrm>
+          <a:prstGeom prst="rect">
+            <a:avLst/>
+          </a:prstGeom>
+        </p:spPr>
+      </p:pic>
+      <p:pic>
+        <p:nvPicPr>
+          <p:cNvPr id="8" name="Picture 7">
+            <a:extLst>
+              <a:ext uri="{FF2B5EF4-FFF2-40B4-BE49-F238E27FC236}">
+                <a16:creationId xmlns:a16="http://schemas.microsoft.com/office/drawing/2014/main" id="{915B059C-CE50-56B0-F51F-80483C418F69}"/>
+              </a:ext>
+            </a:extLst>
+          </p:cNvPr>
+          <p:cNvPicPr>
+            <a:picLocks noChangeAspect="1"/>
+          </p:cNvPicPr>
+          <p:nvPr/>
+        </p:nvPicPr>
+        <p:blipFill>
+          <a:blip r:embed="rId4"/>
+          <a:stretch>
+            <a:fillRect/>
+          </a:stretch>
+        </p:blipFill>
+        <p:spPr>
+          <a:xfrm>
+            <a:off x="83381" y="3649649"/>
+            <a:ext cx="9144000" cy="1493851"/>
           </a:xfrm>
           <a:prstGeom prst="rect">
             <a:avLst/>
@@ -9706,7 +10169,7 @@
     </p:spTree>
     <p:extLst>
       <p:ext uri="{BB962C8B-B14F-4D97-AF65-F5344CB8AC3E}">
-        <p14:creationId xmlns:p14="http://schemas.microsoft.com/office/powerpoint/2010/main" val="1061735065"/>
+        <p14:creationId xmlns:p14="http://schemas.microsoft.com/office/powerpoint/2010/main" val="953080071"/>
       </p:ext>
     </p:extLst>
   </p:cSld>
@@ -9745,7 +10208,7 @@
         </p:nvSpPr>
         <p:spPr>
           <a:xfrm>
-            <a:off x="713224" y="1655500"/>
+            <a:off x="713224" y="1494135"/>
             <a:ext cx="7627034" cy="2379900"/>
           </a:xfrm>
           <a:prstGeom prst="rect">
@@ -9929,7 +10392,7 @@
             </a:pPr>
             <a:r>
               <a:rPr lang="en-SG" dirty="0"/>
-              <a:t>Model Improvement (Threshold Tuning)</a:t>
+              <a:t>Model Improvement (Hyperparameter tuning)</a:t>
             </a:r>
             <a:endParaRPr dirty="0"/>
           </a:p>
@@ -9947,8 +10410,8 @@
         </p:nvSpPr>
         <p:spPr>
           <a:xfrm>
-            <a:off x="136026" y="2873828"/>
-            <a:ext cx="7486535" cy="1435032"/>
+            <a:off x="166763" y="961945"/>
+            <a:ext cx="4305346" cy="3410270"/>
           </a:xfrm>
           <a:prstGeom prst="rect">
             <a:avLst/>
@@ -9972,47 +10435,11 @@
             </a:pPr>
             <a:r>
               <a:rPr lang="en-US" sz="1400" dirty="0"/>
-              <a:t>Since our dataset is imbalanced, the original threshold may not work well, we will attempt to select the optimal threshold value.</a:t>
-            </a:r>
-          </a:p>
-          <a:p>
-            <a:pPr marL="285750" lvl="0" indent="-285750" algn="l" rtl="0">
-              <a:spcBef>
-                <a:spcPts val="0"/>
-              </a:spcBef>
-              <a:spcAft>
-                <a:spcPts val="1200"/>
-              </a:spcAft>
-              <a:buFont typeface="Arial" panose="020B0604020202020204" pitchFamily="34" charset="0"/>
-              <a:buChar char="•"/>
-            </a:pPr>
-            <a:r>
-              <a:rPr lang="en-US" sz="1400" dirty="0"/>
-              <a:t>Perform </a:t>
-            </a:r>
-            <a:r>
-              <a:rPr lang="en-US" sz="1400" dirty="0" err="1"/>
-              <a:t>stratifiedKfold</a:t>
-            </a:r>
-            <a:r>
-              <a:rPr lang="en-US" sz="1400" dirty="0"/>
-              <a:t> CV to select optimal threshold.</a:t>
-            </a:r>
-          </a:p>
-          <a:p>
-            <a:pPr marL="285750" lvl="0" indent="-285750" algn="l" rtl="0">
-              <a:spcBef>
-                <a:spcPts val="0"/>
-              </a:spcBef>
-              <a:spcAft>
-                <a:spcPts val="1200"/>
-              </a:spcAft>
-              <a:buFont typeface="Arial" panose="020B0604020202020204" pitchFamily="34" charset="0"/>
-              <a:buChar char="•"/>
-            </a:pPr>
+              <a:t>Tuning the hyperparameters of the model through </a:t>
+            </a:r>
             <a:r>
               <a:rPr lang="en-US" sz="1400" b="1" dirty="0" err="1"/>
-              <a:t>Predict_proba</a:t>
+              <a:t>GridSearchCV</a:t>
             </a:r>
             <a:r>
               <a:rPr lang="en-US" sz="1400" b="1" dirty="0"/>
@@ -10020,7 +10447,7 @@
             </a:r>
             <a:r>
               <a:rPr lang="en-US" sz="1400" dirty="0"/>
-              <a:t>to get probabilities of prediction</a:t>
+              <a:t>to prevent the model from being too complex</a:t>
             </a:r>
           </a:p>
           <a:p>
@@ -10036,7 +10463,15 @@
             </a:pPr>
             <a:r>
               <a:rPr lang="en-US" sz="1400" dirty="0"/>
-              <a:t>Through this, we have discovered that the optimal threshold is 0.45.</a:t>
+              <a:t>I made sure to carefully pick the number of </a:t>
+            </a:r>
+            <a:r>
+              <a:rPr lang="en-US" sz="1400" dirty="0" err="1"/>
+              <a:t>n_estimators</a:t>
+            </a:r>
+            <a:r>
+              <a:rPr lang="en-US" sz="1400" dirty="0"/>
+              <a:t>, as generally too many will lead to diminishing returns which we want to avoid.</a:t>
             </a:r>
           </a:p>
           <a:p>
@@ -10050,7 +10485,64 @@
               <a:buFont typeface="Arial" panose="020B0604020202020204" pitchFamily="34" charset="0"/>
               <a:buChar char="•"/>
             </a:pPr>
-            <a:endParaRPr lang="en-US" sz="1400" b="1" dirty="0"/>
+            <a:r>
+              <a:rPr lang="en-US" sz="1400" dirty="0" err="1"/>
+              <a:t>Max_depth</a:t>
+            </a:r>
+            <a:r>
+              <a:rPr lang="en-US" sz="1400" dirty="0"/>
+              <a:t> parameter is also tuned to reduce </a:t>
+            </a:r>
+            <a:r>
+              <a:rPr lang="en-US" sz="1400"/>
+              <a:t>the overfitting.</a:t>
+            </a:r>
+            <a:endParaRPr lang="en-US" sz="1400" dirty="0"/>
+          </a:p>
+          <a:p>
+            <a:pPr marL="285750" lvl="0" indent="-285750" algn="l" rtl="0">
+              <a:spcBef>
+                <a:spcPts val="0"/>
+              </a:spcBef>
+              <a:spcAft>
+                <a:spcPts val="1200"/>
+              </a:spcAft>
+              <a:buFont typeface="Arial" panose="020B0604020202020204" pitchFamily="34" charset="0"/>
+              <a:buChar char="•"/>
+            </a:pPr>
+            <a:r>
+              <a:rPr lang="en-US" sz="1400" dirty="0"/>
+              <a:t>Gini and entropy criterion also included.</a:t>
+            </a:r>
+          </a:p>
+          <a:p>
+            <a:pPr marL="285750" lvl="0" indent="-285750" algn="l" rtl="0">
+              <a:spcBef>
+                <a:spcPts val="0"/>
+              </a:spcBef>
+              <a:spcAft>
+                <a:spcPts val="1200"/>
+              </a:spcAft>
+              <a:buFont typeface="Arial" panose="020B0604020202020204" pitchFamily="34" charset="0"/>
+              <a:buChar char="•"/>
+            </a:pPr>
+            <a:r>
+              <a:rPr lang="en-US" sz="1400" dirty="0"/>
+              <a:t>Bootstrap is also set to false, due to an imbalanced dataset. Setting to true may result in samples not containing the minority class, severely limiting model ability to predict for minority class.</a:t>
+            </a:r>
+          </a:p>
+          <a:p>
+            <a:pPr marL="285750" lvl="0" indent="-285750" algn="l" rtl="0">
+              <a:spcBef>
+                <a:spcPts val="0"/>
+              </a:spcBef>
+              <a:spcAft>
+                <a:spcPts val="1200"/>
+              </a:spcAft>
+              <a:buFont typeface="Arial" panose="020B0604020202020204" pitchFamily="34" charset="0"/>
+              <a:buChar char="•"/>
+            </a:pPr>
+            <a:endParaRPr lang="en-US" sz="1400" dirty="0"/>
           </a:p>
           <a:p>
             <a:pPr marL="285750" lvl="0" indent="-285750" algn="l" rtl="0">
@@ -10108,10 +10600,10 @@
       </p:sp>
       <p:pic>
         <p:nvPicPr>
-          <p:cNvPr id="3" name="Picture 2">
+          <p:cNvPr id="6" name="Picture 5">
             <a:extLst>
               <a:ext uri="{FF2B5EF4-FFF2-40B4-BE49-F238E27FC236}">
-                <a16:creationId xmlns:a16="http://schemas.microsoft.com/office/drawing/2014/main" id="{7D6A094C-7624-29D1-F587-2FACA9204909}"/>
+                <a16:creationId xmlns:a16="http://schemas.microsoft.com/office/drawing/2014/main" id="{FB5FCDC8-1353-9E54-A833-D2A6507136C1}"/>
               </a:ext>
             </a:extLst>
           </p:cNvPr>
@@ -10128,8 +10620,8 @@
         </p:blipFill>
         <p:spPr>
           <a:xfrm>
-            <a:off x="983556" y="1000036"/>
-            <a:ext cx="6639005" cy="1804636"/>
+            <a:off x="4472109" y="1576668"/>
+            <a:ext cx="4671892" cy="1684752"/>
           </a:xfrm>
           <a:prstGeom prst="rect">
             <a:avLst/>
@@ -10139,7 +10631,7 @@
     </p:spTree>
     <p:extLst>
       <p:ext uri="{BB962C8B-B14F-4D97-AF65-F5344CB8AC3E}">
-        <p14:creationId xmlns:p14="http://schemas.microsoft.com/office/powerpoint/2010/main" val="2892457635"/>
+        <p14:creationId xmlns:p14="http://schemas.microsoft.com/office/powerpoint/2010/main" val="1061735065"/>
       </p:ext>
     </p:extLst>
   </p:cSld>
@@ -10178,7 +10670,7 @@
         </p:nvSpPr>
         <p:spPr>
           <a:xfrm>
-            <a:off x="166762" y="267272"/>
+            <a:off x="166762" y="350938"/>
             <a:ext cx="8977238" cy="432833"/>
           </a:xfrm>
           <a:prstGeom prst="rect">
@@ -10201,10 +10693,10 @@
               <a:buNone/>
             </a:pPr>
             <a:r>
-              <a:rPr lang="en-US" sz="2500" dirty="0"/>
-              <a:t>Random Forest Classifier Evaluation</a:t>
-            </a:r>
-            <a:endParaRPr sz="2500" dirty="0"/>
+              <a:rPr lang="en-SG" dirty="0"/>
+              <a:t>Model Improvement (Threshold Tuning)</a:t>
+            </a:r>
+            <a:endParaRPr dirty="0"/>
           </a:p>
         </p:txBody>
       </p:sp>
@@ -10220,8 +10712,8 @@
         </p:nvSpPr>
         <p:spPr>
           <a:xfrm>
-            <a:off x="136026" y="2873828"/>
-            <a:ext cx="7486535" cy="1435032"/>
+            <a:off x="97605" y="2659754"/>
+            <a:ext cx="9046395" cy="1435032"/>
           </a:xfrm>
           <a:prstGeom prst="rect">
             <a:avLst/>
@@ -10243,6 +10735,102 @@
               <a:buFont typeface="Arial" panose="020B0604020202020204" pitchFamily="34" charset="0"/>
               <a:buChar char="•"/>
             </a:pPr>
+            <a:r>
+              <a:rPr lang="en-US" sz="1400" dirty="0"/>
+              <a:t>Since our dataset is imbalanced, the original threshold may not work well, we will attempt to select the optimal threshold value.</a:t>
+            </a:r>
+          </a:p>
+          <a:p>
+            <a:pPr marL="285750" lvl="0" indent="-285750" algn="l" rtl="0">
+              <a:spcBef>
+                <a:spcPts val="0"/>
+              </a:spcBef>
+              <a:spcAft>
+                <a:spcPts val="1200"/>
+              </a:spcAft>
+              <a:buFont typeface="Arial" panose="020B0604020202020204" pitchFamily="34" charset="0"/>
+              <a:buChar char="•"/>
+            </a:pPr>
+            <a:r>
+              <a:rPr lang="en-US" sz="1400" dirty="0"/>
+              <a:t>Perform </a:t>
+            </a:r>
+            <a:r>
+              <a:rPr lang="en-US" sz="1400" dirty="0" err="1"/>
+              <a:t>stratifiedKfold</a:t>
+            </a:r>
+            <a:r>
+              <a:rPr lang="en-US" sz="1400" dirty="0"/>
+              <a:t> CV to select optimal threshold.</a:t>
+            </a:r>
+          </a:p>
+          <a:p>
+            <a:pPr marL="285750" lvl="0" indent="-285750" algn="l" rtl="0">
+              <a:spcBef>
+                <a:spcPts val="0"/>
+              </a:spcBef>
+              <a:spcAft>
+                <a:spcPts val="1200"/>
+              </a:spcAft>
+              <a:buFont typeface="Arial" panose="020B0604020202020204" pitchFamily="34" charset="0"/>
+              <a:buChar char="•"/>
+            </a:pPr>
+            <a:r>
+              <a:rPr lang="en-US" sz="1400" b="1" dirty="0" err="1"/>
+              <a:t>Predict_proba</a:t>
+            </a:r>
+            <a:r>
+              <a:rPr lang="en-US" sz="1400" b="1" dirty="0"/>
+              <a:t> </a:t>
+            </a:r>
+            <a:r>
+              <a:rPr lang="en-US" sz="1400" dirty="0"/>
+              <a:t>to get probabilities of prediction</a:t>
+            </a:r>
+          </a:p>
+          <a:p>
+            <a:pPr marL="285750" lvl="0" indent="-285750" algn="l" rtl="0">
+              <a:spcBef>
+                <a:spcPts val="0"/>
+              </a:spcBef>
+              <a:spcAft>
+                <a:spcPts val="1200"/>
+              </a:spcAft>
+              <a:buFont typeface="Arial" panose="020B0604020202020204" pitchFamily="34" charset="0"/>
+              <a:buChar char="•"/>
+            </a:pPr>
+            <a:r>
+              <a:rPr lang="en-US" sz="1400" dirty="0"/>
+              <a:t>Through this, we have discovered that the optimal threshold is 0.45. (small score improvement)</a:t>
+            </a:r>
+          </a:p>
+          <a:p>
+            <a:pPr marL="285750" lvl="0" indent="-285750" algn="l" rtl="0">
+              <a:spcBef>
+                <a:spcPts val="0"/>
+              </a:spcBef>
+              <a:spcAft>
+                <a:spcPts val="1200"/>
+              </a:spcAft>
+              <a:buFont typeface="Arial" panose="020B0604020202020204" pitchFamily="34" charset="0"/>
+              <a:buChar char="•"/>
+            </a:pPr>
+            <a:r>
+              <a:rPr lang="en-US" sz="1400" dirty="0"/>
+              <a:t>Further reducing the threshold may limit model to generalize to new instances (especially majority class), as the probability decreases.</a:t>
+            </a:r>
+          </a:p>
+          <a:p>
+            <a:pPr marL="285750" lvl="0" indent="-285750" algn="l" rtl="0">
+              <a:spcBef>
+                <a:spcPts val="0"/>
+              </a:spcBef>
+              <a:spcAft>
+                <a:spcPts val="1200"/>
+              </a:spcAft>
+              <a:buFont typeface="Arial" panose="020B0604020202020204" pitchFamily="34" charset="0"/>
+              <a:buChar char="•"/>
+            </a:pPr>
             <a:endParaRPr lang="en-US" sz="1400" b="1" dirty="0"/>
           </a:p>
           <a:p>
@@ -10296,95 +10884,6 @@
               <a:buChar char="•"/>
             </a:pPr>
             <a:endParaRPr lang="en-SG" sz="1400" dirty="0"/>
-          </a:p>
-        </p:txBody>
-      </p:sp>
-      <p:sp>
-        <p:nvSpPr>
-          <p:cNvPr id="7" name="TextBox 6">
-            <a:extLst>
-              <a:ext uri="{FF2B5EF4-FFF2-40B4-BE49-F238E27FC236}">
-                <a16:creationId xmlns:a16="http://schemas.microsoft.com/office/drawing/2014/main" id="{0786F375-69C3-0BDA-7620-9D3BE0790A97}"/>
-              </a:ext>
-            </a:extLst>
-          </p:cNvPr>
-          <p:cNvSpPr txBox="1"/>
-          <p:nvPr/>
-        </p:nvSpPr>
-        <p:spPr>
-          <a:xfrm>
-            <a:off x="-67733" y="545543"/>
-            <a:ext cx="5296812" cy="2677656"/>
-          </a:xfrm>
-          <a:prstGeom prst="rect">
-            <a:avLst/>
-          </a:prstGeom>
-          <a:noFill/>
-        </p:spPr>
-        <p:txBody>
-          <a:bodyPr wrap="square" rtlCol="0">
-            <a:spAutoFit/>
-          </a:bodyPr>
-          <a:lstStyle/>
-          <a:p>
-            <a:pPr marL="285750" indent="-285750">
-              <a:buFont typeface="Arial" panose="020B0604020202020204" pitchFamily="34" charset="0"/>
-              <a:buChar char="•"/>
-            </a:pPr>
-            <a:r>
-              <a:rPr lang="en-US" dirty="0"/>
-              <a:t>Using an independent unseen test set, to evaluate the final classification model.</a:t>
-            </a:r>
-          </a:p>
-          <a:p>
-            <a:pPr marL="285750" indent="-285750">
-              <a:buFont typeface="Arial" panose="020B0604020202020204" pitchFamily="34" charset="0"/>
-              <a:buChar char="•"/>
-            </a:pPr>
-            <a:r>
-              <a:rPr lang="en-US" dirty="0"/>
-              <a:t>Use of newly selected threshold of 0.45</a:t>
-            </a:r>
-          </a:p>
-          <a:p>
-            <a:pPr marL="285750" indent="-285750">
-              <a:buFont typeface="Arial" panose="020B0604020202020204" pitchFamily="34" charset="0"/>
-              <a:buChar char="•"/>
-            </a:pPr>
-            <a:r>
-              <a:rPr lang="en-US" dirty="0"/>
-              <a:t>Both confusion matrix and classification report helps us to have a deeper understanding of how the model performs.</a:t>
-            </a:r>
-          </a:p>
-          <a:p>
-            <a:pPr marL="285750" indent="-285750">
-              <a:buFont typeface="Arial" panose="020B0604020202020204" pitchFamily="34" charset="0"/>
-              <a:buChar char="•"/>
-            </a:pPr>
-            <a:r>
-              <a:rPr lang="en-US" dirty="0"/>
-              <a:t>Confusion matrix – Tells us the correct and incorrect classifications.</a:t>
-            </a:r>
-          </a:p>
-          <a:p>
-            <a:pPr marL="285750" indent="-285750">
-              <a:buFont typeface="Arial" panose="020B0604020202020204" pitchFamily="34" charset="0"/>
-              <a:buChar char="•"/>
-            </a:pPr>
-            <a:r>
-              <a:rPr lang="en-US" dirty="0"/>
-              <a:t>Values on diagonal represents no. of times where predicted label matches true label, Values in other cells indicate instances where model misclassified observations</a:t>
-            </a:r>
-          </a:p>
-          <a:p>
-            <a:pPr marL="285750" indent="-285750">
-              <a:buFont typeface="Arial" panose="020B0604020202020204" pitchFamily="34" charset="0"/>
-              <a:buChar char="•"/>
-            </a:pPr>
-            <a:r>
-              <a:rPr lang="en-US" dirty="0"/>
-              <a:t>For errors, the model predicts machine of failure status, but actually the machine is normal. ( 5 FP)</a:t>
-            </a:r>
           </a:p>
         </p:txBody>
       </p:sp>
@@ -10393,7 +10892,7 @@
           <p:cNvPr id="3" name="Picture 2">
             <a:extLst>
               <a:ext uri="{FF2B5EF4-FFF2-40B4-BE49-F238E27FC236}">
-                <a16:creationId xmlns:a16="http://schemas.microsoft.com/office/drawing/2014/main" id="{11671745-31F2-10FE-79B0-545FC130CAAB}"/>
+                <a16:creationId xmlns:a16="http://schemas.microsoft.com/office/drawing/2014/main" id="{7D6A094C-7624-29D1-F587-2FACA9204909}"/>
               </a:ext>
             </a:extLst>
           </p:cNvPr>
@@ -10410,182 +10909,18 @@
         </p:blipFill>
         <p:spPr>
           <a:xfrm>
-            <a:off x="5463574" y="-230458"/>
-            <a:ext cx="3738442" cy="2976603"/>
+            <a:off x="983556" y="843783"/>
+            <a:ext cx="6639005" cy="1804636"/>
           </a:xfrm>
           <a:prstGeom prst="rect">
             <a:avLst/>
           </a:prstGeom>
         </p:spPr>
       </p:pic>
-      <p:pic>
-        <p:nvPicPr>
-          <p:cNvPr id="8" name="Picture 7">
-            <a:extLst>
-              <a:ext uri="{FF2B5EF4-FFF2-40B4-BE49-F238E27FC236}">
-                <a16:creationId xmlns:a16="http://schemas.microsoft.com/office/drawing/2014/main" id="{D51B6585-2B28-9F73-1231-139F4A8B5CA2}"/>
-              </a:ext>
-            </a:extLst>
-          </p:cNvPr>
-          <p:cNvPicPr>
-            <a:picLocks noChangeAspect="1"/>
-          </p:cNvPicPr>
-          <p:nvPr/>
-        </p:nvPicPr>
-        <p:blipFill>
-          <a:blip r:embed="rId4"/>
-          <a:stretch>
-            <a:fillRect/>
-          </a:stretch>
-        </p:blipFill>
-        <p:spPr>
-          <a:xfrm>
-            <a:off x="5521590" y="2744647"/>
-            <a:ext cx="3680426" cy="2397355"/>
-          </a:xfrm>
-          <a:prstGeom prst="rect">
-            <a:avLst/>
-          </a:prstGeom>
-        </p:spPr>
-      </p:pic>
-      <p:pic>
-        <p:nvPicPr>
-          <p:cNvPr id="10" name="Picture 9">
-            <a:extLst>
-              <a:ext uri="{FF2B5EF4-FFF2-40B4-BE49-F238E27FC236}">
-                <a16:creationId xmlns:a16="http://schemas.microsoft.com/office/drawing/2014/main" id="{F6F4D97F-795F-686E-4385-1DE34E43754F}"/>
-              </a:ext>
-            </a:extLst>
-          </p:cNvPr>
-          <p:cNvPicPr>
-            <a:picLocks noChangeAspect="1"/>
-          </p:cNvPicPr>
-          <p:nvPr/>
-        </p:nvPicPr>
-        <p:blipFill>
-          <a:blip r:embed="rId5"/>
-          <a:stretch>
-            <a:fillRect/>
-          </a:stretch>
-        </p:blipFill>
-        <p:spPr>
-          <a:xfrm>
-            <a:off x="3173506" y="3542339"/>
-            <a:ext cx="2290068" cy="1631921"/>
-          </a:xfrm>
-          <a:prstGeom prst="rect">
-            <a:avLst/>
-          </a:prstGeom>
-        </p:spPr>
-      </p:pic>
-      <p:sp>
-        <p:nvSpPr>
-          <p:cNvPr id="16" name="Oval 15">
-            <a:extLst>
-              <a:ext uri="{FF2B5EF4-FFF2-40B4-BE49-F238E27FC236}">
-                <a16:creationId xmlns:a16="http://schemas.microsoft.com/office/drawing/2014/main" id="{364CF881-340B-2938-FA21-25D1C241AEC8}"/>
-              </a:ext>
-            </a:extLst>
-          </p:cNvPr>
-          <p:cNvSpPr/>
-          <p:nvPr/>
-        </p:nvSpPr>
-        <p:spPr>
-          <a:xfrm>
-            <a:off x="3501801" y="4860549"/>
-            <a:ext cx="376518" cy="313711"/>
-          </a:xfrm>
-          <a:prstGeom prst="ellipse">
-            <a:avLst/>
-          </a:prstGeom>
-          <a:noFill/>
-          <a:ln>
-            <a:solidFill>
-              <a:schemeClr val="bg1"/>
-            </a:solidFill>
-          </a:ln>
-        </p:spPr>
-        <p:style>
-          <a:lnRef idx="2">
-            <a:schemeClr val="accent1">
-              <a:shade val="50000"/>
-            </a:schemeClr>
-          </a:lnRef>
-          <a:fillRef idx="1">
-            <a:schemeClr val="accent1"/>
-          </a:fillRef>
-          <a:effectRef idx="0">
-            <a:schemeClr val="accent1"/>
-          </a:effectRef>
-          <a:fontRef idx="minor">
-            <a:schemeClr val="lt1"/>
-          </a:fontRef>
-        </p:style>
-        <p:txBody>
-          <a:bodyPr rtlCol="0" anchor="ctr"/>
-          <a:lstStyle/>
-          <a:p>
-            <a:pPr algn="ctr"/>
-            <a:endParaRPr lang="en-SG"/>
-          </a:p>
-        </p:txBody>
-      </p:sp>
-      <p:sp>
-        <p:nvSpPr>
-          <p:cNvPr id="13" name="Oval 12">
-            <a:extLst>
-              <a:ext uri="{FF2B5EF4-FFF2-40B4-BE49-F238E27FC236}">
-                <a16:creationId xmlns:a16="http://schemas.microsoft.com/office/drawing/2014/main" id="{9503DDD4-37F1-B0E8-5036-54DC06B28412}"/>
-              </a:ext>
-            </a:extLst>
-          </p:cNvPr>
-          <p:cNvSpPr/>
-          <p:nvPr/>
-        </p:nvSpPr>
-        <p:spPr>
-          <a:xfrm>
-            <a:off x="4447117" y="4684183"/>
-            <a:ext cx="316984" cy="218230"/>
-          </a:xfrm>
-          <a:prstGeom prst="ellipse">
-            <a:avLst/>
-          </a:prstGeom>
-          <a:noFill/>
-          <a:ln>
-            <a:solidFill>
-              <a:schemeClr val="bg1"/>
-            </a:solidFill>
-          </a:ln>
-        </p:spPr>
-        <p:style>
-          <a:lnRef idx="2">
-            <a:schemeClr val="accent1">
-              <a:shade val="50000"/>
-            </a:schemeClr>
-          </a:lnRef>
-          <a:fillRef idx="1">
-            <a:schemeClr val="accent1"/>
-          </a:fillRef>
-          <a:effectRef idx="0">
-            <a:schemeClr val="accent1"/>
-          </a:effectRef>
-          <a:fontRef idx="minor">
-            <a:schemeClr val="lt1"/>
-          </a:fontRef>
-        </p:style>
-        <p:txBody>
-          <a:bodyPr rtlCol="0" anchor="ctr"/>
-          <a:lstStyle/>
-          <a:p>
-            <a:pPr algn="ctr"/>
-            <a:endParaRPr lang="en-SG"/>
-          </a:p>
-        </p:txBody>
-      </p:sp>
     </p:spTree>
     <p:extLst>
       <p:ext uri="{BB962C8B-B14F-4D97-AF65-F5344CB8AC3E}">
-        <p14:creationId xmlns:p14="http://schemas.microsoft.com/office/powerpoint/2010/main" val="3967193021"/>
+        <p14:creationId xmlns:p14="http://schemas.microsoft.com/office/powerpoint/2010/main" val="2892457635"/>
       </p:ext>
     </p:extLst>
   </p:cSld>
@@ -10648,7 +10983,7 @@
             </a:pPr>
             <a:r>
               <a:rPr lang="en-US" sz="2500" dirty="0"/>
-              <a:t>Random Forest Classifier Conclusion</a:t>
+              <a:t>Random Forest Classifier Evaluation</a:t>
             </a:r>
             <a:endParaRPr sz="2500" dirty="0"/>
           </a:p>
@@ -10759,8 +11094,8 @@
         </p:nvSpPr>
         <p:spPr>
           <a:xfrm>
-            <a:off x="224778" y="965288"/>
-            <a:ext cx="5296812" cy="1815882"/>
+            <a:off x="-67733" y="545543"/>
+            <a:ext cx="5296812" cy="2677656"/>
           </a:xfrm>
           <a:prstGeom prst="rect">
             <a:avLst/>
@@ -10779,7 +11114,7 @@
             </a:pPr>
             <a:r>
               <a:rPr lang="en-US" dirty="0"/>
-              <a:t>Managed to balance the Precision/recall trade off (excellent recall).</a:t>
+              <a:t>Using an independent unseen test set, to evaluate the final classification model.</a:t>
             </a:r>
           </a:p>
           <a:p>
@@ -10788,10 +11123,9 @@
               <a:buChar char="•"/>
             </a:pPr>
             <a:r>
-              <a:rPr lang="en-US"/>
-              <a:t>F2 score of 0.99</a:t>
-            </a:r>
-            <a:endParaRPr lang="en-US" dirty="0"/>
+              <a:rPr lang="en-US" dirty="0"/>
+              <a:t>Use of newly selected threshold of 0.45</a:t>
+            </a:r>
           </a:p>
           <a:p>
             <a:pPr marL="285750" indent="-285750">
@@ -10800,11 +11134,7 @@
             </a:pPr>
             <a:r>
               <a:rPr lang="en-US" dirty="0"/>
-              <a:t>Model is able to accurately </a:t>
-            </a:r>
-            <a:r>
-              <a:rPr lang="en-SG" dirty="0"/>
-              <a:t>Predict machines that fail and able to generalize well</a:t>
+              <a:t>Both confusion matrix and classification report helps us to have a deeper understanding of how the model performs.</a:t>
             </a:r>
           </a:p>
           <a:p>
@@ -10813,22 +11143,29 @@
               <a:buChar char="•"/>
             </a:pPr>
             <a:r>
-              <a:rPr lang="en-SG" dirty="0"/>
-              <a:t>Rest assured that model is NOT</a:t>
-            </a:r>
-          </a:p>
-          <a:p>
-            <a:r>
-              <a:rPr lang="en-SG" dirty="0"/>
-              <a:t>Finding shortcuts, (predicting every</a:t>
-            </a:r>
-          </a:p>
-          <a:p>
-            <a:r>
-              <a:rPr lang="en-SG" dirty="0"/>
-              <a:t>Thing as observations of majority class)</a:t>
-            </a:r>
-            <a:endParaRPr lang="en-US" dirty="0"/>
+              <a:rPr lang="en-US" dirty="0"/>
+              <a:t>Confusion matrix – Tells us the correct and incorrect classifications.</a:t>
+            </a:r>
+          </a:p>
+          <a:p>
+            <a:pPr marL="285750" indent="-285750">
+              <a:buFont typeface="Arial" panose="020B0604020202020204" pitchFamily="34" charset="0"/>
+              <a:buChar char="•"/>
+            </a:pPr>
+            <a:r>
+              <a:rPr lang="en-US" dirty="0"/>
+              <a:t>Values on diagonal represents no. of times where predicted label matches true label, Values in other cells indicate instances where model misclassified observations</a:t>
+            </a:r>
+          </a:p>
+          <a:p>
+            <a:pPr marL="285750" indent="-285750">
+              <a:buFont typeface="Arial" panose="020B0604020202020204" pitchFamily="34" charset="0"/>
+              <a:buChar char="•"/>
+            </a:pPr>
+            <a:r>
+              <a:rPr lang="en-US" dirty="0"/>
+              <a:t>For errors, the model predicts machine of failure status, but actually the machine is normal. ( 5 FP)</a:t>
+            </a:r>
           </a:p>
         </p:txBody>
       </p:sp>
@@ -11029,7 +11366,7 @@
     </p:spTree>
     <p:extLst>
       <p:ext uri="{BB962C8B-B14F-4D97-AF65-F5344CB8AC3E}">
-        <p14:creationId xmlns:p14="http://schemas.microsoft.com/office/powerpoint/2010/main" val="676690826"/>
+        <p14:creationId xmlns:p14="http://schemas.microsoft.com/office/powerpoint/2010/main" val="3967193021"/>
       </p:ext>
     </p:extLst>
   </p:cSld>
@@ -11068,7 +11405,7 @@
         </p:nvSpPr>
         <p:spPr>
           <a:xfrm>
-            <a:off x="166762" y="350938"/>
+            <a:off x="166762" y="267272"/>
             <a:ext cx="8977238" cy="432833"/>
           </a:xfrm>
           <a:prstGeom prst="rect">
@@ -11092,11 +11429,7 @@
             </a:pPr>
             <a:r>
               <a:rPr lang="en-US" sz="2500" dirty="0"/>
-              <a:t>Feature </a:t>
-            </a:r>
-            <a:r>
-              <a:rPr lang="en-US" sz="2500" dirty="0" err="1"/>
-              <a:t>importances</a:t>
+              <a:t>Random Forest Classifier Conclusion</a:t>
             </a:r>
             <a:endParaRPr sz="2500" dirty="0"/>
           </a:p>
@@ -11193,12 +11526,99 @@
           </a:p>
         </p:txBody>
       </p:sp>
+      <p:sp>
+        <p:nvSpPr>
+          <p:cNvPr id="7" name="TextBox 6">
+            <a:extLst>
+              <a:ext uri="{FF2B5EF4-FFF2-40B4-BE49-F238E27FC236}">
+                <a16:creationId xmlns:a16="http://schemas.microsoft.com/office/drawing/2014/main" id="{0786F375-69C3-0BDA-7620-9D3BE0790A97}"/>
+              </a:ext>
+            </a:extLst>
+          </p:cNvPr>
+          <p:cNvSpPr txBox="1"/>
+          <p:nvPr/>
+        </p:nvSpPr>
+        <p:spPr>
+          <a:xfrm>
+            <a:off x="224778" y="965288"/>
+            <a:ext cx="5296812" cy="1815882"/>
+          </a:xfrm>
+          <a:prstGeom prst="rect">
+            <a:avLst/>
+          </a:prstGeom>
+          <a:noFill/>
+        </p:spPr>
+        <p:txBody>
+          <a:bodyPr wrap="square" rtlCol="0">
+            <a:spAutoFit/>
+          </a:bodyPr>
+          <a:lstStyle/>
+          <a:p>
+            <a:pPr marL="285750" indent="-285750">
+              <a:buFont typeface="Arial" panose="020B0604020202020204" pitchFamily="34" charset="0"/>
+              <a:buChar char="•"/>
+            </a:pPr>
+            <a:r>
+              <a:rPr lang="en-US" dirty="0"/>
+              <a:t>Managed to balance the Precision/recall trade off (excellent recall).</a:t>
+            </a:r>
+          </a:p>
+          <a:p>
+            <a:pPr marL="285750" indent="-285750">
+              <a:buFont typeface="Arial" panose="020B0604020202020204" pitchFamily="34" charset="0"/>
+              <a:buChar char="•"/>
+            </a:pPr>
+            <a:r>
+              <a:rPr lang="en-US"/>
+              <a:t>F2 score of 0.99</a:t>
+            </a:r>
+            <a:endParaRPr lang="en-US" dirty="0"/>
+          </a:p>
+          <a:p>
+            <a:pPr marL="285750" indent="-285750">
+              <a:buFont typeface="Arial" panose="020B0604020202020204" pitchFamily="34" charset="0"/>
+              <a:buChar char="•"/>
+            </a:pPr>
+            <a:r>
+              <a:rPr lang="en-US" dirty="0"/>
+              <a:t>Model is able to accurately </a:t>
+            </a:r>
+            <a:r>
+              <a:rPr lang="en-SG" dirty="0"/>
+              <a:t>Predict machines that fail and able to generalize well</a:t>
+            </a:r>
+          </a:p>
+          <a:p>
+            <a:pPr marL="285750" indent="-285750">
+              <a:buFont typeface="Arial" panose="020B0604020202020204" pitchFamily="34" charset="0"/>
+              <a:buChar char="•"/>
+            </a:pPr>
+            <a:r>
+              <a:rPr lang="en-SG" dirty="0"/>
+              <a:t>Rest assured that model is NOT</a:t>
+            </a:r>
+          </a:p>
+          <a:p>
+            <a:r>
+              <a:rPr lang="en-SG" dirty="0"/>
+              <a:t>Finding shortcuts, (predicting every</a:t>
+            </a:r>
+          </a:p>
+          <a:p>
+            <a:r>
+              <a:rPr lang="en-SG" dirty="0"/>
+              <a:t>Thing as observations of majority class)</a:t>
+            </a:r>
+            <a:endParaRPr lang="en-US" dirty="0"/>
+          </a:p>
+        </p:txBody>
+      </p:sp>
       <p:pic>
         <p:nvPicPr>
           <p:cNvPr id="3" name="Picture 2">
             <a:extLst>
               <a:ext uri="{FF2B5EF4-FFF2-40B4-BE49-F238E27FC236}">
-                <a16:creationId xmlns:a16="http://schemas.microsoft.com/office/drawing/2014/main" id="{1E58AE90-9A78-48C2-C5FE-77FEA72C63A6}"/>
+                <a16:creationId xmlns:a16="http://schemas.microsoft.com/office/drawing/2014/main" id="{11671745-31F2-10FE-79B0-545FC130CAAB}"/>
               </a:ext>
             </a:extLst>
           </p:cNvPr>
@@ -11215,8 +11635,68 @@
         </p:blipFill>
         <p:spPr>
           <a:xfrm>
-            <a:off x="4022416" y="638811"/>
-            <a:ext cx="5152320" cy="3261721"/>
+            <a:off x="5463574" y="-230458"/>
+            <a:ext cx="3738442" cy="2976603"/>
+          </a:xfrm>
+          <a:prstGeom prst="rect">
+            <a:avLst/>
+          </a:prstGeom>
+        </p:spPr>
+      </p:pic>
+      <p:pic>
+        <p:nvPicPr>
+          <p:cNvPr id="8" name="Picture 7">
+            <a:extLst>
+              <a:ext uri="{FF2B5EF4-FFF2-40B4-BE49-F238E27FC236}">
+                <a16:creationId xmlns:a16="http://schemas.microsoft.com/office/drawing/2014/main" id="{D51B6585-2B28-9F73-1231-139F4A8B5CA2}"/>
+              </a:ext>
+            </a:extLst>
+          </p:cNvPr>
+          <p:cNvPicPr>
+            <a:picLocks noChangeAspect="1"/>
+          </p:cNvPicPr>
+          <p:nvPr/>
+        </p:nvPicPr>
+        <p:blipFill>
+          <a:blip r:embed="rId4"/>
+          <a:stretch>
+            <a:fillRect/>
+          </a:stretch>
+        </p:blipFill>
+        <p:spPr>
+          <a:xfrm>
+            <a:off x="5521590" y="2744647"/>
+            <a:ext cx="3680426" cy="2397355"/>
+          </a:xfrm>
+          <a:prstGeom prst="rect">
+            <a:avLst/>
+          </a:prstGeom>
+        </p:spPr>
+      </p:pic>
+      <p:pic>
+        <p:nvPicPr>
+          <p:cNvPr id="10" name="Picture 9">
+            <a:extLst>
+              <a:ext uri="{FF2B5EF4-FFF2-40B4-BE49-F238E27FC236}">
+                <a16:creationId xmlns:a16="http://schemas.microsoft.com/office/drawing/2014/main" id="{F6F4D97F-795F-686E-4385-1DE34E43754F}"/>
+              </a:ext>
+            </a:extLst>
+          </p:cNvPr>
+          <p:cNvPicPr>
+            <a:picLocks noChangeAspect="1"/>
+          </p:cNvPicPr>
+          <p:nvPr/>
+        </p:nvPicPr>
+        <p:blipFill>
+          <a:blip r:embed="rId5"/>
+          <a:stretch>
+            <a:fillRect/>
+          </a:stretch>
+        </p:blipFill>
+        <p:spPr>
+          <a:xfrm>
+            <a:off x="3173506" y="3542339"/>
+            <a:ext cx="2290068" cy="1631921"/>
           </a:xfrm>
           <a:prstGeom prst="rect">
             <a:avLst/>
@@ -11225,118 +11705,112 @@
       </p:pic>
       <p:sp>
         <p:nvSpPr>
-          <p:cNvPr id="5" name="TextBox 4">
+          <p:cNvPr id="16" name="Oval 15">
             <a:extLst>
               <a:ext uri="{FF2B5EF4-FFF2-40B4-BE49-F238E27FC236}">
-                <a16:creationId xmlns:a16="http://schemas.microsoft.com/office/drawing/2014/main" id="{FC716E00-FE79-CE9F-7064-31495A7A081F}"/>
+                <a16:creationId xmlns:a16="http://schemas.microsoft.com/office/drawing/2014/main" id="{364CF881-340B-2938-FA21-25D1C241AEC8}"/>
               </a:ext>
             </a:extLst>
           </p:cNvPr>
-          <p:cNvSpPr txBox="1"/>
+          <p:cNvSpPr/>
           <p:nvPr/>
         </p:nvSpPr>
         <p:spPr>
           <a:xfrm>
-            <a:off x="166762" y="968188"/>
-            <a:ext cx="3790515" cy="3108543"/>
-          </a:xfrm>
-          <a:prstGeom prst="rect">
+            <a:off x="3501801" y="4860549"/>
+            <a:ext cx="376518" cy="313711"/>
+          </a:xfrm>
+          <a:prstGeom prst="ellipse">
             <a:avLst/>
           </a:prstGeom>
           <a:noFill/>
-        </p:spPr>
+          <a:ln>
+            <a:solidFill>
+              <a:schemeClr val="bg1"/>
+            </a:solidFill>
+          </a:ln>
+        </p:spPr>
+        <p:style>
+          <a:lnRef idx="2">
+            <a:schemeClr val="accent1">
+              <a:shade val="50000"/>
+            </a:schemeClr>
+          </a:lnRef>
+          <a:fillRef idx="1">
+            <a:schemeClr val="accent1"/>
+          </a:fillRef>
+          <a:effectRef idx="0">
+            <a:schemeClr val="accent1"/>
+          </a:effectRef>
+          <a:fontRef idx="minor">
+            <a:schemeClr val="lt1"/>
+          </a:fontRef>
+        </p:style>
         <p:txBody>
-          <a:bodyPr wrap="square" rtlCol="0">
-            <a:spAutoFit/>
-          </a:bodyPr>
+          <a:bodyPr rtlCol="0" anchor="ctr"/>
           <a:lstStyle/>
           <a:p>
-            <a:pPr marL="285750" indent="-285750">
-              <a:buFont typeface="Arial" panose="020B0604020202020204" pitchFamily="34" charset="0"/>
-              <a:buChar char="•"/>
-            </a:pPr>
-            <a:r>
-              <a:rPr lang="en-US" b="0" dirty="0" err="1">
-                <a:solidFill>
-                  <a:schemeClr val="tx1"/>
-                </a:solidFill>
-                <a:effectLst/>
-                <a:latin typeface="+mj-lt"/>
-              </a:rPr>
-              <a:t>RandomForest</a:t>
-            </a:r>
-            <a:r>
-              <a:rPr lang="en-US" b="0" dirty="0">
-                <a:solidFill>
-                  <a:schemeClr val="tx1"/>
-                </a:solidFill>
-                <a:effectLst/>
-                <a:latin typeface="+mj-lt"/>
-              </a:rPr>
-              <a:t> Classifier does provide its importance of features which is important for interpretability.</a:t>
-            </a:r>
-          </a:p>
-          <a:p>
-            <a:pPr marL="285750" indent="-285750">
-              <a:buFont typeface="Arial" panose="020B0604020202020204" pitchFamily="34" charset="0"/>
-              <a:buChar char="•"/>
-            </a:pPr>
-            <a:r>
-              <a:rPr lang="en-US" b="0" dirty="0">
-                <a:solidFill>
-                  <a:schemeClr val="tx1"/>
-                </a:solidFill>
-                <a:effectLst/>
-                <a:latin typeface="+mj-lt"/>
-              </a:rPr>
-              <a:t>We can see that rotation speed and power are the best features given its high feature importance, which suggests its high relevance by the model, showing that feature engineering was useful.</a:t>
-            </a:r>
-          </a:p>
-          <a:p>
-            <a:pPr marL="285750" indent="-285750">
-              <a:buFont typeface="Arial" panose="020B0604020202020204" pitchFamily="34" charset="0"/>
-              <a:buChar char="•"/>
-            </a:pPr>
-            <a:r>
-              <a:rPr lang="en-US" b="0" dirty="0">
-                <a:solidFill>
-                  <a:schemeClr val="tx1"/>
-                </a:solidFill>
-                <a:effectLst/>
-                <a:latin typeface="+mj-lt"/>
-              </a:rPr>
-              <a:t>Insight: Power, rotation speed and torque are very relevant in deciding the status of factory machines</a:t>
-            </a:r>
-          </a:p>
-          <a:p>
-            <a:pPr marL="285750" indent="-285750">
-              <a:buFont typeface="Arial" panose="020B0604020202020204" pitchFamily="34" charset="0"/>
-              <a:buChar char="•"/>
-            </a:pPr>
-            <a:r>
-              <a:rPr lang="en-US" b="0" dirty="0">
-                <a:solidFill>
-                  <a:schemeClr val="tx1"/>
-                </a:solidFill>
-                <a:effectLst/>
-                <a:latin typeface="+mj-lt"/>
-              </a:rPr>
-              <a:t>`Quality` is not very important as suggested by model</a:t>
-            </a:r>
-          </a:p>
-          <a:p>
-            <a:pPr marL="285750" indent="-285750">
-              <a:buFont typeface="Arial" panose="020B0604020202020204" pitchFamily="34" charset="0"/>
-              <a:buChar char="•"/>
-            </a:pPr>
-            <a:endParaRPr lang="en-SG" dirty="0"/>
+            <a:pPr algn="ctr"/>
+            <a:endParaRPr lang="en-SG"/>
+          </a:p>
+        </p:txBody>
+      </p:sp>
+      <p:sp>
+        <p:nvSpPr>
+          <p:cNvPr id="13" name="Oval 12">
+            <a:extLst>
+              <a:ext uri="{FF2B5EF4-FFF2-40B4-BE49-F238E27FC236}">
+                <a16:creationId xmlns:a16="http://schemas.microsoft.com/office/drawing/2014/main" id="{9503DDD4-37F1-B0E8-5036-54DC06B28412}"/>
+              </a:ext>
+            </a:extLst>
+          </p:cNvPr>
+          <p:cNvSpPr/>
+          <p:nvPr/>
+        </p:nvSpPr>
+        <p:spPr>
+          <a:xfrm>
+            <a:off x="4447117" y="4684183"/>
+            <a:ext cx="316984" cy="218230"/>
+          </a:xfrm>
+          <a:prstGeom prst="ellipse">
+            <a:avLst/>
+          </a:prstGeom>
+          <a:noFill/>
+          <a:ln>
+            <a:solidFill>
+              <a:schemeClr val="bg1"/>
+            </a:solidFill>
+          </a:ln>
+        </p:spPr>
+        <p:style>
+          <a:lnRef idx="2">
+            <a:schemeClr val="accent1">
+              <a:shade val="50000"/>
+            </a:schemeClr>
+          </a:lnRef>
+          <a:fillRef idx="1">
+            <a:schemeClr val="accent1"/>
+          </a:fillRef>
+          <a:effectRef idx="0">
+            <a:schemeClr val="accent1"/>
+          </a:effectRef>
+          <a:fontRef idx="minor">
+            <a:schemeClr val="lt1"/>
+          </a:fontRef>
+        </p:style>
+        <p:txBody>
+          <a:bodyPr rtlCol="0" anchor="ctr"/>
+          <a:lstStyle/>
+          <a:p>
+            <a:pPr algn="ctr"/>
+            <a:endParaRPr lang="en-SG"/>
           </a:p>
         </p:txBody>
       </p:sp>
     </p:spTree>
     <p:extLst>
       <p:ext uri="{BB962C8B-B14F-4D97-AF65-F5344CB8AC3E}">
-        <p14:creationId xmlns:p14="http://schemas.microsoft.com/office/powerpoint/2010/main" val="596096630"/>
+        <p14:creationId xmlns:p14="http://schemas.microsoft.com/office/powerpoint/2010/main" val="676690826"/>
       </p:ext>
     </p:extLst>
   </p:cSld>
@@ -11375,7 +11849,7 @@
         </p:nvSpPr>
         <p:spPr>
           <a:xfrm>
-            <a:off x="166762" y="567354"/>
+            <a:off x="166762" y="350938"/>
             <a:ext cx="8977238" cy="432833"/>
           </a:xfrm>
           <a:prstGeom prst="rect">
@@ -11399,12 +11873,13 @@
             </a:pPr>
             <a:r>
               <a:rPr lang="en-US" sz="2500" dirty="0"/>
-              <a:t>Conclusion</a:t>
-            </a:r>
-            <a:br>
-              <a:rPr lang="en-US" sz="2500" dirty="0"/>
-            </a:br>
-            <a:endParaRPr lang="en-US" sz="2500" dirty="0"/>
+              <a:t>Feature </a:t>
+            </a:r>
+            <a:r>
+              <a:rPr lang="en-US" sz="2500" dirty="0" err="1"/>
+              <a:t>importances</a:t>
+            </a:r>
+            <a:endParaRPr sz="2500" dirty="0"/>
           </a:p>
         </p:txBody>
       </p:sp>
@@ -11420,7 +11895,313 @@
         </p:nvSpPr>
         <p:spPr>
           <a:xfrm>
-            <a:off x="-23051" y="3857385"/>
+            <a:off x="136026" y="2873828"/>
+            <a:ext cx="7486535" cy="1435032"/>
+          </a:xfrm>
+          <a:prstGeom prst="rect">
+            <a:avLst/>
+          </a:prstGeom>
+        </p:spPr>
+        <p:txBody>
+          <a:bodyPr spcFirstLastPara="1" wrap="square" lIns="91425" tIns="91425" rIns="91425" bIns="91425" anchor="t" anchorCtr="0">
+            <a:noAutofit/>
+          </a:bodyPr>
+          <a:lstStyle/>
+          <a:p>
+            <a:pPr marL="285750" lvl="0" indent="-285750" algn="l" rtl="0">
+              <a:spcBef>
+                <a:spcPts val="0"/>
+              </a:spcBef>
+              <a:spcAft>
+                <a:spcPts val="1200"/>
+              </a:spcAft>
+              <a:buFont typeface="Arial" panose="020B0604020202020204" pitchFamily="34" charset="0"/>
+              <a:buChar char="•"/>
+            </a:pPr>
+            <a:endParaRPr lang="en-US" sz="1400" b="1" dirty="0"/>
+          </a:p>
+          <a:p>
+            <a:pPr marL="285750" lvl="0" indent="-285750" algn="l" rtl="0">
+              <a:spcBef>
+                <a:spcPts val="0"/>
+              </a:spcBef>
+              <a:spcAft>
+                <a:spcPts val="1200"/>
+              </a:spcAft>
+              <a:buFont typeface="Arial" panose="020B0604020202020204" pitchFamily="34" charset="0"/>
+              <a:buChar char="•"/>
+            </a:pPr>
+            <a:endParaRPr lang="en-US" sz="1400" dirty="0"/>
+          </a:p>
+          <a:p>
+            <a:pPr marL="285750" lvl="0" indent="-285750" algn="l" rtl="0">
+              <a:spcBef>
+                <a:spcPts val="0"/>
+              </a:spcBef>
+              <a:spcAft>
+                <a:spcPts val="1200"/>
+              </a:spcAft>
+              <a:buFont typeface="Arial" panose="020B0604020202020204" pitchFamily="34" charset="0"/>
+              <a:buChar char="•"/>
+            </a:pPr>
+            <a:endParaRPr lang="en-US" sz="1400" dirty="0"/>
+          </a:p>
+          <a:p>
+            <a:pPr marL="285750" lvl="0" indent="-285750" algn="l" rtl="0">
+              <a:spcBef>
+                <a:spcPts val="0"/>
+              </a:spcBef>
+              <a:spcAft>
+                <a:spcPts val="1200"/>
+              </a:spcAft>
+              <a:buFont typeface="Arial" panose="020B0604020202020204" pitchFamily="34" charset="0"/>
+              <a:buChar char="•"/>
+            </a:pPr>
+            <a:endParaRPr lang="en-US" sz="1400" dirty="0"/>
+          </a:p>
+          <a:p>
+            <a:pPr marL="285750" lvl="0" indent="-285750" algn="l" rtl="0">
+              <a:spcBef>
+                <a:spcPts val="0"/>
+              </a:spcBef>
+              <a:spcAft>
+                <a:spcPts val="1200"/>
+              </a:spcAft>
+              <a:buFont typeface="Arial" panose="020B0604020202020204" pitchFamily="34" charset="0"/>
+              <a:buChar char="•"/>
+            </a:pPr>
+            <a:endParaRPr lang="en-SG" sz="1400" dirty="0"/>
+          </a:p>
+        </p:txBody>
+      </p:sp>
+      <p:pic>
+        <p:nvPicPr>
+          <p:cNvPr id="3" name="Picture 2">
+            <a:extLst>
+              <a:ext uri="{FF2B5EF4-FFF2-40B4-BE49-F238E27FC236}">
+                <a16:creationId xmlns:a16="http://schemas.microsoft.com/office/drawing/2014/main" id="{1E58AE90-9A78-48C2-C5FE-77FEA72C63A6}"/>
+              </a:ext>
+            </a:extLst>
+          </p:cNvPr>
+          <p:cNvPicPr>
+            <a:picLocks noChangeAspect="1"/>
+          </p:cNvPicPr>
+          <p:nvPr/>
+        </p:nvPicPr>
+        <p:blipFill>
+          <a:blip r:embed="rId3"/>
+          <a:stretch>
+            <a:fillRect/>
+          </a:stretch>
+        </p:blipFill>
+        <p:spPr>
+          <a:xfrm>
+            <a:off x="4022416" y="638811"/>
+            <a:ext cx="5152320" cy="3261721"/>
+          </a:xfrm>
+          <a:prstGeom prst="rect">
+            <a:avLst/>
+          </a:prstGeom>
+        </p:spPr>
+      </p:pic>
+      <p:sp>
+        <p:nvSpPr>
+          <p:cNvPr id="5" name="TextBox 4">
+            <a:extLst>
+              <a:ext uri="{FF2B5EF4-FFF2-40B4-BE49-F238E27FC236}">
+                <a16:creationId xmlns:a16="http://schemas.microsoft.com/office/drawing/2014/main" id="{FC716E00-FE79-CE9F-7064-31495A7A081F}"/>
+              </a:ext>
+            </a:extLst>
+          </p:cNvPr>
+          <p:cNvSpPr txBox="1"/>
+          <p:nvPr/>
+        </p:nvSpPr>
+        <p:spPr>
+          <a:xfrm>
+            <a:off x="166762" y="968188"/>
+            <a:ext cx="3790515" cy="3108543"/>
+          </a:xfrm>
+          <a:prstGeom prst="rect">
+            <a:avLst/>
+          </a:prstGeom>
+          <a:noFill/>
+        </p:spPr>
+        <p:txBody>
+          <a:bodyPr wrap="square" rtlCol="0">
+            <a:spAutoFit/>
+          </a:bodyPr>
+          <a:lstStyle/>
+          <a:p>
+            <a:pPr marL="285750" indent="-285750">
+              <a:buFont typeface="Arial" panose="020B0604020202020204" pitchFamily="34" charset="0"/>
+              <a:buChar char="•"/>
+            </a:pPr>
+            <a:r>
+              <a:rPr lang="en-US" b="0" dirty="0" err="1">
+                <a:solidFill>
+                  <a:schemeClr val="tx1"/>
+                </a:solidFill>
+                <a:effectLst/>
+                <a:latin typeface="+mj-lt"/>
+              </a:rPr>
+              <a:t>RandomForest</a:t>
+            </a:r>
+            <a:r>
+              <a:rPr lang="en-US" b="0" dirty="0">
+                <a:solidFill>
+                  <a:schemeClr val="tx1"/>
+                </a:solidFill>
+                <a:effectLst/>
+                <a:latin typeface="+mj-lt"/>
+              </a:rPr>
+              <a:t> Classifier does provide its importance of features which is important for interpretability.</a:t>
+            </a:r>
+          </a:p>
+          <a:p>
+            <a:pPr marL="285750" indent="-285750">
+              <a:buFont typeface="Arial" panose="020B0604020202020204" pitchFamily="34" charset="0"/>
+              <a:buChar char="•"/>
+            </a:pPr>
+            <a:r>
+              <a:rPr lang="en-US" b="0" dirty="0">
+                <a:solidFill>
+                  <a:schemeClr val="tx1"/>
+                </a:solidFill>
+                <a:effectLst/>
+                <a:latin typeface="+mj-lt"/>
+              </a:rPr>
+              <a:t>We can see that rotation speed and power are the best features given its high feature importance, which suggests its high relevance by the model, showing that feature engineering was useful.</a:t>
+            </a:r>
+          </a:p>
+          <a:p>
+            <a:pPr marL="285750" indent="-285750">
+              <a:buFont typeface="Arial" panose="020B0604020202020204" pitchFamily="34" charset="0"/>
+              <a:buChar char="•"/>
+            </a:pPr>
+            <a:r>
+              <a:rPr lang="en-US" b="0" dirty="0">
+                <a:solidFill>
+                  <a:schemeClr val="tx1"/>
+                </a:solidFill>
+                <a:effectLst/>
+                <a:latin typeface="+mj-lt"/>
+              </a:rPr>
+              <a:t>Insight: Power, rotation speed and torque are very relevant in deciding the status of factory machines</a:t>
+            </a:r>
+          </a:p>
+          <a:p>
+            <a:pPr marL="285750" indent="-285750">
+              <a:buFont typeface="Arial" panose="020B0604020202020204" pitchFamily="34" charset="0"/>
+              <a:buChar char="•"/>
+            </a:pPr>
+            <a:r>
+              <a:rPr lang="en-US" b="0" dirty="0">
+                <a:solidFill>
+                  <a:schemeClr val="tx1"/>
+                </a:solidFill>
+                <a:effectLst/>
+                <a:latin typeface="+mj-lt"/>
+              </a:rPr>
+              <a:t>`Quality` is not very important as suggested by model</a:t>
+            </a:r>
+          </a:p>
+          <a:p>
+            <a:pPr marL="285750" indent="-285750">
+              <a:buFont typeface="Arial" panose="020B0604020202020204" pitchFamily="34" charset="0"/>
+              <a:buChar char="•"/>
+            </a:pPr>
+            <a:endParaRPr lang="en-SG" dirty="0"/>
+          </a:p>
+        </p:txBody>
+      </p:sp>
+    </p:spTree>
+    <p:extLst>
+      <p:ext uri="{BB962C8B-B14F-4D97-AF65-F5344CB8AC3E}">
+        <p14:creationId xmlns:p14="http://schemas.microsoft.com/office/powerpoint/2010/main" val="596096630"/>
+      </p:ext>
+    </p:extLst>
+  </p:cSld>
+  <p:clrMapOvr>
+    <a:masterClrMapping/>
+  </p:clrMapOvr>
+</p:sld>
+</file>
+
+<file path=ppt/slides/slide25.xml><?xml version="1.0" encoding="utf-8"?>
+<p:sld xmlns:a="http://schemas.openxmlformats.org/drawingml/2006/main" xmlns:r="http://schemas.openxmlformats.org/officeDocument/2006/relationships" xmlns:p="http://schemas.openxmlformats.org/presentationml/2006/main">
+  <p:cSld>
+    <p:spTree>
+      <p:nvGrpSpPr>
+        <p:cNvPr id="1" name="Shape 289"/>
+        <p:cNvGrpSpPr/>
+        <p:nvPr/>
+      </p:nvGrpSpPr>
+      <p:grpSpPr>
+        <a:xfrm>
+          <a:off x="0" y="0"/>
+          <a:ext cx="0" cy="0"/>
+          <a:chOff x="0" y="0"/>
+          <a:chExt cx="0" cy="0"/>
+        </a:xfrm>
+      </p:grpSpPr>
+      <p:sp>
+        <p:nvSpPr>
+          <p:cNvPr id="290" name="Google Shape;290;p43"/>
+          <p:cNvSpPr txBox="1">
+            <a:spLocks noGrp="1"/>
+          </p:cNvSpPr>
+          <p:nvPr>
+            <p:ph type="title"/>
+          </p:nvPr>
+        </p:nvSpPr>
+        <p:spPr>
+          <a:xfrm>
+            <a:off x="166762" y="567354"/>
+            <a:ext cx="8977238" cy="432833"/>
+          </a:xfrm>
+          <a:prstGeom prst="rect">
+            <a:avLst/>
+          </a:prstGeom>
+        </p:spPr>
+        <p:txBody>
+          <a:bodyPr spcFirstLastPara="1" wrap="square" lIns="91425" tIns="91425" rIns="91425" bIns="91425" anchor="ctr" anchorCtr="0">
+            <a:noAutofit/>
+          </a:bodyPr>
+          <a:lstStyle/>
+          <a:p>
+            <a:pPr marL="0" lvl="0" indent="0" algn="l" rtl="0">
+              <a:spcBef>
+                <a:spcPts val="0"/>
+              </a:spcBef>
+              <a:spcAft>
+                <a:spcPts val="0"/>
+              </a:spcAft>
+              <a:buNone/>
+            </a:pPr>
+            <a:r>
+              <a:rPr lang="en-US" sz="2500" dirty="0"/>
+              <a:t>Conclusion</a:t>
+            </a:r>
+            <a:br>
+              <a:rPr lang="en-US" sz="2500" dirty="0"/>
+            </a:br>
+            <a:endParaRPr lang="en-US" sz="2500" dirty="0"/>
+          </a:p>
+        </p:txBody>
+      </p:sp>
+      <p:sp>
+        <p:nvSpPr>
+          <p:cNvPr id="291" name="Google Shape;291;p43"/>
+          <p:cNvSpPr txBox="1">
+            <a:spLocks noGrp="1"/>
+          </p:cNvSpPr>
+          <p:nvPr>
+            <p:ph type="subTitle" idx="1"/>
+          </p:nvPr>
+        </p:nvSpPr>
+        <p:spPr>
+          <a:xfrm>
+            <a:off x="-11526" y="3534655"/>
             <a:ext cx="9167051" cy="1435032"/>
           </a:xfrm>
           <a:prstGeom prst="rect">
@@ -12514,7 +13295,7 @@
         </p:nvSpPr>
         <p:spPr>
           <a:xfrm>
-            <a:off x="0" y="783771"/>
+            <a:off x="0" y="611450"/>
             <a:ext cx="4502844" cy="2835409"/>
           </a:xfrm>
           <a:prstGeom prst="rect">
@@ -12603,7 +13384,15 @@
             </a:r>
             <a:r>
               <a:rPr lang="en-SG" sz="1400" b="1" dirty="0"/>
-              <a:t>Quality, and ID </a:t>
+              <a:t>Quality, and </a:t>
+            </a:r>
+            <a:r>
+              <a:rPr lang="en-SG" sz="1400" b="1" dirty="0" err="1"/>
+              <a:t>ProductID</a:t>
+            </a:r>
+            <a:r>
+              <a:rPr lang="en-SG" sz="1400" b="1" dirty="0"/>
+              <a:t> </a:t>
             </a:r>
             <a:r>
               <a:rPr lang="en-SG" sz="1400" dirty="0"/>
@@ -12631,7 +13420,7 @@
             </a:r>
             <a:r>
               <a:rPr lang="en-SG" sz="1400" dirty="0"/>
-              <a:t> percentile to max, suggests presence of outliers.</a:t>
+              <a:t> percentile to max, suggests presence of outliers. </a:t>
             </a:r>
           </a:p>
           <a:p>
@@ -13168,7 +13957,7 @@
             </a:pPr>
             <a:r>
               <a:rPr lang="en-SG" dirty="0"/>
-              <a:t>Exploring continuous/discrete features</a:t>
+              <a:t>Feature Engineering</a:t>
             </a:r>
             <a:endParaRPr dirty="0"/>
           </a:p>
@@ -13186,8 +13975,8 @@
         </p:nvSpPr>
         <p:spPr>
           <a:xfrm>
-            <a:off x="166762" y="929766"/>
-            <a:ext cx="4113245" cy="2835409"/>
+            <a:off x="166762" y="2869987"/>
+            <a:ext cx="8915766" cy="1709698"/>
           </a:xfrm>
           <a:prstGeom prst="rect">
             <a:avLst/>
@@ -13215,6 +14004,87 @@
             </a:r>
           </a:p>
           <a:p>
+            <a:pPr algn="l">
+              <a:lnSpc>
+                <a:spcPct val="107000"/>
+              </a:lnSpc>
+              <a:spcAft>
+                <a:spcPts val="800"/>
+              </a:spcAft>
+              <a:buFont typeface="Arial" panose="020B0604020202020204" pitchFamily="34" charset="0"/>
+              <a:buChar char="•"/>
+            </a:pPr>
+            <a:r>
+              <a:rPr lang="en-US" sz="1300" dirty="0">
+                <a:effectLst/>
+                <a:latin typeface="Montserrat" panose="00000500000000000000" pitchFamily="2" charset="0"/>
+                <a:ea typeface="DengXian" panose="02010600030101010101" pitchFamily="2" charset="-122"/>
+                <a:cs typeface="Times New Roman" panose="02020603050405020304" pitchFamily="18" charset="0"/>
+              </a:rPr>
+              <a:t>Power is probably useful for differentiating between faulty and normal machines, as power can be referred to the rate of doing work </a:t>
+            </a:r>
+            <a:endParaRPr lang="en-SG" sz="1300" dirty="0">
+              <a:effectLst/>
+              <a:latin typeface="Montserrat" panose="00000500000000000000" pitchFamily="2" charset="0"/>
+              <a:ea typeface="DengXian" panose="02010600030101010101" pitchFamily="2" charset="-122"/>
+              <a:cs typeface="Times New Roman" panose="02020603050405020304" pitchFamily="18" charset="0"/>
+            </a:endParaRPr>
+          </a:p>
+          <a:p>
+            <a:pPr algn="l">
+              <a:lnSpc>
+                <a:spcPct val="107000"/>
+              </a:lnSpc>
+              <a:spcAft>
+                <a:spcPts val="800"/>
+              </a:spcAft>
+              <a:buFont typeface="Arial" panose="020B0604020202020204" pitchFamily="34" charset="0"/>
+              <a:buChar char="•"/>
+            </a:pPr>
+            <a:r>
+              <a:rPr lang="en-US" sz="1300" dirty="0">
+                <a:effectLst/>
+                <a:latin typeface="Montserrat" panose="00000500000000000000" pitchFamily="2" charset="0"/>
+                <a:ea typeface="DengXian" panose="02010600030101010101" pitchFamily="2" charset="-122"/>
+                <a:cs typeface="Times New Roman" panose="02020603050405020304" pitchFamily="18" charset="0"/>
+              </a:rPr>
+              <a:t>Small power output may indicate a faulty machine.</a:t>
+            </a:r>
+            <a:endParaRPr lang="en-SG" sz="1300" dirty="0">
+              <a:effectLst/>
+              <a:latin typeface="Montserrat" panose="00000500000000000000" pitchFamily="2" charset="0"/>
+              <a:ea typeface="DengXian" panose="02010600030101010101" pitchFamily="2" charset="-122"/>
+              <a:cs typeface="Times New Roman" panose="02020603050405020304" pitchFamily="18" charset="0"/>
+            </a:endParaRPr>
+          </a:p>
+          <a:p>
+            <a:pPr algn="l">
+              <a:lnSpc>
+                <a:spcPct val="107000"/>
+              </a:lnSpc>
+              <a:spcAft>
+                <a:spcPts val="800"/>
+              </a:spcAft>
+              <a:buFont typeface="Arial" panose="020B0604020202020204" pitchFamily="34" charset="0"/>
+              <a:buChar char="•"/>
+            </a:pPr>
+            <a:r>
+              <a:rPr lang="en-US" sz="1300" dirty="0">
+                <a:effectLst/>
+                <a:latin typeface="Montserrat" panose="00000500000000000000" pitchFamily="2" charset="0"/>
+                <a:ea typeface="DengXian" panose="02010600030101010101" pitchFamily="2" charset="-122"/>
+                <a:cs typeface="Times New Roman" panose="02020603050405020304" pitchFamily="18" charset="0"/>
+              </a:rPr>
+              <a:t>Next, temperature difference is derived from the diff between machine temp and surrounding temp. Larger temp diff could mean overheating, possibly indicating a failing machine.</a:t>
+            </a:r>
+            <a:endParaRPr lang="en-SG" sz="1300" dirty="0">
+              <a:effectLst/>
+              <a:latin typeface="Montserrat" panose="00000500000000000000" pitchFamily="2" charset="0"/>
+              <a:ea typeface="DengXian" panose="02010600030101010101" pitchFamily="2" charset="-122"/>
+              <a:cs typeface="Times New Roman" panose="02020603050405020304" pitchFamily="18" charset="0"/>
+            </a:endParaRPr>
+          </a:p>
+          <a:p>
             <a:pPr marL="342900" lvl="0" algn="l" rtl="0">
               <a:spcBef>
                 <a:spcPts val="0"/>
@@ -13225,10 +14095,9 @@
               <a:buFont typeface="Arial" panose="020B0604020202020204" pitchFamily="34" charset="0"/>
               <a:buChar char="•"/>
             </a:pPr>
-            <a:r>
-              <a:rPr lang="en-SG" sz="1400" dirty="0"/>
-              <a:t>Tool wear/Power output – Uniform distribution </a:t>
-            </a:r>
+            <a:endParaRPr lang="en-SG" sz="1300" b="1" dirty="0">
+              <a:latin typeface="+mj-lt"/>
+            </a:endParaRPr>
           </a:p>
           <a:p>
             <a:pPr marL="342900" lvl="0" algn="l" rtl="0">
@@ -13241,10 +14110,9 @@
               <a:buFont typeface="Arial" panose="020B0604020202020204" pitchFamily="34" charset="0"/>
               <a:buChar char="•"/>
             </a:pPr>
-            <a:r>
-              <a:rPr lang="en-SG" sz="1400" dirty="0"/>
-              <a:t>Rotation speed – positively skewed (may contain outliers)</a:t>
-            </a:r>
+            <a:endParaRPr lang="en-SG" sz="1300" b="1" dirty="0">
+              <a:latin typeface="+mj-lt"/>
+            </a:endParaRPr>
           </a:p>
           <a:p>
             <a:pPr marL="342900" lvl="0" algn="l" rtl="0">
@@ -13257,47 +14125,9 @@
               <a:buFont typeface="Arial" panose="020B0604020202020204" pitchFamily="34" charset="0"/>
               <a:buChar char="•"/>
             </a:pPr>
-            <a:r>
-              <a:rPr lang="en-SG" sz="1400" dirty="0"/>
-              <a:t>Torque follows normal distribution – most machines have turning force of around 37-40 </a:t>
-            </a:r>
-            <a:r>
-              <a:rPr lang="en-SG" sz="1400" dirty="0" err="1"/>
-              <a:t>Newtonmeter</a:t>
-            </a:r>
-            <a:endParaRPr lang="en-SG" sz="1400" dirty="0"/>
-          </a:p>
-          <a:p>
-            <a:pPr marL="342900" lvl="0" algn="l" rtl="0">
-              <a:spcBef>
-                <a:spcPts val="0"/>
-              </a:spcBef>
-              <a:spcAft>
-                <a:spcPts val="1200"/>
-              </a:spcAft>
-              <a:buFont typeface="Arial" panose="020B0604020202020204" pitchFamily="34" charset="0"/>
-              <a:buChar char="•"/>
-            </a:pPr>
-            <a:r>
-              <a:rPr lang="en-SG" sz="1400" dirty="0"/>
-              <a:t>From boxplots, outliers exist in rotation speed, torque and power output.</a:t>
-            </a:r>
-          </a:p>
-          <a:p>
-            <a:pPr marL="342900" lvl="0" algn="l" rtl="0">
-              <a:spcBef>
-                <a:spcPts val="0"/>
-              </a:spcBef>
-              <a:spcAft>
-                <a:spcPts val="1200"/>
-              </a:spcAft>
-              <a:buFont typeface="Arial" panose="020B0604020202020204" pitchFamily="34" charset="0"/>
-              <a:buChar char="•"/>
-            </a:pPr>
-            <a:r>
-              <a:rPr lang="en-SG" sz="1400" dirty="0"/>
-              <a:t>Multimodal distribution for temp diff.</a:t>
-            </a:r>
+            <a:endParaRPr lang="en-SG" sz="1300" dirty="0">
+              <a:latin typeface="+mj-lt"/>
+            </a:endParaRPr>
           </a:p>
           <a:p>
             <a:pPr marL="342900" lvl="0" algn="l" rtl="0">
@@ -13314,66 +14144,6 @@
           </a:p>
         </p:txBody>
       </p:sp>
-      <p:pic>
-        <p:nvPicPr>
-          <p:cNvPr id="6" name="Picture 5">
-            <a:extLst>
-              <a:ext uri="{FF2B5EF4-FFF2-40B4-BE49-F238E27FC236}">
-                <a16:creationId xmlns:a16="http://schemas.microsoft.com/office/drawing/2014/main" id="{C425B628-4560-8E16-EB76-D2416FB901A9}"/>
-              </a:ext>
-            </a:extLst>
-          </p:cNvPr>
-          <p:cNvPicPr>
-            <a:picLocks noChangeAspect="1"/>
-          </p:cNvPicPr>
-          <p:nvPr/>
-        </p:nvPicPr>
-        <p:blipFill>
-          <a:blip r:embed="rId3"/>
-          <a:stretch>
-            <a:fillRect/>
-          </a:stretch>
-        </p:blipFill>
-        <p:spPr>
-          <a:xfrm>
-            <a:off x="4787153" y="1690488"/>
-            <a:ext cx="4356847" cy="1756296"/>
-          </a:xfrm>
-          <a:prstGeom prst="rect">
-            <a:avLst/>
-          </a:prstGeom>
-        </p:spPr>
-      </p:pic>
-      <p:pic>
-        <p:nvPicPr>
-          <p:cNvPr id="8" name="Picture 7">
-            <a:extLst>
-              <a:ext uri="{FF2B5EF4-FFF2-40B4-BE49-F238E27FC236}">
-                <a16:creationId xmlns:a16="http://schemas.microsoft.com/office/drawing/2014/main" id="{41A765A2-F07E-DCC8-476F-3FA076DF6D0B}"/>
-              </a:ext>
-            </a:extLst>
-          </p:cNvPr>
-          <p:cNvPicPr>
-            <a:picLocks noChangeAspect="1"/>
-          </p:cNvPicPr>
-          <p:nvPr/>
-        </p:nvPicPr>
-        <p:blipFill>
-          <a:blip r:embed="rId4"/>
-          <a:stretch>
-            <a:fillRect/>
-          </a:stretch>
-        </p:blipFill>
-        <p:spPr>
-          <a:xfrm>
-            <a:off x="4625789" y="3446784"/>
-            <a:ext cx="4479789" cy="1696716"/>
-          </a:xfrm>
-          <a:prstGeom prst="rect">
-            <a:avLst/>
-          </a:prstGeom>
-        </p:spPr>
-      </p:pic>
       <p:pic>
         <p:nvPicPr>
           <p:cNvPr id="4" name="Picture 3">
@@ -13389,15 +14159,15 @@
           <p:nvPr/>
         </p:nvPicPr>
         <p:blipFill>
-          <a:blip r:embed="rId5"/>
+          <a:blip r:embed="rId3"/>
           <a:stretch>
             <a:fillRect/>
           </a:stretch>
         </p:blipFill>
         <p:spPr>
           <a:xfrm>
-            <a:off x="4747592" y="783771"/>
-            <a:ext cx="4479789" cy="906717"/>
+            <a:off x="1367758" y="783771"/>
+            <a:ext cx="6408484" cy="2086216"/>
           </a:xfrm>
           <a:prstGeom prst="rect">
             <a:avLst/>
@@ -13470,7 +14240,7 @@
             </a:pPr>
             <a:r>
               <a:rPr lang="en-SG" dirty="0"/>
-              <a:t>Exploratory Data Analysis</a:t>
+              <a:t>Exploring continuous/discrete features</a:t>
             </a:r>
             <a:endParaRPr dirty="0"/>
           </a:p>
@@ -13488,8 +14258,8 @@
         </p:nvSpPr>
         <p:spPr>
           <a:xfrm>
-            <a:off x="-53788" y="783771"/>
-            <a:ext cx="5586292" cy="3453013"/>
+            <a:off x="166762" y="929766"/>
+            <a:ext cx="4113245" cy="2835409"/>
           </a:xfrm>
           <a:prstGeom prst="rect">
             <a:avLst/>
@@ -13501,7 +14271,10 @@
           </a:bodyPr>
           <a:lstStyle/>
           <a:p>
-            <a:pPr marL="342900" algn="l">
+            <a:pPr marL="342900" lvl="0" algn="l" rtl="0">
+              <a:spcBef>
+                <a:spcPts val="0"/>
+              </a:spcBef>
               <a:spcAft>
                 <a:spcPts val="1200"/>
               </a:spcAft>
@@ -13509,14 +14282,15 @@
               <a:buChar char="•"/>
             </a:pPr>
             <a:r>
-              <a:rPr lang="en-US" sz="1400" dirty="0">
-                <a:latin typeface="+mj-lt"/>
-              </a:rPr>
-              <a:t>Observe strong correlation between torque and rotation speed </a:t>
-            </a:r>
-          </a:p>
-          <a:p>
-            <a:pPr marL="342900" algn="l">
+              <a:rPr lang="en-SG" sz="1400" dirty="0"/>
+              <a:t>Tool wear/Power output – Uniform distribution </a:t>
+            </a:r>
+          </a:p>
+          <a:p>
+            <a:pPr marL="342900" lvl="0" algn="l" rtl="0">
+              <a:spcBef>
+                <a:spcPts val="0"/>
+              </a:spcBef>
               <a:spcAft>
                 <a:spcPts val="1200"/>
               </a:spcAft>
@@ -13524,14 +14298,9 @@
               <a:buChar char="•"/>
             </a:pPr>
             <a:r>
-              <a:rPr lang="en-US" sz="1400" dirty="0">
-                <a:latin typeface="+mj-lt"/>
-              </a:rPr>
-              <a:t>Presence of outliers which are mostly machines that fail,  we will not drop them as it will reduce the minority class even more, leading to greater imbalance dataset, severely limiting the model to predict observations from minority class.</a:t>
-            </a:r>
-            <a:endParaRPr lang="en-SG" sz="1400" dirty="0">
-              <a:latin typeface="+mj-lt"/>
-            </a:endParaRPr>
+              <a:rPr lang="en-SG" sz="1400" dirty="0"/>
+              <a:t>Rotation speed – positively skewed (may contain outliers, need investigate)</a:t>
+            </a:r>
           </a:p>
           <a:p>
             <a:pPr marL="342900" lvl="0" algn="l" rtl="0">
@@ -13545,17 +14314,14 @@
               <a:buChar char="•"/>
             </a:pPr>
             <a:r>
-              <a:rPr lang="en-SG" sz="1400" dirty="0" err="1">
-                <a:latin typeface="+mj-lt"/>
-              </a:rPr>
-              <a:t>Phik</a:t>
-            </a:r>
-            <a:r>
-              <a:rPr lang="en-SG" sz="1400" dirty="0">
-                <a:latin typeface="+mj-lt"/>
-              </a:rPr>
-              <a:t> correlation works well with numerical and categorical values.</a:t>
-            </a:r>
+              <a:rPr lang="en-SG" sz="1400" dirty="0"/>
+              <a:t>Torque follows normal distribution – most machines have turning force of around 37-40 </a:t>
+            </a:r>
+            <a:r>
+              <a:rPr lang="en-SG" sz="1400" dirty="0" err="1"/>
+              <a:t>Newtonmeter</a:t>
+            </a:r>
+            <a:endParaRPr lang="en-SG" sz="1400" dirty="0"/>
           </a:p>
           <a:p>
             <a:pPr marL="342900" lvl="0" algn="l" rtl="0">
@@ -13569,14 +14335,20 @@
               <a:buChar char="•"/>
             </a:pPr>
             <a:r>
-              <a:rPr lang="en-SG" sz="1400" dirty="0">
-                <a:latin typeface="+mj-lt"/>
-              </a:rPr>
-              <a:t>Several highly correlated features suggest presence of multicollinearity. Such as Process T and Ambient T (0.92), Torque and rotation speed (0.94)</a:t>
-            </a:r>
-          </a:p>
-          <a:p>
-            <a:pPr marL="342900" algn="l">
+              <a:rPr lang="en-SG" sz="1400" dirty="0"/>
+              <a:t>From boxplots, outliers exist in rotation speed, torque and power output </a:t>
+            </a:r>
+            <a:r>
+              <a:rPr lang="en-SG" sz="1400"/>
+              <a:t>and revolutions.</a:t>
+            </a:r>
+            <a:endParaRPr lang="en-SG" sz="1400" dirty="0"/>
+          </a:p>
+          <a:p>
+            <a:pPr marL="342900" lvl="0" algn="l" rtl="0">
+              <a:spcBef>
+                <a:spcPts val="0"/>
+              </a:spcBef>
               <a:spcAft>
                 <a:spcPts val="1200"/>
               </a:spcAft>
@@ -13584,10 +14356,8 @@
               <a:buChar char="•"/>
             </a:pPr>
             <a:r>
-              <a:rPr lang="en-SG" sz="1400" dirty="0">
-                <a:latin typeface="+mj-lt"/>
-              </a:rPr>
-              <a:t>May contain redundant information, hence feature selection may benefit us.</a:t>
+              <a:rPr lang="en-SG" sz="1400" dirty="0"/>
+              <a:t>Multimodal distribution for temp diff.</a:t>
             </a:r>
           </a:p>
           <a:p>
@@ -13601,27 +14371,16 @@
               <a:buFont typeface="Arial" panose="020B0604020202020204" pitchFamily="34" charset="0"/>
               <a:buChar char="•"/>
             </a:pPr>
-            <a:r>
-              <a:rPr lang="en-SG" sz="1400" b="1" dirty="0">
-                <a:latin typeface="+mj-lt"/>
-              </a:rPr>
-              <a:t>Power output, torque and rotation speed </a:t>
-            </a:r>
-            <a:r>
-              <a:rPr lang="en-SG" sz="1400" dirty="0">
-                <a:latin typeface="+mj-lt"/>
-              </a:rPr>
-              <a:t>are highly correlated with machine status, which is logical as they could determine if a machine is functioning.</a:t>
-            </a:r>
+            <a:endParaRPr sz="1400" dirty="0"/>
           </a:p>
         </p:txBody>
       </p:sp>
       <p:pic>
         <p:nvPicPr>
-          <p:cNvPr id="3" name="Picture 2">
+          <p:cNvPr id="6" name="Picture 5">
             <a:extLst>
               <a:ext uri="{FF2B5EF4-FFF2-40B4-BE49-F238E27FC236}">
-                <a16:creationId xmlns:a16="http://schemas.microsoft.com/office/drawing/2014/main" id="{50929189-EC58-1F9B-0CC8-51538D515A84}"/>
+                <a16:creationId xmlns:a16="http://schemas.microsoft.com/office/drawing/2014/main" id="{C425B628-4560-8E16-EB76-D2416FB901A9}"/>
               </a:ext>
             </a:extLst>
           </p:cNvPr>
@@ -13638,8 +14397,8 @@
         </p:blipFill>
         <p:spPr>
           <a:xfrm>
-            <a:off x="5615796" y="2481942"/>
-            <a:ext cx="3528204" cy="2661557"/>
+            <a:off x="4572000" y="818568"/>
+            <a:ext cx="4356847" cy="1756296"/>
           </a:xfrm>
           <a:prstGeom prst="rect">
             <a:avLst/>
@@ -13648,10 +14407,10 @@
       </p:pic>
       <p:pic>
         <p:nvPicPr>
-          <p:cNvPr id="5" name="Picture 4">
+          <p:cNvPr id="8" name="Picture 7">
             <a:extLst>
               <a:ext uri="{FF2B5EF4-FFF2-40B4-BE49-F238E27FC236}">
-                <a16:creationId xmlns:a16="http://schemas.microsoft.com/office/drawing/2014/main" id="{9DDAE1CF-2D5A-58E0-E10E-A7593C7E55F3}"/>
+                <a16:creationId xmlns:a16="http://schemas.microsoft.com/office/drawing/2014/main" id="{41A765A2-F07E-DCC8-476F-3FA076DF6D0B}"/>
               </a:ext>
             </a:extLst>
           </p:cNvPr>
@@ -13668,63 +14427,18 @@
         </p:blipFill>
         <p:spPr>
           <a:xfrm>
-            <a:off x="5417244" y="537881"/>
-            <a:ext cx="3726756" cy="1882589"/>
+            <a:off x="4572000" y="2862797"/>
+            <a:ext cx="4479789" cy="1696716"/>
           </a:xfrm>
           <a:prstGeom prst="rect">
             <a:avLst/>
           </a:prstGeom>
         </p:spPr>
       </p:pic>
-      <p:sp>
-        <p:nvSpPr>
-          <p:cNvPr id="2" name="Oval 1">
-            <a:extLst>
-              <a:ext uri="{FF2B5EF4-FFF2-40B4-BE49-F238E27FC236}">
-                <a16:creationId xmlns:a16="http://schemas.microsoft.com/office/drawing/2014/main" id="{BDD5EB73-7E7F-8921-E4CD-204A4C053921}"/>
-              </a:ext>
-            </a:extLst>
-          </p:cNvPr>
-          <p:cNvSpPr/>
-          <p:nvPr/>
-        </p:nvSpPr>
-        <p:spPr>
-          <a:xfrm rot="7798014">
-            <a:off x="5600698" y="737028"/>
-            <a:ext cx="269651" cy="458178"/>
-          </a:xfrm>
-          <a:prstGeom prst="ellipse">
-            <a:avLst/>
-          </a:prstGeom>
-          <a:noFill/>
-        </p:spPr>
-        <p:style>
-          <a:lnRef idx="2">
-            <a:schemeClr val="accent6"/>
-          </a:lnRef>
-          <a:fillRef idx="1">
-            <a:schemeClr val="lt1"/>
-          </a:fillRef>
-          <a:effectRef idx="0">
-            <a:schemeClr val="accent6"/>
-          </a:effectRef>
-          <a:fontRef idx="minor">
-            <a:schemeClr val="dk1"/>
-          </a:fontRef>
-        </p:style>
-        <p:txBody>
-          <a:bodyPr rtlCol="0" anchor="ctr"/>
-          <a:lstStyle/>
-          <a:p>
-            <a:pPr algn="ctr"/>
-            <a:endParaRPr lang="en-SG"/>
-          </a:p>
-        </p:txBody>
-      </p:sp>
     </p:spTree>
     <p:extLst>
       <p:ext uri="{BB962C8B-B14F-4D97-AF65-F5344CB8AC3E}">
-        <p14:creationId xmlns:p14="http://schemas.microsoft.com/office/powerpoint/2010/main" val="3588965340"/>
+        <p14:creationId xmlns:p14="http://schemas.microsoft.com/office/powerpoint/2010/main" val="2593160054"/>
       </p:ext>
     </p:extLst>
   </p:cSld>
@@ -13763,7 +14477,7 @@
         </p:nvSpPr>
         <p:spPr>
           <a:xfrm>
-            <a:off x="166762" y="350938"/>
+            <a:off x="166762" y="252308"/>
             <a:ext cx="8531565" cy="432833"/>
           </a:xfrm>
           <a:prstGeom prst="rect">
@@ -13786,8 +14500,8 @@
               <a:buNone/>
             </a:pPr>
             <a:r>
-              <a:rPr lang="en-SG" dirty="0" err="1"/>
-              <a:t>Preprocessing</a:t>
+              <a:rPr lang="en-SG" dirty="0"/>
+              <a:t>Exploratory Data Analysis</a:t>
             </a:r>
             <a:endParaRPr dirty="0"/>
           </a:p>
@@ -13805,8 +14519,8 @@
         </p:nvSpPr>
         <p:spPr>
           <a:xfrm>
-            <a:off x="166762" y="929766"/>
-            <a:ext cx="9095771" cy="2835409"/>
+            <a:off x="-20426" y="583737"/>
+            <a:ext cx="5493767" cy="3453013"/>
           </a:xfrm>
           <a:prstGeom prst="rect">
             <a:avLst/>
@@ -13818,6 +14532,39 @@
           </a:bodyPr>
           <a:lstStyle/>
           <a:p>
+            <a:pPr marL="342900" algn="l">
+              <a:spcAft>
+                <a:spcPts val="1200"/>
+              </a:spcAft>
+              <a:buFont typeface="Arial" panose="020B0604020202020204" pitchFamily="34" charset="0"/>
+              <a:buChar char="•"/>
+            </a:pPr>
+            <a:r>
+              <a:rPr lang="en-US" sz="1400" dirty="0">
+                <a:latin typeface="+mj-lt"/>
+              </a:rPr>
+              <a:t>Observe moderately strong correlation between torque and rotation speed </a:t>
+            </a:r>
+          </a:p>
+          <a:p>
+            <a:pPr marL="342900" algn="l">
+              <a:spcAft>
+                <a:spcPts val="1200"/>
+              </a:spcAft>
+              <a:buFont typeface="Arial" panose="020B0604020202020204" pitchFamily="34" charset="0"/>
+              <a:buChar char="•"/>
+            </a:pPr>
+            <a:r>
+              <a:rPr lang="en-US" sz="1400" dirty="0">
+                <a:latin typeface="+mj-lt"/>
+              </a:rPr>
+              <a:t>Presence of outliers which are mostly machines that fail, we will not drop them as it will reduce the minority class even more, leading to greater imbalance dataset, severely limiting the model to predict observations from minority class.</a:t>
+            </a:r>
+            <a:endParaRPr lang="en-SG" sz="1400" dirty="0">
+              <a:latin typeface="+mj-lt"/>
+            </a:endParaRPr>
+          </a:p>
+          <a:p>
             <a:pPr marL="342900" lvl="0" algn="l" rtl="0">
               <a:spcBef>
                 <a:spcPts val="0"/>
@@ -13829,8 +14576,16 @@
               <a:buChar char="•"/>
             </a:pPr>
             <a:r>
-              <a:rPr lang="en-SG" sz="1400" dirty="0"/>
-              <a:t>Drop Product ID ( does not provide info towards target variable)</a:t>
+              <a:rPr lang="en-SG" sz="1400" dirty="0" err="1">
+                <a:latin typeface="+mj-lt"/>
+              </a:rPr>
+              <a:t>Phik</a:t>
+            </a:r>
+            <a:r>
+              <a:rPr lang="en-SG" sz="1400" dirty="0">
+                <a:latin typeface="+mj-lt"/>
+              </a:rPr>
+              <a:t> correlation works well with numerical and categorical values.</a:t>
             </a:r>
           </a:p>
           <a:p>
@@ -13845,15 +14600,14 @@
               <a:buChar char="•"/>
             </a:pPr>
             <a:r>
-              <a:rPr lang="en-SG" sz="1400" dirty="0"/>
-              <a:t>Directly dropping rows with NULL values may introduce a larger imbalance dataset. Hence we recognize the need to retain precious data, we will carry out imputation. Furthermore, dropping will lead to a loss of more than 10% of dataset.</a:t>
-            </a:r>
-          </a:p>
-          <a:p>
-            <a:pPr marL="342900" lvl="0" algn="l" rtl="0">
-              <a:spcBef>
-                <a:spcPts val="0"/>
-              </a:spcBef>
+              <a:rPr lang="en-SG" sz="1400" dirty="0">
+                <a:latin typeface="+mj-lt"/>
+              </a:rPr>
+              <a:t>Several highly correlated features suggest presence of multicollinearity. Such as Process T and Ambient T (0.92), Torque and rotation speed (0.94)</a:t>
+            </a:r>
+          </a:p>
+          <a:p>
+            <a:pPr marL="342900" algn="l">
               <a:spcAft>
                 <a:spcPts val="1200"/>
               </a:spcAft>
@@ -13861,31 +14615,14 @@
               <a:buChar char="•"/>
             </a:pPr>
             <a:r>
-              <a:rPr lang="en-SG" sz="1400" dirty="0"/>
-              <a:t>Can consider {</a:t>
-            </a:r>
-            <a:r>
-              <a:rPr lang="en-SG" sz="1400" dirty="0" err="1"/>
-              <a:t>KNNImputer</a:t>
-            </a:r>
-            <a:r>
-              <a:rPr lang="en-SG" sz="1400" dirty="0"/>
-              <a:t>, </a:t>
-            </a:r>
-            <a:r>
-              <a:rPr lang="en-SG" sz="1400" dirty="0" err="1"/>
-              <a:t>IterativeImputer,SimpleImputer</a:t>
-            </a:r>
-            <a:r>
-              <a:rPr lang="en-SG" sz="1400" dirty="0"/>
-              <a:t>}</a:t>
-            </a:r>
-          </a:p>
-          <a:p>
-            <a:pPr marL="342900" lvl="0" algn="l" rtl="0">
-              <a:spcBef>
-                <a:spcPts val="0"/>
-              </a:spcBef>
+              <a:rPr lang="en-SG" sz="1400" dirty="0">
+                <a:latin typeface="+mj-lt"/>
+              </a:rPr>
+              <a:t>May contain redundant information, hence feature selection may benefit us.</a:t>
+            </a:r>
+          </a:p>
+          <a:p>
+            <a:pPr marL="342900" algn="l">
               <a:spcAft>
                 <a:spcPts val="1200"/>
               </a:spcAft>
@@ -13893,73 +14630,176 @@
               <a:buChar char="•"/>
             </a:pPr>
             <a:r>
-              <a:rPr lang="en-SG" sz="1400" dirty="0"/>
-              <a:t>Imputation SHOULD NOT distort original distribution</a:t>
-            </a:r>
-          </a:p>
-          <a:p>
-            <a:pPr marL="342900" lvl="0" algn="l" rtl="0">
-              <a:spcBef>
-                <a:spcPts val="0"/>
-              </a:spcBef>
-              <a:spcAft>
-                <a:spcPts val="1200"/>
-              </a:spcAft>
-              <a:buFont typeface="Arial" panose="020B0604020202020204" pitchFamily="34" charset="0"/>
-              <a:buChar char="•"/>
-            </a:pPr>
-            <a:r>
-              <a:rPr lang="en-SG" sz="1400" dirty="0"/>
-              <a:t>Separating features from target variable, and using </a:t>
-            </a:r>
-            <a:r>
-              <a:rPr lang="en-SG" sz="1400" b="1" dirty="0" err="1"/>
-              <a:t>train_test_split</a:t>
-            </a:r>
-            <a:r>
-              <a:rPr lang="en-SG" sz="1400" b="1" dirty="0"/>
-              <a:t> so </a:t>
-            </a:r>
-            <a:r>
-              <a:rPr lang="en-SG" sz="1400" dirty="0"/>
-              <a:t>that training set have no idea of test set. </a:t>
-            </a:r>
-          </a:p>
-          <a:p>
-            <a:pPr marL="342900" lvl="0" algn="l" rtl="0">
-              <a:spcBef>
-                <a:spcPts val="0"/>
-              </a:spcBef>
-              <a:spcAft>
-                <a:spcPts val="1200"/>
-              </a:spcAft>
-              <a:buFont typeface="Arial" panose="020B0604020202020204" pitchFamily="34" charset="0"/>
-              <a:buChar char="•"/>
-            </a:pPr>
-            <a:r>
-              <a:rPr lang="en-SG" sz="1400" dirty="0"/>
-              <a:t>Test set is to used for final evaluation, train set is used for training</a:t>
-            </a:r>
-          </a:p>
-          <a:p>
-            <a:pPr marL="342900" lvl="0" algn="l" rtl="0">
-              <a:spcBef>
-                <a:spcPts val="0"/>
-              </a:spcBef>
-              <a:spcAft>
-                <a:spcPts val="1200"/>
-              </a:spcAft>
-              <a:buFont typeface="Arial" panose="020B0604020202020204" pitchFamily="34" charset="0"/>
-              <a:buChar char="•"/>
-            </a:pPr>
-            <a:endParaRPr lang="en-SG" sz="1400" dirty="0"/>
+              <a:rPr lang="en-SG" sz="1400" b="1" dirty="0">
+                <a:latin typeface="+mj-lt"/>
+              </a:rPr>
+              <a:t>Power output, torque and rotation speed </a:t>
+            </a:r>
+            <a:r>
+              <a:rPr lang="en-SG" sz="1400" dirty="0">
+                <a:latin typeface="+mj-lt"/>
+              </a:rPr>
+              <a:t>are highly correlated with machine status, which is logical as they could determine if a machine is functioning.</a:t>
+            </a:r>
+          </a:p>
+        </p:txBody>
+      </p:sp>
+      <p:pic>
+        <p:nvPicPr>
+          <p:cNvPr id="3" name="Picture 2">
+            <a:extLst>
+              <a:ext uri="{FF2B5EF4-FFF2-40B4-BE49-F238E27FC236}">
+                <a16:creationId xmlns:a16="http://schemas.microsoft.com/office/drawing/2014/main" id="{50929189-EC58-1F9B-0CC8-51538D515A84}"/>
+              </a:ext>
+            </a:extLst>
+          </p:cNvPr>
+          <p:cNvPicPr>
+            <a:picLocks noChangeAspect="1"/>
+          </p:cNvPicPr>
+          <p:nvPr/>
+        </p:nvPicPr>
+        <p:blipFill>
+          <a:blip r:embed="rId3"/>
+          <a:stretch>
+            <a:fillRect/>
+          </a:stretch>
+        </p:blipFill>
+        <p:spPr>
+          <a:xfrm>
+            <a:off x="5615796" y="2942985"/>
+            <a:ext cx="3528204" cy="2200514"/>
+          </a:xfrm>
+          <a:prstGeom prst="rect">
+            <a:avLst/>
+          </a:prstGeom>
+        </p:spPr>
+      </p:pic>
+      <p:pic>
+        <p:nvPicPr>
+          <p:cNvPr id="5" name="Picture 4">
+            <a:extLst>
+              <a:ext uri="{FF2B5EF4-FFF2-40B4-BE49-F238E27FC236}">
+                <a16:creationId xmlns:a16="http://schemas.microsoft.com/office/drawing/2014/main" id="{9DDAE1CF-2D5A-58E0-E10E-A7593C7E55F3}"/>
+              </a:ext>
+            </a:extLst>
+          </p:cNvPr>
+          <p:cNvPicPr>
+            <a:picLocks noChangeAspect="1"/>
+          </p:cNvPicPr>
+          <p:nvPr/>
+        </p:nvPicPr>
+        <p:blipFill>
+          <a:blip r:embed="rId4"/>
+          <a:stretch>
+            <a:fillRect/>
+          </a:stretch>
+        </p:blipFill>
+        <p:spPr>
+          <a:xfrm>
+            <a:off x="5417244" y="634564"/>
+            <a:ext cx="3726756" cy="1726381"/>
+          </a:xfrm>
+          <a:prstGeom prst="rect">
+            <a:avLst/>
+          </a:prstGeom>
+        </p:spPr>
+      </p:pic>
+      <p:sp>
+        <p:nvSpPr>
+          <p:cNvPr id="2" name="Oval 1">
+            <a:extLst>
+              <a:ext uri="{FF2B5EF4-FFF2-40B4-BE49-F238E27FC236}">
+                <a16:creationId xmlns:a16="http://schemas.microsoft.com/office/drawing/2014/main" id="{BDD5EB73-7E7F-8921-E4CD-204A4C053921}"/>
+              </a:ext>
+            </a:extLst>
+          </p:cNvPr>
+          <p:cNvSpPr/>
+          <p:nvPr/>
+        </p:nvSpPr>
+        <p:spPr>
+          <a:xfrm rot="7798014">
+            <a:off x="5600698" y="737028"/>
+            <a:ext cx="269651" cy="458178"/>
+          </a:xfrm>
+          <a:prstGeom prst="ellipse">
+            <a:avLst/>
+          </a:prstGeom>
+          <a:noFill/>
+        </p:spPr>
+        <p:style>
+          <a:lnRef idx="2">
+            <a:schemeClr val="accent6"/>
+          </a:lnRef>
+          <a:fillRef idx="1">
+            <a:schemeClr val="lt1"/>
+          </a:fillRef>
+          <a:effectRef idx="0">
+            <a:schemeClr val="accent6"/>
+          </a:effectRef>
+          <a:fontRef idx="minor">
+            <a:schemeClr val="dk1"/>
+          </a:fontRef>
+        </p:style>
+        <p:txBody>
+          <a:bodyPr rtlCol="0" anchor="ctr"/>
+          <a:lstStyle/>
+          <a:p>
+            <a:pPr algn="ctr"/>
+            <a:endParaRPr lang="en-SG"/>
+          </a:p>
+        </p:txBody>
+      </p:sp>
+      <p:sp>
+        <p:nvSpPr>
+          <p:cNvPr id="4" name="Oval 3">
+            <a:extLst>
+              <a:ext uri="{FF2B5EF4-FFF2-40B4-BE49-F238E27FC236}">
+                <a16:creationId xmlns:a16="http://schemas.microsoft.com/office/drawing/2014/main" id="{D25405A1-D0D9-B772-B2DA-8EF438A21EC5}"/>
+              </a:ext>
+            </a:extLst>
+          </p:cNvPr>
+          <p:cNvSpPr/>
+          <p:nvPr/>
+        </p:nvSpPr>
+        <p:spPr>
+          <a:xfrm>
+            <a:off x="6631321" y="914400"/>
+            <a:ext cx="345782" cy="245889"/>
+          </a:xfrm>
+          <a:prstGeom prst="ellipse">
+            <a:avLst/>
+          </a:prstGeom>
+          <a:noFill/>
+        </p:spPr>
+        <p:style>
+          <a:lnRef idx="2">
+            <a:schemeClr val="accent1">
+              <a:shade val="50000"/>
+            </a:schemeClr>
+          </a:lnRef>
+          <a:fillRef idx="1">
+            <a:schemeClr val="accent1"/>
+          </a:fillRef>
+          <a:effectRef idx="0">
+            <a:schemeClr val="accent1"/>
+          </a:effectRef>
+          <a:fontRef idx="minor">
+            <a:schemeClr val="lt1"/>
+          </a:fontRef>
+        </p:style>
+        <p:txBody>
+          <a:bodyPr rtlCol="0" anchor="ctr"/>
+          <a:lstStyle/>
+          <a:p>
+            <a:pPr algn="ctr"/>
+            <a:endParaRPr lang="en-SG"/>
           </a:p>
         </p:txBody>
       </p:sp>
     </p:spTree>
     <p:extLst>
       <p:ext uri="{BB962C8B-B14F-4D97-AF65-F5344CB8AC3E}">
-        <p14:creationId xmlns:p14="http://schemas.microsoft.com/office/powerpoint/2010/main" val="3992229806"/>
+        <p14:creationId xmlns:p14="http://schemas.microsoft.com/office/powerpoint/2010/main" val="3588965340"/>
       </p:ext>
     </p:extLst>
   </p:cSld>
